--- a/pegasus/sites.v3/code.org/public/files/computer_science_advocacy.pptx
+++ b/pegasus/sites.v3/code.org/public/files/computer_science_advocacy.pptx
@@ -1948,7 +1948,7 @@
           <a:p>
             <a:fld id="{DBF07D2D-D193-49EA-AA40-D0161EE95780}" type="datetimeFigureOut">
               <a:rPr lang="en-US" smtClean="0"/>
-              <a:t>9/26/2022</a:t>
+              <a:t>11/2/2022</a:t>
             </a:fld>
             <a:endParaRPr lang="en-US"/>
           </a:p>
@@ -6173,7 +6173,7 @@
             </a:ln>
             <a:extLst>
               <a:ext uri="{909E8E84-426E-40dd-AFC4-6F175D3DCCD1}">
-                <a14:hiddenFill xmlns:a14="http://schemas.microsoft.com/office/drawing/2010/main" xmlns="">
+                <a14:hiddenFill xmlns="" xmlns:a14="http://schemas.microsoft.com/office/drawing/2010/main">
                   <a:solidFill>
                     <a:srgbClr val="FFFFFF"/>
                   </a:solidFill>
@@ -6226,7 +6226,7 @@
             </a:ln>
             <a:extLst>
               <a:ext uri="{909E8E84-426E-40dd-AFC4-6F175D3DCCD1}">
-                <a14:hiddenFill xmlns:a14="http://schemas.microsoft.com/office/drawing/2010/main" xmlns="">
+                <a14:hiddenFill xmlns="" xmlns:a14="http://schemas.microsoft.com/office/drawing/2010/main">
                   <a:noFill/>
                 </a14:hiddenFill>
               </a:ext>
@@ -6277,7 +6277,7 @@
             </a:ln>
             <a:extLst>
               <a:ext uri="{909E8E84-426E-40dd-AFC4-6F175D3DCCD1}">
-                <a14:hiddenFill xmlns:a14="http://schemas.microsoft.com/office/drawing/2010/main" xmlns="">
+                <a14:hiddenFill xmlns="" xmlns:a14="http://schemas.microsoft.com/office/drawing/2010/main">
                   <a:noFill/>
                 </a14:hiddenFill>
               </a:ext>
@@ -6328,7 +6328,7 @@
             </a:ln>
             <a:extLst>
               <a:ext uri="{909E8E84-426E-40dd-AFC4-6F175D3DCCD1}">
-                <a14:hiddenFill xmlns:a14="http://schemas.microsoft.com/office/drawing/2010/main" xmlns="">
+                <a14:hiddenFill xmlns="" xmlns:a14="http://schemas.microsoft.com/office/drawing/2010/main">
                   <a:noFill/>
                 </a14:hiddenFill>
               </a:ext>
@@ -6379,7 +6379,7 @@
             </a:ln>
             <a:extLst>
               <a:ext uri="{909E8E84-426E-40dd-AFC4-6F175D3DCCD1}">
-                <a14:hiddenFill xmlns:a14="http://schemas.microsoft.com/office/drawing/2010/main" xmlns="">
+                <a14:hiddenFill xmlns="" xmlns:a14="http://schemas.microsoft.com/office/drawing/2010/main">
                   <a:noFill/>
                 </a14:hiddenFill>
               </a:ext>
@@ -6430,7 +6430,7 @@
             </a:ln>
             <a:extLst>
               <a:ext uri="{909E8E84-426E-40dd-AFC4-6F175D3DCCD1}">
-                <a14:hiddenFill xmlns:a14="http://schemas.microsoft.com/office/drawing/2010/main" xmlns="">
+                <a14:hiddenFill xmlns="" xmlns:a14="http://schemas.microsoft.com/office/drawing/2010/main">
                   <a:noFill/>
                 </a14:hiddenFill>
               </a:ext>
@@ -6481,7 +6481,7 @@
             </a:ln>
             <a:extLst>
               <a:ext uri="{909E8E84-426E-40dd-AFC4-6F175D3DCCD1}">
-                <a14:hiddenFill xmlns:a14="http://schemas.microsoft.com/office/drawing/2010/main" xmlns="">
+                <a14:hiddenFill xmlns="" xmlns:a14="http://schemas.microsoft.com/office/drawing/2010/main">
                   <a:noFill/>
                 </a14:hiddenFill>
               </a:ext>
@@ -6532,7 +6532,7 @@
             </a:ln>
             <a:extLst>
               <a:ext uri="{909E8E84-426E-40dd-AFC4-6F175D3DCCD1}">
-                <a14:hiddenFill xmlns:a14="http://schemas.microsoft.com/office/drawing/2010/main" xmlns="">
+                <a14:hiddenFill xmlns="" xmlns:a14="http://schemas.microsoft.com/office/drawing/2010/main">
                   <a:noFill/>
                 </a14:hiddenFill>
               </a:ext>
@@ -6583,7 +6583,7 @@
             </a:ln>
             <a:extLst>
               <a:ext uri="{909E8E84-426E-40dd-AFC4-6F175D3DCCD1}">
-                <a14:hiddenFill xmlns:a14="http://schemas.microsoft.com/office/drawing/2010/main" xmlns="">
+                <a14:hiddenFill xmlns="" xmlns:a14="http://schemas.microsoft.com/office/drawing/2010/main">
                   <a:noFill/>
                 </a14:hiddenFill>
               </a:ext>
@@ -6634,7 +6634,7 @@
             </a:ln>
             <a:extLst>
               <a:ext uri="{909E8E84-426E-40dd-AFC4-6F175D3DCCD1}">
-                <a14:hiddenFill xmlns:a14="http://schemas.microsoft.com/office/drawing/2010/main" xmlns="">
+                <a14:hiddenFill xmlns="" xmlns:a14="http://schemas.microsoft.com/office/drawing/2010/main">
                   <a:noFill/>
                 </a14:hiddenFill>
               </a:ext>
@@ -6685,7 +6685,7 @@
             </a:ln>
             <a:extLst>
               <a:ext uri="{909E8E84-426E-40dd-AFC4-6F175D3DCCD1}">
-                <a14:hiddenFill xmlns:a14="http://schemas.microsoft.com/office/drawing/2010/main" xmlns="">
+                <a14:hiddenFill xmlns="" xmlns:a14="http://schemas.microsoft.com/office/drawing/2010/main">
                   <a:noFill/>
                 </a14:hiddenFill>
               </a:ext>
@@ -6736,7 +6736,7 @@
             </a:ln>
             <a:extLst>
               <a:ext uri="{909E8E84-426E-40dd-AFC4-6F175D3DCCD1}">
-                <a14:hiddenFill xmlns:a14="http://schemas.microsoft.com/office/drawing/2010/main" xmlns="">
+                <a14:hiddenFill xmlns="" xmlns:a14="http://schemas.microsoft.com/office/drawing/2010/main">
                   <a:noFill/>
                 </a14:hiddenFill>
               </a:ext>
@@ -6787,7 +6787,7 @@
             </a:ln>
             <a:extLst>
               <a:ext uri="{909E8E84-426E-40dd-AFC4-6F175D3DCCD1}">
-                <a14:hiddenFill xmlns:a14="http://schemas.microsoft.com/office/drawing/2010/main" xmlns="">
+                <a14:hiddenFill xmlns="" xmlns:a14="http://schemas.microsoft.com/office/drawing/2010/main">
                   <a:noFill/>
                 </a14:hiddenFill>
               </a:ext>
@@ -6838,7 +6838,7 @@
             </a:ln>
             <a:extLst>
               <a:ext uri="{909E8E84-426E-40dd-AFC4-6F175D3DCCD1}">
-                <a14:hiddenFill xmlns:a14="http://schemas.microsoft.com/office/drawing/2010/main" xmlns="">
+                <a14:hiddenFill xmlns="" xmlns:a14="http://schemas.microsoft.com/office/drawing/2010/main">
                   <a:noFill/>
                 </a14:hiddenFill>
               </a:ext>
@@ -6889,7 +6889,7 @@
             </a:ln>
             <a:extLst>
               <a:ext uri="{909E8E84-426E-40dd-AFC4-6F175D3DCCD1}">
-                <a14:hiddenFill xmlns:a14="http://schemas.microsoft.com/office/drawing/2010/main" xmlns="">
+                <a14:hiddenFill xmlns="" xmlns:a14="http://schemas.microsoft.com/office/drawing/2010/main">
                   <a:noFill/>
                 </a14:hiddenFill>
               </a:ext>
@@ -6940,7 +6940,7 @@
             </a:ln>
             <a:extLst>
               <a:ext uri="{909E8E84-426E-40dd-AFC4-6F175D3DCCD1}">
-                <a14:hiddenFill xmlns:a14="http://schemas.microsoft.com/office/drawing/2010/main" xmlns="">
+                <a14:hiddenFill xmlns="" xmlns:a14="http://schemas.microsoft.com/office/drawing/2010/main">
                   <a:noFill/>
                 </a14:hiddenFill>
               </a:ext>
@@ -6991,7 +6991,7 @@
             </a:ln>
             <a:extLst>
               <a:ext uri="{909E8E84-426E-40dd-AFC4-6F175D3DCCD1}">
-                <a14:hiddenFill xmlns:a14="http://schemas.microsoft.com/office/drawing/2010/main" xmlns="">
+                <a14:hiddenFill xmlns="" xmlns:a14="http://schemas.microsoft.com/office/drawing/2010/main">
                   <a:noFill/>
                 </a14:hiddenFill>
               </a:ext>
@@ -7042,7 +7042,7 @@
             </a:ln>
             <a:extLst>
               <a:ext uri="{909E8E84-426E-40dd-AFC4-6F175D3DCCD1}">
-                <a14:hiddenFill xmlns:a14="http://schemas.microsoft.com/office/drawing/2010/main" xmlns="">
+                <a14:hiddenFill xmlns="" xmlns:a14="http://schemas.microsoft.com/office/drawing/2010/main">
                   <a:noFill/>
                 </a14:hiddenFill>
               </a:ext>
@@ -7093,7 +7093,7 @@
             </a:ln>
             <a:extLst>
               <a:ext uri="{909E8E84-426E-40dd-AFC4-6F175D3DCCD1}">
-                <a14:hiddenFill xmlns:a14="http://schemas.microsoft.com/office/drawing/2010/main" xmlns="">
+                <a14:hiddenFill xmlns="" xmlns:a14="http://schemas.microsoft.com/office/drawing/2010/main">
                   <a:noFill/>
                 </a14:hiddenFill>
               </a:ext>
@@ -7144,7 +7144,7 @@
             </a:ln>
             <a:extLst>
               <a:ext uri="{909E8E84-426E-40dd-AFC4-6F175D3DCCD1}">
-                <a14:hiddenFill xmlns:a14="http://schemas.microsoft.com/office/drawing/2010/main" xmlns="">
+                <a14:hiddenFill xmlns="" xmlns:a14="http://schemas.microsoft.com/office/drawing/2010/main">
                   <a:noFill/>
                 </a14:hiddenFill>
               </a:ext>
@@ -7195,7 +7195,7 @@
             </a:ln>
             <a:extLst>
               <a:ext uri="{909E8E84-426E-40dd-AFC4-6F175D3DCCD1}">
-                <a14:hiddenFill xmlns:a14="http://schemas.microsoft.com/office/drawing/2010/main" xmlns="">
+                <a14:hiddenFill xmlns="" xmlns:a14="http://schemas.microsoft.com/office/drawing/2010/main">
                   <a:noFill/>
                 </a14:hiddenFill>
               </a:ext>
@@ -7246,7 +7246,7 @@
             </a:ln>
             <a:extLst>
               <a:ext uri="{909E8E84-426E-40dd-AFC4-6F175D3DCCD1}">
-                <a14:hiddenFill xmlns:a14="http://schemas.microsoft.com/office/drawing/2010/main" xmlns="">
+                <a14:hiddenFill xmlns="" xmlns:a14="http://schemas.microsoft.com/office/drawing/2010/main">
                   <a:noFill/>
                 </a14:hiddenFill>
               </a:ext>
@@ -7297,7 +7297,7 @@
             </a:ln>
             <a:extLst>
               <a:ext uri="{909E8E84-426E-40dd-AFC4-6F175D3DCCD1}">
-                <a14:hiddenFill xmlns:a14="http://schemas.microsoft.com/office/drawing/2010/main" xmlns="">
+                <a14:hiddenFill xmlns="" xmlns:a14="http://schemas.microsoft.com/office/drawing/2010/main">
                   <a:noFill/>
                 </a14:hiddenFill>
               </a:ext>
@@ -7348,7 +7348,7 @@
             </a:ln>
             <a:extLst>
               <a:ext uri="{909E8E84-426E-40dd-AFC4-6F175D3DCCD1}">
-                <a14:hiddenFill xmlns:a14="http://schemas.microsoft.com/office/drawing/2010/main" xmlns="">
+                <a14:hiddenFill xmlns="" xmlns:a14="http://schemas.microsoft.com/office/drawing/2010/main">
                   <a:noFill/>
                 </a14:hiddenFill>
               </a:ext>
@@ -7399,7 +7399,7 @@
             </a:ln>
             <a:extLst>
               <a:ext uri="{909E8E84-426E-40dd-AFC4-6F175D3DCCD1}">
-                <a14:hiddenFill xmlns:a14="http://schemas.microsoft.com/office/drawing/2010/main" xmlns="">
+                <a14:hiddenFill xmlns="" xmlns:a14="http://schemas.microsoft.com/office/drawing/2010/main">
                   <a:noFill/>
                 </a14:hiddenFill>
               </a:ext>
@@ -7450,7 +7450,7 @@
             </a:ln>
             <a:extLst>
               <a:ext uri="{909E8E84-426E-40dd-AFC4-6F175D3DCCD1}">
-                <a14:hiddenFill xmlns:a14="http://schemas.microsoft.com/office/drawing/2010/main" xmlns="">
+                <a14:hiddenFill xmlns="" xmlns:a14="http://schemas.microsoft.com/office/drawing/2010/main">
                   <a:noFill/>
                 </a14:hiddenFill>
               </a:ext>
@@ -7501,7 +7501,7 @@
             </a:ln>
             <a:extLst>
               <a:ext uri="{909E8E84-426E-40dd-AFC4-6F175D3DCCD1}">
-                <a14:hiddenFill xmlns:a14="http://schemas.microsoft.com/office/drawing/2010/main" xmlns="">
+                <a14:hiddenFill xmlns="" xmlns:a14="http://schemas.microsoft.com/office/drawing/2010/main">
                   <a:noFill/>
                 </a14:hiddenFill>
               </a:ext>
@@ -7552,7 +7552,7 @@
             </a:ln>
             <a:extLst>
               <a:ext uri="{909E8E84-426E-40dd-AFC4-6F175D3DCCD1}">
-                <a14:hiddenFill xmlns:a14="http://schemas.microsoft.com/office/drawing/2010/main" xmlns="">
+                <a14:hiddenFill xmlns="" xmlns:a14="http://schemas.microsoft.com/office/drawing/2010/main">
                   <a:noFill/>
                 </a14:hiddenFill>
               </a:ext>
@@ -7603,7 +7603,7 @@
             </a:ln>
             <a:extLst>
               <a:ext uri="{909E8E84-426E-40dd-AFC4-6F175D3DCCD1}">
-                <a14:hiddenFill xmlns:a14="http://schemas.microsoft.com/office/drawing/2010/main" xmlns="">
+                <a14:hiddenFill xmlns="" xmlns:a14="http://schemas.microsoft.com/office/drawing/2010/main">
                   <a:noFill/>
                 </a14:hiddenFill>
               </a:ext>
@@ -7654,7 +7654,7 @@
             </a:ln>
             <a:extLst>
               <a:ext uri="{909E8E84-426E-40dd-AFC4-6F175D3DCCD1}">
-                <a14:hiddenFill xmlns:a14="http://schemas.microsoft.com/office/drawing/2010/main" xmlns="">
+                <a14:hiddenFill xmlns="" xmlns:a14="http://schemas.microsoft.com/office/drawing/2010/main">
                   <a:noFill/>
                 </a14:hiddenFill>
               </a:ext>
@@ -7705,7 +7705,7 @@
             </a:ln>
             <a:extLst>
               <a:ext uri="{909E8E84-426E-40dd-AFC4-6F175D3DCCD1}">
-                <a14:hiddenFill xmlns:a14="http://schemas.microsoft.com/office/drawing/2010/main" xmlns="">
+                <a14:hiddenFill xmlns="" xmlns:a14="http://schemas.microsoft.com/office/drawing/2010/main">
                   <a:noFill/>
                 </a14:hiddenFill>
               </a:ext>
@@ -7756,7 +7756,7 @@
             </a:ln>
             <a:extLst>
               <a:ext uri="{909E8E84-426E-40dd-AFC4-6F175D3DCCD1}">
-                <a14:hiddenFill xmlns:a14="http://schemas.microsoft.com/office/drawing/2010/main" xmlns="">
+                <a14:hiddenFill xmlns="" xmlns:a14="http://schemas.microsoft.com/office/drawing/2010/main">
                   <a:noFill/>
                 </a14:hiddenFill>
               </a:ext>
@@ -7807,7 +7807,7 @@
             </a:ln>
             <a:extLst>
               <a:ext uri="{909E8E84-426E-40dd-AFC4-6F175D3DCCD1}">
-                <a14:hiddenFill xmlns:a14="http://schemas.microsoft.com/office/drawing/2010/main" xmlns="">
+                <a14:hiddenFill xmlns="" xmlns:a14="http://schemas.microsoft.com/office/drawing/2010/main">
                   <a:noFill/>
                 </a14:hiddenFill>
               </a:ext>
@@ -7858,7 +7858,7 @@
             </a:ln>
             <a:extLst>
               <a:ext uri="{909E8E84-426E-40dd-AFC4-6F175D3DCCD1}">
-                <a14:hiddenFill xmlns:a14="http://schemas.microsoft.com/office/drawing/2010/main" xmlns="">
+                <a14:hiddenFill xmlns="" xmlns:a14="http://schemas.microsoft.com/office/drawing/2010/main">
                   <a:noFill/>
                 </a14:hiddenFill>
               </a:ext>
@@ -7909,7 +7909,7 @@
             </a:ln>
             <a:extLst>
               <a:ext uri="{909E8E84-426E-40dd-AFC4-6F175D3DCCD1}">
-                <a14:hiddenFill xmlns:a14="http://schemas.microsoft.com/office/drawing/2010/main" xmlns="">
+                <a14:hiddenFill xmlns="" xmlns:a14="http://schemas.microsoft.com/office/drawing/2010/main">
                   <a:noFill/>
                 </a14:hiddenFill>
               </a:ext>
@@ -7960,7 +7960,7 @@
             </a:ln>
             <a:extLst>
               <a:ext uri="{909E8E84-426E-40dd-AFC4-6F175D3DCCD1}">
-                <a14:hiddenFill xmlns:a14="http://schemas.microsoft.com/office/drawing/2010/main" xmlns="">
+                <a14:hiddenFill xmlns="" xmlns:a14="http://schemas.microsoft.com/office/drawing/2010/main">
                   <a:noFill/>
                 </a14:hiddenFill>
               </a:ext>
@@ -8011,7 +8011,7 @@
             </a:ln>
             <a:extLst>
               <a:ext uri="{909E8E84-426E-40dd-AFC4-6F175D3DCCD1}">
-                <a14:hiddenFill xmlns:a14="http://schemas.microsoft.com/office/drawing/2010/main" xmlns="">
+                <a14:hiddenFill xmlns="" xmlns:a14="http://schemas.microsoft.com/office/drawing/2010/main">
                   <a:noFill/>
                 </a14:hiddenFill>
               </a:ext>
@@ -8062,7 +8062,7 @@
             </a:ln>
             <a:extLst>
               <a:ext uri="{909E8E84-426E-40dd-AFC4-6F175D3DCCD1}">
-                <a14:hiddenFill xmlns:a14="http://schemas.microsoft.com/office/drawing/2010/main" xmlns="">
+                <a14:hiddenFill xmlns="" xmlns:a14="http://schemas.microsoft.com/office/drawing/2010/main">
                   <a:noFill/>
                 </a14:hiddenFill>
               </a:ext>
@@ -8113,7 +8113,7 @@
             </a:ln>
             <a:extLst>
               <a:ext uri="{909E8E84-426E-40dd-AFC4-6F175D3DCCD1}">
-                <a14:hiddenFill xmlns:a14="http://schemas.microsoft.com/office/drawing/2010/main" xmlns="">
+                <a14:hiddenFill xmlns="" xmlns:a14="http://schemas.microsoft.com/office/drawing/2010/main">
                   <a:noFill/>
                 </a14:hiddenFill>
               </a:ext>
@@ -8164,7 +8164,7 @@
             </a:ln>
             <a:extLst>
               <a:ext uri="{909E8E84-426E-40dd-AFC4-6F175D3DCCD1}">
-                <a14:hiddenFill xmlns:a14="http://schemas.microsoft.com/office/drawing/2010/main" xmlns="">
+                <a14:hiddenFill xmlns="" xmlns:a14="http://schemas.microsoft.com/office/drawing/2010/main">
                   <a:noFill/>
                 </a14:hiddenFill>
               </a:ext>
@@ -8215,7 +8215,7 @@
             </a:ln>
             <a:extLst>
               <a:ext uri="{909E8E84-426E-40dd-AFC4-6F175D3DCCD1}">
-                <a14:hiddenFill xmlns:a14="http://schemas.microsoft.com/office/drawing/2010/main" xmlns="">
+                <a14:hiddenFill xmlns="" xmlns:a14="http://schemas.microsoft.com/office/drawing/2010/main">
                   <a:noFill/>
                 </a14:hiddenFill>
               </a:ext>
@@ -8266,7 +8266,7 @@
             </a:ln>
             <a:extLst>
               <a:ext uri="{909E8E84-426E-40dd-AFC4-6F175D3DCCD1}">
-                <a14:hiddenFill xmlns:a14="http://schemas.microsoft.com/office/drawing/2010/main" xmlns="">
+                <a14:hiddenFill xmlns="" xmlns:a14="http://schemas.microsoft.com/office/drawing/2010/main">
                   <a:noFill/>
                 </a14:hiddenFill>
               </a:ext>
@@ -8317,7 +8317,7 @@
             </a:ln>
             <a:extLst>
               <a:ext uri="{909E8E84-426E-40dd-AFC4-6F175D3DCCD1}">
-                <a14:hiddenFill xmlns:a14="http://schemas.microsoft.com/office/drawing/2010/main" xmlns="">
+                <a14:hiddenFill xmlns="" xmlns:a14="http://schemas.microsoft.com/office/drawing/2010/main">
                   <a:noFill/>
                 </a14:hiddenFill>
               </a:ext>
@@ -8368,7 +8368,7 @@
             </a:ln>
             <a:extLst>
               <a:ext uri="{909E8E84-426E-40dd-AFC4-6F175D3DCCD1}">
-                <a14:hiddenFill xmlns:a14="http://schemas.microsoft.com/office/drawing/2010/main" xmlns="">
+                <a14:hiddenFill xmlns="" xmlns:a14="http://schemas.microsoft.com/office/drawing/2010/main">
                   <a:noFill/>
                 </a14:hiddenFill>
               </a:ext>
@@ -8419,7 +8419,7 @@
             </a:ln>
             <a:extLst>
               <a:ext uri="{909E8E84-426E-40dd-AFC4-6F175D3DCCD1}">
-                <a14:hiddenFill xmlns:a14="http://schemas.microsoft.com/office/drawing/2010/main" xmlns="">
+                <a14:hiddenFill xmlns="" xmlns:a14="http://schemas.microsoft.com/office/drawing/2010/main">
                   <a:noFill/>
                 </a14:hiddenFill>
               </a:ext>
@@ -8470,7 +8470,7 @@
             </a:ln>
             <a:extLst>
               <a:ext uri="{909E8E84-426E-40dd-AFC4-6F175D3DCCD1}">
-                <a14:hiddenFill xmlns:a14="http://schemas.microsoft.com/office/drawing/2010/main" xmlns="">
+                <a14:hiddenFill xmlns="" xmlns:a14="http://schemas.microsoft.com/office/drawing/2010/main">
                   <a:noFill/>
                 </a14:hiddenFill>
               </a:ext>
@@ -8521,7 +8521,7 @@
             </a:ln>
             <a:extLst>
               <a:ext uri="{909E8E84-426E-40dd-AFC4-6F175D3DCCD1}">
-                <a14:hiddenFill xmlns:a14="http://schemas.microsoft.com/office/drawing/2010/main" xmlns="">
+                <a14:hiddenFill xmlns="" xmlns:a14="http://schemas.microsoft.com/office/drawing/2010/main">
                   <a:noFill/>
                 </a14:hiddenFill>
               </a:ext>
@@ -8572,7 +8572,7 @@
             </a:ln>
             <a:extLst>
               <a:ext uri="{909E8E84-426E-40dd-AFC4-6F175D3DCCD1}">
-                <a14:hiddenFill xmlns:a14="http://schemas.microsoft.com/office/drawing/2010/main" xmlns="">
+                <a14:hiddenFill xmlns="" xmlns:a14="http://schemas.microsoft.com/office/drawing/2010/main">
                   <a:noFill/>
                 </a14:hiddenFill>
               </a:ext>
@@ -8623,7 +8623,7 @@
             </a:ln>
             <a:extLst>
               <a:ext uri="{909E8E84-426E-40dd-AFC4-6F175D3DCCD1}">
-                <a14:hiddenFill xmlns:a14="http://schemas.microsoft.com/office/drawing/2010/main" xmlns="">
+                <a14:hiddenFill xmlns="" xmlns:a14="http://schemas.microsoft.com/office/drawing/2010/main">
                   <a:noFill/>
                 </a14:hiddenFill>
               </a:ext>
@@ -8674,7 +8674,7 @@
             </a:ln>
             <a:extLst>
               <a:ext uri="{909E8E84-426E-40dd-AFC4-6F175D3DCCD1}">
-                <a14:hiddenFill xmlns:a14="http://schemas.microsoft.com/office/drawing/2010/main" xmlns="">
+                <a14:hiddenFill xmlns="" xmlns:a14="http://schemas.microsoft.com/office/drawing/2010/main">
                   <a:noFill/>
                 </a14:hiddenFill>
               </a:ext>
@@ -8725,7 +8725,7 @@
             </a:ln>
             <a:extLst>
               <a:ext uri="{909E8E84-426E-40dd-AFC4-6F175D3DCCD1}">
-                <a14:hiddenFill xmlns:a14="http://schemas.microsoft.com/office/drawing/2010/main" xmlns="">
+                <a14:hiddenFill xmlns="" xmlns:a14="http://schemas.microsoft.com/office/drawing/2010/main">
                   <a:noFill/>
                 </a14:hiddenFill>
               </a:ext>
@@ -8776,7 +8776,7 @@
             </a:ln>
             <a:extLst>
               <a:ext uri="{909E8E84-426E-40dd-AFC4-6F175D3DCCD1}">
-                <a14:hiddenFill xmlns:a14="http://schemas.microsoft.com/office/drawing/2010/main" xmlns="">
+                <a14:hiddenFill xmlns="" xmlns:a14="http://schemas.microsoft.com/office/drawing/2010/main">
                   <a:noFill/>
                 </a14:hiddenFill>
               </a:ext>
@@ -8827,7 +8827,7 @@
             </a:ln>
             <a:extLst>
               <a:ext uri="{909E8E84-426E-40dd-AFC4-6F175D3DCCD1}">
-                <a14:hiddenFill xmlns:a14="http://schemas.microsoft.com/office/drawing/2010/main" xmlns="">
+                <a14:hiddenFill xmlns="" xmlns:a14="http://schemas.microsoft.com/office/drawing/2010/main">
                   <a:noFill/>
                 </a14:hiddenFill>
               </a:ext>
@@ -8878,7 +8878,7 @@
             </a:ln>
             <a:extLst>
               <a:ext uri="{909E8E84-426E-40dd-AFC4-6F175D3DCCD1}">
-                <a14:hiddenFill xmlns:a14="http://schemas.microsoft.com/office/drawing/2010/main" xmlns="">
+                <a14:hiddenFill xmlns="" xmlns:a14="http://schemas.microsoft.com/office/drawing/2010/main">
                   <a:noFill/>
                 </a14:hiddenFill>
               </a:ext>
@@ -8929,7 +8929,7 @@
             </a:ln>
             <a:extLst>
               <a:ext uri="{909E8E84-426E-40dd-AFC4-6F175D3DCCD1}">
-                <a14:hiddenFill xmlns:a14="http://schemas.microsoft.com/office/drawing/2010/main" xmlns="">
+                <a14:hiddenFill xmlns="" xmlns:a14="http://schemas.microsoft.com/office/drawing/2010/main">
                   <a:noFill/>
                 </a14:hiddenFill>
               </a:ext>
@@ -8980,7 +8980,7 @@
             </a:ln>
             <a:extLst>
               <a:ext uri="{909E8E84-426E-40dd-AFC4-6F175D3DCCD1}">
-                <a14:hiddenFill xmlns:a14="http://schemas.microsoft.com/office/drawing/2010/main" xmlns="">
+                <a14:hiddenFill xmlns="" xmlns:a14="http://schemas.microsoft.com/office/drawing/2010/main">
                   <a:noFill/>
                 </a14:hiddenFill>
               </a:ext>
@@ -9031,7 +9031,7 @@
             </a:ln>
             <a:extLst>
               <a:ext uri="{909E8E84-426E-40dd-AFC4-6F175D3DCCD1}">
-                <a14:hiddenFill xmlns:a14="http://schemas.microsoft.com/office/drawing/2010/main" xmlns="">
+                <a14:hiddenFill xmlns="" xmlns:a14="http://schemas.microsoft.com/office/drawing/2010/main">
                   <a:noFill/>
                 </a14:hiddenFill>
               </a:ext>
@@ -9082,7 +9082,7 @@
             </a:ln>
             <a:extLst>
               <a:ext uri="{909E8E84-426E-40dd-AFC4-6F175D3DCCD1}">
-                <a14:hiddenFill xmlns:a14="http://schemas.microsoft.com/office/drawing/2010/main" xmlns="">
+                <a14:hiddenFill xmlns="" xmlns:a14="http://schemas.microsoft.com/office/drawing/2010/main">
                   <a:noFill/>
                 </a14:hiddenFill>
               </a:ext>
@@ -9133,7 +9133,7 @@
             </a:ln>
             <a:extLst>
               <a:ext uri="{909E8E84-426E-40dd-AFC4-6F175D3DCCD1}">
-                <a14:hiddenFill xmlns:a14="http://schemas.microsoft.com/office/drawing/2010/main" xmlns="">
+                <a14:hiddenFill xmlns="" xmlns:a14="http://schemas.microsoft.com/office/drawing/2010/main">
                   <a:noFill/>
                 </a14:hiddenFill>
               </a:ext>
@@ -9184,7 +9184,7 @@
             </a:ln>
             <a:extLst>
               <a:ext uri="{909E8E84-426E-40dd-AFC4-6F175D3DCCD1}">
-                <a14:hiddenFill xmlns:a14="http://schemas.microsoft.com/office/drawing/2010/main" xmlns="">
+                <a14:hiddenFill xmlns="" xmlns:a14="http://schemas.microsoft.com/office/drawing/2010/main">
                   <a:noFill/>
                 </a14:hiddenFill>
               </a:ext>
@@ -9235,7 +9235,7 @@
             </a:ln>
             <a:extLst>
               <a:ext uri="{909E8E84-426E-40dd-AFC4-6F175D3DCCD1}">
-                <a14:hiddenFill xmlns:a14="http://schemas.microsoft.com/office/drawing/2010/main" xmlns="">
+                <a14:hiddenFill xmlns="" xmlns:a14="http://schemas.microsoft.com/office/drawing/2010/main">
                   <a:noFill/>
                 </a14:hiddenFill>
               </a:ext>
@@ -9286,7 +9286,7 @@
             </a:ln>
             <a:extLst>
               <a:ext uri="{909E8E84-426E-40dd-AFC4-6F175D3DCCD1}">
-                <a14:hiddenFill xmlns:a14="http://schemas.microsoft.com/office/drawing/2010/main" xmlns="">
+                <a14:hiddenFill xmlns="" xmlns:a14="http://schemas.microsoft.com/office/drawing/2010/main">
                   <a:noFill/>
                 </a14:hiddenFill>
               </a:ext>
@@ -9337,7 +9337,7 @@
             </a:ln>
             <a:extLst>
               <a:ext uri="{909E8E84-426E-40dd-AFC4-6F175D3DCCD1}">
-                <a14:hiddenFill xmlns:a14="http://schemas.microsoft.com/office/drawing/2010/main" xmlns="">
+                <a14:hiddenFill xmlns="" xmlns:a14="http://schemas.microsoft.com/office/drawing/2010/main">
                   <a:noFill/>
                 </a14:hiddenFill>
               </a:ext>
@@ -9388,7 +9388,7 @@
             </a:ln>
             <a:extLst>
               <a:ext uri="{909E8E84-426E-40dd-AFC4-6F175D3DCCD1}">
-                <a14:hiddenFill xmlns:a14="http://schemas.microsoft.com/office/drawing/2010/main" xmlns="">
+                <a14:hiddenFill xmlns="" xmlns:a14="http://schemas.microsoft.com/office/drawing/2010/main">
                   <a:noFill/>
                 </a14:hiddenFill>
               </a:ext>
@@ -9439,7 +9439,7 @@
             </a:ln>
             <a:extLst>
               <a:ext uri="{909E8E84-426E-40dd-AFC4-6F175D3DCCD1}">
-                <a14:hiddenFill xmlns:a14="http://schemas.microsoft.com/office/drawing/2010/main" xmlns="">
+                <a14:hiddenFill xmlns="" xmlns:a14="http://schemas.microsoft.com/office/drawing/2010/main">
                   <a:noFill/>
                 </a14:hiddenFill>
               </a:ext>
@@ -9490,7 +9490,7 @@
             </a:ln>
             <a:extLst>
               <a:ext uri="{909E8E84-426E-40dd-AFC4-6F175D3DCCD1}">
-                <a14:hiddenFill xmlns:a14="http://schemas.microsoft.com/office/drawing/2010/main" xmlns="">
+                <a14:hiddenFill xmlns="" xmlns:a14="http://schemas.microsoft.com/office/drawing/2010/main">
                   <a:noFill/>
                 </a14:hiddenFill>
               </a:ext>
@@ -9541,7 +9541,7 @@
             </a:ln>
             <a:extLst>
               <a:ext uri="{909E8E84-426E-40dd-AFC4-6F175D3DCCD1}">
-                <a14:hiddenFill xmlns:a14="http://schemas.microsoft.com/office/drawing/2010/main" xmlns="">
+                <a14:hiddenFill xmlns="" xmlns:a14="http://schemas.microsoft.com/office/drawing/2010/main">
                   <a:noFill/>
                 </a14:hiddenFill>
               </a:ext>
@@ -9592,7 +9592,7 @@
             </a:ln>
             <a:extLst>
               <a:ext uri="{909E8E84-426E-40dd-AFC4-6F175D3DCCD1}">
-                <a14:hiddenFill xmlns:a14="http://schemas.microsoft.com/office/drawing/2010/main" xmlns="">
+                <a14:hiddenFill xmlns="" xmlns:a14="http://schemas.microsoft.com/office/drawing/2010/main">
                   <a:noFill/>
                 </a14:hiddenFill>
               </a:ext>
@@ -9643,7 +9643,7 @@
             </a:ln>
             <a:extLst>
               <a:ext uri="{909E8E84-426E-40dd-AFC4-6F175D3DCCD1}">
-                <a14:hiddenFill xmlns:a14="http://schemas.microsoft.com/office/drawing/2010/main" xmlns="">
+                <a14:hiddenFill xmlns="" xmlns:a14="http://schemas.microsoft.com/office/drawing/2010/main">
                   <a:noFill/>
                 </a14:hiddenFill>
               </a:ext>
@@ -10270,7 +10270,7 @@
             </a:ln>
             <a:extLst>
               <a:ext uri="{909E8E84-426E-40dd-AFC4-6F175D3DCCD1}">
-                <a14:hiddenFill xmlns:a14="http://schemas.microsoft.com/office/drawing/2010/main" xmlns="">
+                <a14:hiddenFill xmlns="" xmlns:a14="http://schemas.microsoft.com/office/drawing/2010/main">
                   <a:solidFill>
                     <a:srgbClr val="FFFFFF"/>
                   </a:solidFill>
@@ -10323,7 +10323,7 @@
             </a:ln>
             <a:extLst>
               <a:ext uri="{909E8E84-426E-40dd-AFC4-6F175D3DCCD1}">
-                <a14:hiddenFill xmlns:a14="http://schemas.microsoft.com/office/drawing/2010/main" xmlns="">
+                <a14:hiddenFill xmlns="" xmlns:a14="http://schemas.microsoft.com/office/drawing/2010/main">
                   <a:noFill/>
                 </a14:hiddenFill>
               </a:ext>
@@ -10374,7 +10374,7 @@
             </a:ln>
             <a:extLst>
               <a:ext uri="{909E8E84-426E-40dd-AFC4-6F175D3DCCD1}">
-                <a14:hiddenFill xmlns:a14="http://schemas.microsoft.com/office/drawing/2010/main" xmlns="">
+                <a14:hiddenFill xmlns="" xmlns:a14="http://schemas.microsoft.com/office/drawing/2010/main">
                   <a:noFill/>
                 </a14:hiddenFill>
               </a:ext>
@@ -10425,7 +10425,7 @@
             </a:ln>
             <a:extLst>
               <a:ext uri="{909E8E84-426E-40dd-AFC4-6F175D3DCCD1}">
-                <a14:hiddenFill xmlns:a14="http://schemas.microsoft.com/office/drawing/2010/main" xmlns="">
+                <a14:hiddenFill xmlns="" xmlns:a14="http://schemas.microsoft.com/office/drawing/2010/main">
                   <a:noFill/>
                 </a14:hiddenFill>
               </a:ext>
@@ -10476,7 +10476,7 @@
             </a:ln>
             <a:extLst>
               <a:ext uri="{909E8E84-426E-40dd-AFC4-6F175D3DCCD1}">
-                <a14:hiddenFill xmlns:a14="http://schemas.microsoft.com/office/drawing/2010/main" xmlns="">
+                <a14:hiddenFill xmlns="" xmlns:a14="http://schemas.microsoft.com/office/drawing/2010/main">
                   <a:noFill/>
                 </a14:hiddenFill>
               </a:ext>
@@ -10527,7 +10527,7 @@
             </a:ln>
             <a:extLst>
               <a:ext uri="{909E8E84-426E-40dd-AFC4-6F175D3DCCD1}">
-                <a14:hiddenFill xmlns:a14="http://schemas.microsoft.com/office/drawing/2010/main" xmlns="">
+                <a14:hiddenFill xmlns="" xmlns:a14="http://schemas.microsoft.com/office/drawing/2010/main">
                   <a:noFill/>
                 </a14:hiddenFill>
               </a:ext>
@@ -10578,7 +10578,7 @@
             </a:ln>
             <a:extLst>
               <a:ext uri="{909E8E84-426E-40dd-AFC4-6F175D3DCCD1}">
-                <a14:hiddenFill xmlns:a14="http://schemas.microsoft.com/office/drawing/2010/main" xmlns="">
+                <a14:hiddenFill xmlns="" xmlns:a14="http://schemas.microsoft.com/office/drawing/2010/main">
                   <a:noFill/>
                 </a14:hiddenFill>
               </a:ext>
@@ -10629,7 +10629,7 @@
             </a:ln>
             <a:extLst>
               <a:ext uri="{909E8E84-426E-40dd-AFC4-6F175D3DCCD1}">
-                <a14:hiddenFill xmlns:a14="http://schemas.microsoft.com/office/drawing/2010/main" xmlns="">
+                <a14:hiddenFill xmlns="" xmlns:a14="http://schemas.microsoft.com/office/drawing/2010/main">
                   <a:noFill/>
                 </a14:hiddenFill>
               </a:ext>
@@ -10680,7 +10680,7 @@
             </a:ln>
             <a:extLst>
               <a:ext uri="{909E8E84-426E-40dd-AFC4-6F175D3DCCD1}">
-                <a14:hiddenFill xmlns:a14="http://schemas.microsoft.com/office/drawing/2010/main" xmlns="">
+                <a14:hiddenFill xmlns="" xmlns:a14="http://schemas.microsoft.com/office/drawing/2010/main">
                   <a:noFill/>
                 </a14:hiddenFill>
               </a:ext>
@@ -10731,7 +10731,7 @@
             </a:ln>
             <a:extLst>
               <a:ext uri="{909E8E84-426E-40dd-AFC4-6F175D3DCCD1}">
-                <a14:hiddenFill xmlns:a14="http://schemas.microsoft.com/office/drawing/2010/main" xmlns="">
+                <a14:hiddenFill xmlns="" xmlns:a14="http://schemas.microsoft.com/office/drawing/2010/main">
                   <a:noFill/>
                 </a14:hiddenFill>
               </a:ext>
@@ -10782,7 +10782,7 @@
             </a:ln>
             <a:extLst>
               <a:ext uri="{909E8E84-426E-40dd-AFC4-6F175D3DCCD1}">
-                <a14:hiddenFill xmlns:a14="http://schemas.microsoft.com/office/drawing/2010/main" xmlns="">
+                <a14:hiddenFill xmlns="" xmlns:a14="http://schemas.microsoft.com/office/drawing/2010/main">
                   <a:noFill/>
                 </a14:hiddenFill>
               </a:ext>
@@ -10833,7 +10833,7 @@
             </a:ln>
             <a:extLst>
               <a:ext uri="{909E8E84-426E-40dd-AFC4-6F175D3DCCD1}">
-                <a14:hiddenFill xmlns:a14="http://schemas.microsoft.com/office/drawing/2010/main" xmlns="">
+                <a14:hiddenFill xmlns="" xmlns:a14="http://schemas.microsoft.com/office/drawing/2010/main">
                   <a:noFill/>
                 </a14:hiddenFill>
               </a:ext>
@@ -10884,7 +10884,7 @@
             </a:ln>
             <a:extLst>
               <a:ext uri="{909E8E84-426E-40dd-AFC4-6F175D3DCCD1}">
-                <a14:hiddenFill xmlns:a14="http://schemas.microsoft.com/office/drawing/2010/main" xmlns="">
+                <a14:hiddenFill xmlns="" xmlns:a14="http://schemas.microsoft.com/office/drawing/2010/main">
                   <a:noFill/>
                 </a14:hiddenFill>
               </a:ext>
@@ -10935,7 +10935,7 @@
             </a:ln>
             <a:extLst>
               <a:ext uri="{909E8E84-426E-40dd-AFC4-6F175D3DCCD1}">
-                <a14:hiddenFill xmlns:a14="http://schemas.microsoft.com/office/drawing/2010/main" xmlns="">
+                <a14:hiddenFill xmlns="" xmlns:a14="http://schemas.microsoft.com/office/drawing/2010/main">
                   <a:noFill/>
                 </a14:hiddenFill>
               </a:ext>
@@ -10986,7 +10986,7 @@
             </a:ln>
             <a:extLst>
               <a:ext uri="{909E8E84-426E-40dd-AFC4-6F175D3DCCD1}">
-                <a14:hiddenFill xmlns:a14="http://schemas.microsoft.com/office/drawing/2010/main" xmlns="">
+                <a14:hiddenFill xmlns="" xmlns:a14="http://schemas.microsoft.com/office/drawing/2010/main">
                   <a:noFill/>
                 </a14:hiddenFill>
               </a:ext>
@@ -11037,7 +11037,7 @@
             </a:ln>
             <a:extLst>
               <a:ext uri="{909E8E84-426E-40dd-AFC4-6F175D3DCCD1}">
-                <a14:hiddenFill xmlns:a14="http://schemas.microsoft.com/office/drawing/2010/main" xmlns="">
+                <a14:hiddenFill xmlns="" xmlns:a14="http://schemas.microsoft.com/office/drawing/2010/main">
                   <a:noFill/>
                 </a14:hiddenFill>
               </a:ext>
@@ -11088,7 +11088,7 @@
             </a:ln>
             <a:extLst>
               <a:ext uri="{909E8E84-426E-40dd-AFC4-6F175D3DCCD1}">
-                <a14:hiddenFill xmlns:a14="http://schemas.microsoft.com/office/drawing/2010/main" xmlns="">
+                <a14:hiddenFill xmlns="" xmlns:a14="http://schemas.microsoft.com/office/drawing/2010/main">
                   <a:noFill/>
                 </a14:hiddenFill>
               </a:ext>
@@ -11139,7 +11139,7 @@
             </a:ln>
             <a:extLst>
               <a:ext uri="{909E8E84-426E-40dd-AFC4-6F175D3DCCD1}">
-                <a14:hiddenFill xmlns:a14="http://schemas.microsoft.com/office/drawing/2010/main" xmlns="">
+                <a14:hiddenFill xmlns="" xmlns:a14="http://schemas.microsoft.com/office/drawing/2010/main">
                   <a:noFill/>
                 </a14:hiddenFill>
               </a:ext>
@@ -11190,7 +11190,7 @@
             </a:ln>
             <a:extLst>
               <a:ext uri="{909E8E84-426E-40dd-AFC4-6F175D3DCCD1}">
-                <a14:hiddenFill xmlns:a14="http://schemas.microsoft.com/office/drawing/2010/main" xmlns="">
+                <a14:hiddenFill xmlns="" xmlns:a14="http://schemas.microsoft.com/office/drawing/2010/main">
                   <a:noFill/>
                 </a14:hiddenFill>
               </a:ext>
@@ -11241,7 +11241,7 @@
             </a:ln>
             <a:extLst>
               <a:ext uri="{909E8E84-426E-40dd-AFC4-6F175D3DCCD1}">
-                <a14:hiddenFill xmlns:a14="http://schemas.microsoft.com/office/drawing/2010/main" xmlns="">
+                <a14:hiddenFill xmlns="" xmlns:a14="http://schemas.microsoft.com/office/drawing/2010/main">
                   <a:noFill/>
                 </a14:hiddenFill>
               </a:ext>
@@ -11292,7 +11292,7 @@
             </a:ln>
             <a:extLst>
               <a:ext uri="{909E8E84-426E-40dd-AFC4-6F175D3DCCD1}">
-                <a14:hiddenFill xmlns:a14="http://schemas.microsoft.com/office/drawing/2010/main" xmlns="">
+                <a14:hiddenFill xmlns="" xmlns:a14="http://schemas.microsoft.com/office/drawing/2010/main">
                   <a:noFill/>
                 </a14:hiddenFill>
               </a:ext>
@@ -11343,7 +11343,7 @@
             </a:ln>
             <a:extLst>
               <a:ext uri="{909E8E84-426E-40dd-AFC4-6F175D3DCCD1}">
-                <a14:hiddenFill xmlns:a14="http://schemas.microsoft.com/office/drawing/2010/main" xmlns="">
+                <a14:hiddenFill xmlns="" xmlns:a14="http://schemas.microsoft.com/office/drawing/2010/main">
                   <a:noFill/>
                 </a14:hiddenFill>
               </a:ext>
@@ -11394,7 +11394,7 @@
             </a:ln>
             <a:extLst>
               <a:ext uri="{909E8E84-426E-40dd-AFC4-6F175D3DCCD1}">
-                <a14:hiddenFill xmlns:a14="http://schemas.microsoft.com/office/drawing/2010/main" xmlns="">
+                <a14:hiddenFill xmlns="" xmlns:a14="http://schemas.microsoft.com/office/drawing/2010/main">
                   <a:noFill/>
                 </a14:hiddenFill>
               </a:ext>
@@ -11445,7 +11445,7 @@
             </a:ln>
             <a:extLst>
               <a:ext uri="{909E8E84-426E-40dd-AFC4-6F175D3DCCD1}">
-                <a14:hiddenFill xmlns:a14="http://schemas.microsoft.com/office/drawing/2010/main" xmlns="">
+                <a14:hiddenFill xmlns="" xmlns:a14="http://schemas.microsoft.com/office/drawing/2010/main">
                   <a:noFill/>
                 </a14:hiddenFill>
               </a:ext>
@@ -11496,7 +11496,7 @@
             </a:ln>
             <a:extLst>
               <a:ext uri="{909E8E84-426E-40dd-AFC4-6F175D3DCCD1}">
-                <a14:hiddenFill xmlns:a14="http://schemas.microsoft.com/office/drawing/2010/main" xmlns="">
+                <a14:hiddenFill xmlns="" xmlns:a14="http://schemas.microsoft.com/office/drawing/2010/main">
                   <a:noFill/>
                 </a14:hiddenFill>
               </a:ext>
@@ -11547,7 +11547,7 @@
             </a:ln>
             <a:extLst>
               <a:ext uri="{909E8E84-426E-40dd-AFC4-6F175D3DCCD1}">
-                <a14:hiddenFill xmlns:a14="http://schemas.microsoft.com/office/drawing/2010/main" xmlns="">
+                <a14:hiddenFill xmlns="" xmlns:a14="http://schemas.microsoft.com/office/drawing/2010/main">
                   <a:noFill/>
                 </a14:hiddenFill>
               </a:ext>
@@ -11598,7 +11598,7 @@
             </a:ln>
             <a:extLst>
               <a:ext uri="{909E8E84-426E-40dd-AFC4-6F175D3DCCD1}">
-                <a14:hiddenFill xmlns:a14="http://schemas.microsoft.com/office/drawing/2010/main" xmlns="">
+                <a14:hiddenFill xmlns="" xmlns:a14="http://schemas.microsoft.com/office/drawing/2010/main">
                   <a:noFill/>
                 </a14:hiddenFill>
               </a:ext>
@@ -11649,7 +11649,7 @@
             </a:ln>
             <a:extLst>
               <a:ext uri="{909E8E84-426E-40dd-AFC4-6F175D3DCCD1}">
-                <a14:hiddenFill xmlns:a14="http://schemas.microsoft.com/office/drawing/2010/main" xmlns="">
+                <a14:hiddenFill xmlns="" xmlns:a14="http://schemas.microsoft.com/office/drawing/2010/main">
                   <a:noFill/>
                 </a14:hiddenFill>
               </a:ext>
@@ -11700,7 +11700,7 @@
             </a:ln>
             <a:extLst>
               <a:ext uri="{909E8E84-426E-40dd-AFC4-6F175D3DCCD1}">
-                <a14:hiddenFill xmlns:a14="http://schemas.microsoft.com/office/drawing/2010/main" xmlns="">
+                <a14:hiddenFill xmlns="" xmlns:a14="http://schemas.microsoft.com/office/drawing/2010/main">
                   <a:noFill/>
                 </a14:hiddenFill>
               </a:ext>
@@ -11751,7 +11751,7 @@
             </a:ln>
             <a:extLst>
               <a:ext uri="{909E8E84-426E-40dd-AFC4-6F175D3DCCD1}">
-                <a14:hiddenFill xmlns:a14="http://schemas.microsoft.com/office/drawing/2010/main" xmlns="">
+                <a14:hiddenFill xmlns="" xmlns:a14="http://schemas.microsoft.com/office/drawing/2010/main">
                   <a:noFill/>
                 </a14:hiddenFill>
               </a:ext>
@@ -11802,7 +11802,7 @@
             </a:ln>
             <a:extLst>
               <a:ext uri="{909E8E84-426E-40dd-AFC4-6F175D3DCCD1}">
-                <a14:hiddenFill xmlns:a14="http://schemas.microsoft.com/office/drawing/2010/main" xmlns="">
+                <a14:hiddenFill xmlns="" xmlns:a14="http://schemas.microsoft.com/office/drawing/2010/main">
                   <a:noFill/>
                 </a14:hiddenFill>
               </a:ext>
@@ -11853,7 +11853,7 @@
             </a:ln>
             <a:extLst>
               <a:ext uri="{909E8E84-426E-40dd-AFC4-6F175D3DCCD1}">
-                <a14:hiddenFill xmlns:a14="http://schemas.microsoft.com/office/drawing/2010/main" xmlns="">
+                <a14:hiddenFill xmlns="" xmlns:a14="http://schemas.microsoft.com/office/drawing/2010/main">
                   <a:noFill/>
                 </a14:hiddenFill>
               </a:ext>
@@ -11904,7 +11904,7 @@
             </a:ln>
             <a:extLst>
               <a:ext uri="{909E8E84-426E-40dd-AFC4-6F175D3DCCD1}">
-                <a14:hiddenFill xmlns:a14="http://schemas.microsoft.com/office/drawing/2010/main" xmlns="">
+                <a14:hiddenFill xmlns="" xmlns:a14="http://schemas.microsoft.com/office/drawing/2010/main">
                   <a:noFill/>
                 </a14:hiddenFill>
               </a:ext>
@@ -11955,7 +11955,7 @@
             </a:ln>
             <a:extLst>
               <a:ext uri="{909E8E84-426E-40dd-AFC4-6F175D3DCCD1}">
-                <a14:hiddenFill xmlns:a14="http://schemas.microsoft.com/office/drawing/2010/main" xmlns="">
+                <a14:hiddenFill xmlns="" xmlns:a14="http://schemas.microsoft.com/office/drawing/2010/main">
                   <a:noFill/>
                 </a14:hiddenFill>
               </a:ext>
@@ -12006,7 +12006,7 @@
             </a:ln>
             <a:extLst>
               <a:ext uri="{909E8E84-426E-40dd-AFC4-6F175D3DCCD1}">
-                <a14:hiddenFill xmlns:a14="http://schemas.microsoft.com/office/drawing/2010/main" xmlns="">
+                <a14:hiddenFill xmlns="" xmlns:a14="http://schemas.microsoft.com/office/drawing/2010/main">
                   <a:noFill/>
                 </a14:hiddenFill>
               </a:ext>
@@ -12057,7 +12057,7 @@
             </a:ln>
             <a:extLst>
               <a:ext uri="{909E8E84-426E-40dd-AFC4-6F175D3DCCD1}">
-                <a14:hiddenFill xmlns:a14="http://schemas.microsoft.com/office/drawing/2010/main" xmlns="">
+                <a14:hiddenFill xmlns="" xmlns:a14="http://schemas.microsoft.com/office/drawing/2010/main">
                   <a:noFill/>
                 </a14:hiddenFill>
               </a:ext>
@@ -12108,7 +12108,7 @@
             </a:ln>
             <a:extLst>
               <a:ext uri="{909E8E84-426E-40dd-AFC4-6F175D3DCCD1}">
-                <a14:hiddenFill xmlns:a14="http://schemas.microsoft.com/office/drawing/2010/main" xmlns="">
+                <a14:hiddenFill xmlns="" xmlns:a14="http://schemas.microsoft.com/office/drawing/2010/main">
                   <a:noFill/>
                 </a14:hiddenFill>
               </a:ext>
@@ -12159,7 +12159,7 @@
             </a:ln>
             <a:extLst>
               <a:ext uri="{909E8E84-426E-40dd-AFC4-6F175D3DCCD1}">
-                <a14:hiddenFill xmlns:a14="http://schemas.microsoft.com/office/drawing/2010/main" xmlns="">
+                <a14:hiddenFill xmlns="" xmlns:a14="http://schemas.microsoft.com/office/drawing/2010/main">
                   <a:noFill/>
                 </a14:hiddenFill>
               </a:ext>
@@ -12210,7 +12210,7 @@
             </a:ln>
             <a:extLst>
               <a:ext uri="{909E8E84-426E-40dd-AFC4-6F175D3DCCD1}">
-                <a14:hiddenFill xmlns:a14="http://schemas.microsoft.com/office/drawing/2010/main" xmlns="">
+                <a14:hiddenFill xmlns="" xmlns:a14="http://schemas.microsoft.com/office/drawing/2010/main">
                   <a:noFill/>
                 </a14:hiddenFill>
               </a:ext>
@@ -12261,7 +12261,7 @@
             </a:ln>
             <a:extLst>
               <a:ext uri="{909E8E84-426E-40dd-AFC4-6F175D3DCCD1}">
-                <a14:hiddenFill xmlns:a14="http://schemas.microsoft.com/office/drawing/2010/main" xmlns="">
+                <a14:hiddenFill xmlns="" xmlns:a14="http://schemas.microsoft.com/office/drawing/2010/main">
                   <a:noFill/>
                 </a14:hiddenFill>
               </a:ext>
@@ -12312,7 +12312,7 @@
             </a:ln>
             <a:extLst>
               <a:ext uri="{909E8E84-426E-40dd-AFC4-6F175D3DCCD1}">
-                <a14:hiddenFill xmlns:a14="http://schemas.microsoft.com/office/drawing/2010/main" xmlns="">
+                <a14:hiddenFill xmlns="" xmlns:a14="http://schemas.microsoft.com/office/drawing/2010/main">
                   <a:noFill/>
                 </a14:hiddenFill>
               </a:ext>
@@ -12363,7 +12363,7 @@
             </a:ln>
             <a:extLst>
               <a:ext uri="{909E8E84-426E-40dd-AFC4-6F175D3DCCD1}">
-                <a14:hiddenFill xmlns:a14="http://schemas.microsoft.com/office/drawing/2010/main" xmlns="">
+                <a14:hiddenFill xmlns="" xmlns:a14="http://schemas.microsoft.com/office/drawing/2010/main">
                   <a:noFill/>
                 </a14:hiddenFill>
               </a:ext>
@@ -12414,7 +12414,7 @@
             </a:ln>
             <a:extLst>
               <a:ext uri="{909E8E84-426E-40dd-AFC4-6F175D3DCCD1}">
-                <a14:hiddenFill xmlns:a14="http://schemas.microsoft.com/office/drawing/2010/main" xmlns="">
+                <a14:hiddenFill xmlns="" xmlns:a14="http://schemas.microsoft.com/office/drawing/2010/main">
                   <a:noFill/>
                 </a14:hiddenFill>
               </a:ext>
@@ -12465,7 +12465,7 @@
             </a:ln>
             <a:extLst>
               <a:ext uri="{909E8E84-426E-40dd-AFC4-6F175D3DCCD1}">
-                <a14:hiddenFill xmlns:a14="http://schemas.microsoft.com/office/drawing/2010/main" xmlns="">
+                <a14:hiddenFill xmlns="" xmlns:a14="http://schemas.microsoft.com/office/drawing/2010/main">
                   <a:noFill/>
                 </a14:hiddenFill>
               </a:ext>
@@ -12516,7 +12516,7 @@
             </a:ln>
             <a:extLst>
               <a:ext uri="{909E8E84-426E-40dd-AFC4-6F175D3DCCD1}">
-                <a14:hiddenFill xmlns:a14="http://schemas.microsoft.com/office/drawing/2010/main" xmlns="">
+                <a14:hiddenFill xmlns="" xmlns:a14="http://schemas.microsoft.com/office/drawing/2010/main">
                   <a:noFill/>
                 </a14:hiddenFill>
               </a:ext>
@@ -12567,7 +12567,7 @@
             </a:ln>
             <a:extLst>
               <a:ext uri="{909E8E84-426E-40dd-AFC4-6F175D3DCCD1}">
-                <a14:hiddenFill xmlns:a14="http://schemas.microsoft.com/office/drawing/2010/main" xmlns="">
+                <a14:hiddenFill xmlns="" xmlns:a14="http://schemas.microsoft.com/office/drawing/2010/main">
                   <a:noFill/>
                 </a14:hiddenFill>
               </a:ext>
@@ -12618,7 +12618,7 @@
             </a:ln>
             <a:extLst>
               <a:ext uri="{909E8E84-426E-40dd-AFC4-6F175D3DCCD1}">
-                <a14:hiddenFill xmlns:a14="http://schemas.microsoft.com/office/drawing/2010/main" xmlns="">
+                <a14:hiddenFill xmlns="" xmlns:a14="http://schemas.microsoft.com/office/drawing/2010/main">
                   <a:noFill/>
                 </a14:hiddenFill>
               </a:ext>
@@ -12669,7 +12669,7 @@
             </a:ln>
             <a:extLst>
               <a:ext uri="{909E8E84-426E-40dd-AFC4-6F175D3DCCD1}">
-                <a14:hiddenFill xmlns:a14="http://schemas.microsoft.com/office/drawing/2010/main" xmlns="">
+                <a14:hiddenFill xmlns="" xmlns:a14="http://schemas.microsoft.com/office/drawing/2010/main">
                   <a:noFill/>
                 </a14:hiddenFill>
               </a:ext>
@@ -12720,7 +12720,7 @@
             </a:ln>
             <a:extLst>
               <a:ext uri="{909E8E84-426E-40dd-AFC4-6F175D3DCCD1}">
-                <a14:hiddenFill xmlns:a14="http://schemas.microsoft.com/office/drawing/2010/main" xmlns="">
+                <a14:hiddenFill xmlns="" xmlns:a14="http://schemas.microsoft.com/office/drawing/2010/main">
                   <a:noFill/>
                 </a14:hiddenFill>
               </a:ext>
@@ -12771,7 +12771,7 @@
             </a:ln>
             <a:extLst>
               <a:ext uri="{909E8E84-426E-40dd-AFC4-6F175D3DCCD1}">
-                <a14:hiddenFill xmlns:a14="http://schemas.microsoft.com/office/drawing/2010/main" xmlns="">
+                <a14:hiddenFill xmlns="" xmlns:a14="http://schemas.microsoft.com/office/drawing/2010/main">
                   <a:noFill/>
                 </a14:hiddenFill>
               </a:ext>
@@ -12822,7 +12822,7 @@
             </a:ln>
             <a:extLst>
               <a:ext uri="{909E8E84-426E-40dd-AFC4-6F175D3DCCD1}">
-                <a14:hiddenFill xmlns:a14="http://schemas.microsoft.com/office/drawing/2010/main" xmlns="">
+                <a14:hiddenFill xmlns="" xmlns:a14="http://schemas.microsoft.com/office/drawing/2010/main">
                   <a:noFill/>
                 </a14:hiddenFill>
               </a:ext>
@@ -12873,7 +12873,7 @@
             </a:ln>
             <a:extLst>
               <a:ext uri="{909E8E84-426E-40dd-AFC4-6F175D3DCCD1}">
-                <a14:hiddenFill xmlns:a14="http://schemas.microsoft.com/office/drawing/2010/main" xmlns="">
+                <a14:hiddenFill xmlns="" xmlns:a14="http://schemas.microsoft.com/office/drawing/2010/main">
                   <a:noFill/>
                 </a14:hiddenFill>
               </a:ext>
@@ -12924,7 +12924,7 @@
             </a:ln>
             <a:extLst>
               <a:ext uri="{909E8E84-426E-40dd-AFC4-6F175D3DCCD1}">
-                <a14:hiddenFill xmlns:a14="http://schemas.microsoft.com/office/drawing/2010/main" xmlns="">
+                <a14:hiddenFill xmlns="" xmlns:a14="http://schemas.microsoft.com/office/drawing/2010/main">
                   <a:noFill/>
                 </a14:hiddenFill>
               </a:ext>
@@ -12975,7 +12975,7 @@
             </a:ln>
             <a:extLst>
               <a:ext uri="{909E8E84-426E-40dd-AFC4-6F175D3DCCD1}">
-                <a14:hiddenFill xmlns:a14="http://schemas.microsoft.com/office/drawing/2010/main" xmlns="">
+                <a14:hiddenFill xmlns="" xmlns:a14="http://schemas.microsoft.com/office/drawing/2010/main">
                   <a:noFill/>
                 </a14:hiddenFill>
               </a:ext>
@@ -13026,7 +13026,7 @@
             </a:ln>
             <a:extLst>
               <a:ext uri="{909E8E84-426E-40dd-AFC4-6F175D3DCCD1}">
-                <a14:hiddenFill xmlns:a14="http://schemas.microsoft.com/office/drawing/2010/main" xmlns="">
+                <a14:hiddenFill xmlns="" xmlns:a14="http://schemas.microsoft.com/office/drawing/2010/main">
                   <a:noFill/>
                 </a14:hiddenFill>
               </a:ext>
@@ -13077,7 +13077,7 @@
             </a:ln>
             <a:extLst>
               <a:ext uri="{909E8E84-426E-40dd-AFC4-6F175D3DCCD1}">
-                <a14:hiddenFill xmlns:a14="http://schemas.microsoft.com/office/drawing/2010/main" xmlns="">
+                <a14:hiddenFill xmlns="" xmlns:a14="http://schemas.microsoft.com/office/drawing/2010/main">
                   <a:noFill/>
                 </a14:hiddenFill>
               </a:ext>
@@ -13128,7 +13128,7 @@
             </a:ln>
             <a:extLst>
               <a:ext uri="{909E8E84-426E-40dd-AFC4-6F175D3DCCD1}">
-                <a14:hiddenFill xmlns:a14="http://schemas.microsoft.com/office/drawing/2010/main" xmlns="">
+                <a14:hiddenFill xmlns="" xmlns:a14="http://schemas.microsoft.com/office/drawing/2010/main">
                   <a:noFill/>
                 </a14:hiddenFill>
               </a:ext>
@@ -13179,7 +13179,7 @@
             </a:ln>
             <a:extLst>
               <a:ext uri="{909E8E84-426E-40dd-AFC4-6F175D3DCCD1}">
-                <a14:hiddenFill xmlns:a14="http://schemas.microsoft.com/office/drawing/2010/main" xmlns="">
+                <a14:hiddenFill xmlns="" xmlns:a14="http://schemas.microsoft.com/office/drawing/2010/main">
                   <a:noFill/>
                 </a14:hiddenFill>
               </a:ext>
@@ -13230,7 +13230,7 @@
             </a:ln>
             <a:extLst>
               <a:ext uri="{909E8E84-426E-40dd-AFC4-6F175D3DCCD1}">
-                <a14:hiddenFill xmlns:a14="http://schemas.microsoft.com/office/drawing/2010/main" xmlns="">
+                <a14:hiddenFill xmlns="" xmlns:a14="http://schemas.microsoft.com/office/drawing/2010/main">
                   <a:noFill/>
                 </a14:hiddenFill>
               </a:ext>
@@ -13281,7 +13281,7 @@
             </a:ln>
             <a:extLst>
               <a:ext uri="{909E8E84-426E-40dd-AFC4-6F175D3DCCD1}">
-                <a14:hiddenFill xmlns:a14="http://schemas.microsoft.com/office/drawing/2010/main" xmlns="">
+                <a14:hiddenFill xmlns="" xmlns:a14="http://schemas.microsoft.com/office/drawing/2010/main">
                   <a:noFill/>
                 </a14:hiddenFill>
               </a:ext>
@@ -13332,7 +13332,7 @@
             </a:ln>
             <a:extLst>
               <a:ext uri="{909E8E84-426E-40dd-AFC4-6F175D3DCCD1}">
-                <a14:hiddenFill xmlns:a14="http://schemas.microsoft.com/office/drawing/2010/main" xmlns="">
+                <a14:hiddenFill xmlns="" xmlns:a14="http://schemas.microsoft.com/office/drawing/2010/main">
                   <a:noFill/>
                 </a14:hiddenFill>
               </a:ext>
@@ -13383,7 +13383,7 @@
             </a:ln>
             <a:extLst>
               <a:ext uri="{909E8E84-426E-40dd-AFC4-6F175D3DCCD1}">
-                <a14:hiddenFill xmlns:a14="http://schemas.microsoft.com/office/drawing/2010/main" xmlns="">
+                <a14:hiddenFill xmlns="" xmlns:a14="http://schemas.microsoft.com/office/drawing/2010/main">
                   <a:noFill/>
                 </a14:hiddenFill>
               </a:ext>
@@ -13434,7 +13434,7 @@
             </a:ln>
             <a:extLst>
               <a:ext uri="{909E8E84-426E-40dd-AFC4-6F175D3DCCD1}">
-                <a14:hiddenFill xmlns:a14="http://schemas.microsoft.com/office/drawing/2010/main" xmlns="">
+                <a14:hiddenFill xmlns="" xmlns:a14="http://schemas.microsoft.com/office/drawing/2010/main">
                   <a:noFill/>
                 </a14:hiddenFill>
               </a:ext>
@@ -13485,7 +13485,7 @@
             </a:ln>
             <a:extLst>
               <a:ext uri="{909E8E84-426E-40dd-AFC4-6F175D3DCCD1}">
-                <a14:hiddenFill xmlns:a14="http://schemas.microsoft.com/office/drawing/2010/main" xmlns="">
+                <a14:hiddenFill xmlns="" xmlns:a14="http://schemas.microsoft.com/office/drawing/2010/main">
                   <a:noFill/>
                 </a14:hiddenFill>
               </a:ext>
@@ -13536,7 +13536,7 @@
             </a:ln>
             <a:extLst>
               <a:ext uri="{909E8E84-426E-40dd-AFC4-6F175D3DCCD1}">
-                <a14:hiddenFill xmlns:a14="http://schemas.microsoft.com/office/drawing/2010/main" xmlns="">
+                <a14:hiddenFill xmlns="" xmlns:a14="http://schemas.microsoft.com/office/drawing/2010/main">
                   <a:noFill/>
                 </a14:hiddenFill>
               </a:ext>
@@ -13587,7 +13587,7 @@
             </a:ln>
             <a:extLst>
               <a:ext uri="{909E8E84-426E-40dd-AFC4-6F175D3DCCD1}">
-                <a14:hiddenFill xmlns:a14="http://schemas.microsoft.com/office/drawing/2010/main" xmlns="">
+                <a14:hiddenFill xmlns="" xmlns:a14="http://schemas.microsoft.com/office/drawing/2010/main">
                   <a:noFill/>
                 </a14:hiddenFill>
               </a:ext>
@@ -13638,7 +13638,7 @@
             </a:ln>
             <a:extLst>
               <a:ext uri="{909E8E84-426E-40dd-AFC4-6F175D3DCCD1}">
-                <a14:hiddenFill xmlns:a14="http://schemas.microsoft.com/office/drawing/2010/main" xmlns="">
+                <a14:hiddenFill xmlns="" xmlns:a14="http://schemas.microsoft.com/office/drawing/2010/main">
                   <a:noFill/>
                 </a14:hiddenFill>
               </a:ext>
@@ -13689,7 +13689,7 @@
             </a:ln>
             <a:extLst>
               <a:ext uri="{909E8E84-426E-40dd-AFC4-6F175D3DCCD1}">
-                <a14:hiddenFill xmlns:a14="http://schemas.microsoft.com/office/drawing/2010/main" xmlns="">
+                <a14:hiddenFill xmlns="" xmlns:a14="http://schemas.microsoft.com/office/drawing/2010/main">
                   <a:noFill/>
                 </a14:hiddenFill>
               </a:ext>
@@ -13740,7 +13740,7 @@
             </a:ln>
             <a:extLst>
               <a:ext uri="{909E8E84-426E-40dd-AFC4-6F175D3DCCD1}">
-                <a14:hiddenFill xmlns:a14="http://schemas.microsoft.com/office/drawing/2010/main" xmlns="">
+                <a14:hiddenFill xmlns="" xmlns:a14="http://schemas.microsoft.com/office/drawing/2010/main">
                   <a:noFill/>
                 </a14:hiddenFill>
               </a:ext>
@@ -14164,7 +14164,7 @@
           <a:p>
             <a:fld id="{5355355A-278A-4177-940D-D180E0E2D021}" type="datetimeFigureOut">
               <a:rPr lang="en-US" smtClean="0"/>
-              <a:t>9/26/2022</a:t>
+              <a:t>11/2/2022</a:t>
             </a:fld>
             <a:endParaRPr lang="en-US"/>
           </a:p>
@@ -14302,7 +14302,7 @@
             </a:ln>
             <a:extLst>
               <a:ext uri="{909E8E84-426E-40dd-AFC4-6F175D3DCCD1}">
-                <a14:hiddenFill xmlns:a14="http://schemas.microsoft.com/office/drawing/2010/main" xmlns="">
+                <a14:hiddenFill xmlns="" xmlns:a14="http://schemas.microsoft.com/office/drawing/2010/main">
                   <a:solidFill>
                     <a:srgbClr val="FFFFFF"/>
                   </a:solidFill>
@@ -14355,7 +14355,7 @@
             </a:ln>
             <a:extLst>
               <a:ext uri="{909E8E84-426E-40dd-AFC4-6F175D3DCCD1}">
-                <a14:hiddenFill xmlns:a14="http://schemas.microsoft.com/office/drawing/2010/main" xmlns="">
+                <a14:hiddenFill xmlns="" xmlns:a14="http://schemas.microsoft.com/office/drawing/2010/main">
                   <a:noFill/>
                 </a14:hiddenFill>
               </a:ext>
@@ -14406,7 +14406,7 @@
             </a:ln>
             <a:extLst>
               <a:ext uri="{909E8E84-426E-40dd-AFC4-6F175D3DCCD1}">
-                <a14:hiddenFill xmlns:a14="http://schemas.microsoft.com/office/drawing/2010/main" xmlns="">
+                <a14:hiddenFill xmlns="" xmlns:a14="http://schemas.microsoft.com/office/drawing/2010/main">
                   <a:noFill/>
                 </a14:hiddenFill>
               </a:ext>
@@ -14457,7 +14457,7 @@
             </a:ln>
             <a:extLst>
               <a:ext uri="{909E8E84-426E-40dd-AFC4-6F175D3DCCD1}">
-                <a14:hiddenFill xmlns:a14="http://schemas.microsoft.com/office/drawing/2010/main" xmlns="">
+                <a14:hiddenFill xmlns="" xmlns:a14="http://schemas.microsoft.com/office/drawing/2010/main">
                   <a:noFill/>
                 </a14:hiddenFill>
               </a:ext>
@@ -14508,7 +14508,7 @@
             </a:ln>
             <a:extLst>
               <a:ext uri="{909E8E84-426E-40dd-AFC4-6F175D3DCCD1}">
-                <a14:hiddenFill xmlns:a14="http://schemas.microsoft.com/office/drawing/2010/main" xmlns="">
+                <a14:hiddenFill xmlns="" xmlns:a14="http://schemas.microsoft.com/office/drawing/2010/main">
                   <a:noFill/>
                 </a14:hiddenFill>
               </a:ext>
@@ -14559,7 +14559,7 @@
             </a:ln>
             <a:extLst>
               <a:ext uri="{909E8E84-426E-40dd-AFC4-6F175D3DCCD1}">
-                <a14:hiddenFill xmlns:a14="http://schemas.microsoft.com/office/drawing/2010/main" xmlns="">
+                <a14:hiddenFill xmlns="" xmlns:a14="http://schemas.microsoft.com/office/drawing/2010/main">
                   <a:noFill/>
                 </a14:hiddenFill>
               </a:ext>
@@ -14610,7 +14610,7 @@
             </a:ln>
             <a:extLst>
               <a:ext uri="{909E8E84-426E-40dd-AFC4-6F175D3DCCD1}">
-                <a14:hiddenFill xmlns:a14="http://schemas.microsoft.com/office/drawing/2010/main" xmlns="">
+                <a14:hiddenFill xmlns="" xmlns:a14="http://schemas.microsoft.com/office/drawing/2010/main">
                   <a:noFill/>
                 </a14:hiddenFill>
               </a:ext>
@@ -14661,7 +14661,7 @@
             </a:ln>
             <a:extLst>
               <a:ext uri="{909E8E84-426E-40dd-AFC4-6F175D3DCCD1}">
-                <a14:hiddenFill xmlns:a14="http://schemas.microsoft.com/office/drawing/2010/main" xmlns="">
+                <a14:hiddenFill xmlns="" xmlns:a14="http://schemas.microsoft.com/office/drawing/2010/main">
                   <a:noFill/>
                 </a14:hiddenFill>
               </a:ext>
@@ -14712,7 +14712,7 @@
             </a:ln>
             <a:extLst>
               <a:ext uri="{909E8E84-426E-40dd-AFC4-6F175D3DCCD1}">
-                <a14:hiddenFill xmlns:a14="http://schemas.microsoft.com/office/drawing/2010/main" xmlns="">
+                <a14:hiddenFill xmlns="" xmlns:a14="http://schemas.microsoft.com/office/drawing/2010/main">
                   <a:noFill/>
                 </a14:hiddenFill>
               </a:ext>
@@ -14763,7 +14763,7 @@
             </a:ln>
             <a:extLst>
               <a:ext uri="{909E8E84-426E-40dd-AFC4-6F175D3DCCD1}">
-                <a14:hiddenFill xmlns:a14="http://schemas.microsoft.com/office/drawing/2010/main" xmlns="">
+                <a14:hiddenFill xmlns="" xmlns:a14="http://schemas.microsoft.com/office/drawing/2010/main">
                   <a:noFill/>
                 </a14:hiddenFill>
               </a:ext>
@@ -14814,7 +14814,7 @@
             </a:ln>
             <a:extLst>
               <a:ext uri="{909E8E84-426E-40dd-AFC4-6F175D3DCCD1}">
-                <a14:hiddenFill xmlns:a14="http://schemas.microsoft.com/office/drawing/2010/main" xmlns="">
+                <a14:hiddenFill xmlns="" xmlns:a14="http://schemas.microsoft.com/office/drawing/2010/main">
                   <a:noFill/>
                 </a14:hiddenFill>
               </a:ext>
@@ -14865,7 +14865,7 @@
             </a:ln>
             <a:extLst>
               <a:ext uri="{909E8E84-426E-40dd-AFC4-6F175D3DCCD1}">
-                <a14:hiddenFill xmlns:a14="http://schemas.microsoft.com/office/drawing/2010/main" xmlns="">
+                <a14:hiddenFill xmlns="" xmlns:a14="http://schemas.microsoft.com/office/drawing/2010/main">
                   <a:noFill/>
                 </a14:hiddenFill>
               </a:ext>
@@ -14916,7 +14916,7 @@
             </a:ln>
             <a:extLst>
               <a:ext uri="{909E8E84-426E-40dd-AFC4-6F175D3DCCD1}">
-                <a14:hiddenFill xmlns:a14="http://schemas.microsoft.com/office/drawing/2010/main" xmlns="">
+                <a14:hiddenFill xmlns="" xmlns:a14="http://schemas.microsoft.com/office/drawing/2010/main">
                   <a:noFill/>
                 </a14:hiddenFill>
               </a:ext>
@@ -14967,7 +14967,7 @@
             </a:ln>
             <a:extLst>
               <a:ext uri="{909E8E84-426E-40dd-AFC4-6F175D3DCCD1}">
-                <a14:hiddenFill xmlns:a14="http://schemas.microsoft.com/office/drawing/2010/main" xmlns="">
+                <a14:hiddenFill xmlns="" xmlns:a14="http://schemas.microsoft.com/office/drawing/2010/main">
                   <a:noFill/>
                 </a14:hiddenFill>
               </a:ext>
@@ -15018,7 +15018,7 @@
             </a:ln>
             <a:extLst>
               <a:ext uri="{909E8E84-426E-40dd-AFC4-6F175D3DCCD1}">
-                <a14:hiddenFill xmlns:a14="http://schemas.microsoft.com/office/drawing/2010/main" xmlns="">
+                <a14:hiddenFill xmlns="" xmlns:a14="http://schemas.microsoft.com/office/drawing/2010/main">
                   <a:noFill/>
                 </a14:hiddenFill>
               </a:ext>
@@ -15069,7 +15069,7 @@
             </a:ln>
             <a:extLst>
               <a:ext uri="{909E8E84-426E-40dd-AFC4-6F175D3DCCD1}">
-                <a14:hiddenFill xmlns:a14="http://schemas.microsoft.com/office/drawing/2010/main" xmlns="">
+                <a14:hiddenFill xmlns="" xmlns:a14="http://schemas.microsoft.com/office/drawing/2010/main">
                   <a:noFill/>
                 </a14:hiddenFill>
               </a:ext>
@@ -15120,7 +15120,7 @@
             </a:ln>
             <a:extLst>
               <a:ext uri="{909E8E84-426E-40dd-AFC4-6F175D3DCCD1}">
-                <a14:hiddenFill xmlns:a14="http://schemas.microsoft.com/office/drawing/2010/main" xmlns="">
+                <a14:hiddenFill xmlns="" xmlns:a14="http://schemas.microsoft.com/office/drawing/2010/main">
                   <a:noFill/>
                 </a14:hiddenFill>
               </a:ext>
@@ -15171,7 +15171,7 @@
             </a:ln>
             <a:extLst>
               <a:ext uri="{909E8E84-426E-40dd-AFC4-6F175D3DCCD1}">
-                <a14:hiddenFill xmlns:a14="http://schemas.microsoft.com/office/drawing/2010/main" xmlns="">
+                <a14:hiddenFill xmlns="" xmlns:a14="http://schemas.microsoft.com/office/drawing/2010/main">
                   <a:noFill/>
                 </a14:hiddenFill>
               </a:ext>
@@ -15222,7 +15222,7 @@
             </a:ln>
             <a:extLst>
               <a:ext uri="{909E8E84-426E-40dd-AFC4-6F175D3DCCD1}">
-                <a14:hiddenFill xmlns:a14="http://schemas.microsoft.com/office/drawing/2010/main" xmlns="">
+                <a14:hiddenFill xmlns="" xmlns:a14="http://schemas.microsoft.com/office/drawing/2010/main">
                   <a:noFill/>
                 </a14:hiddenFill>
               </a:ext>
@@ -15273,7 +15273,7 @@
             </a:ln>
             <a:extLst>
               <a:ext uri="{909E8E84-426E-40dd-AFC4-6F175D3DCCD1}">
-                <a14:hiddenFill xmlns:a14="http://schemas.microsoft.com/office/drawing/2010/main" xmlns="">
+                <a14:hiddenFill xmlns="" xmlns:a14="http://schemas.microsoft.com/office/drawing/2010/main">
                   <a:noFill/>
                 </a14:hiddenFill>
               </a:ext>
@@ -15324,7 +15324,7 @@
             </a:ln>
             <a:extLst>
               <a:ext uri="{909E8E84-426E-40dd-AFC4-6F175D3DCCD1}">
-                <a14:hiddenFill xmlns:a14="http://schemas.microsoft.com/office/drawing/2010/main" xmlns="">
+                <a14:hiddenFill xmlns="" xmlns:a14="http://schemas.microsoft.com/office/drawing/2010/main">
                   <a:noFill/>
                 </a14:hiddenFill>
               </a:ext>
@@ -15375,7 +15375,7 @@
             </a:ln>
             <a:extLst>
               <a:ext uri="{909E8E84-426E-40dd-AFC4-6F175D3DCCD1}">
-                <a14:hiddenFill xmlns:a14="http://schemas.microsoft.com/office/drawing/2010/main" xmlns="">
+                <a14:hiddenFill xmlns="" xmlns:a14="http://schemas.microsoft.com/office/drawing/2010/main">
                   <a:noFill/>
                 </a14:hiddenFill>
               </a:ext>
@@ -15426,7 +15426,7 @@
             </a:ln>
             <a:extLst>
               <a:ext uri="{909E8E84-426E-40dd-AFC4-6F175D3DCCD1}">
-                <a14:hiddenFill xmlns:a14="http://schemas.microsoft.com/office/drawing/2010/main" xmlns="">
+                <a14:hiddenFill xmlns="" xmlns:a14="http://schemas.microsoft.com/office/drawing/2010/main">
                   <a:noFill/>
                 </a14:hiddenFill>
               </a:ext>
@@ -15477,7 +15477,7 @@
             </a:ln>
             <a:extLst>
               <a:ext uri="{909E8E84-426E-40dd-AFC4-6F175D3DCCD1}">
-                <a14:hiddenFill xmlns:a14="http://schemas.microsoft.com/office/drawing/2010/main" xmlns="">
+                <a14:hiddenFill xmlns="" xmlns:a14="http://schemas.microsoft.com/office/drawing/2010/main">
                   <a:noFill/>
                 </a14:hiddenFill>
               </a:ext>
@@ -15528,7 +15528,7 @@
             </a:ln>
             <a:extLst>
               <a:ext uri="{909E8E84-426E-40dd-AFC4-6F175D3DCCD1}">
-                <a14:hiddenFill xmlns:a14="http://schemas.microsoft.com/office/drawing/2010/main" xmlns="">
+                <a14:hiddenFill xmlns="" xmlns:a14="http://schemas.microsoft.com/office/drawing/2010/main">
                   <a:noFill/>
                 </a14:hiddenFill>
               </a:ext>
@@ -15579,7 +15579,7 @@
             </a:ln>
             <a:extLst>
               <a:ext uri="{909E8E84-426E-40dd-AFC4-6F175D3DCCD1}">
-                <a14:hiddenFill xmlns:a14="http://schemas.microsoft.com/office/drawing/2010/main" xmlns="">
+                <a14:hiddenFill xmlns="" xmlns:a14="http://schemas.microsoft.com/office/drawing/2010/main">
                   <a:noFill/>
                 </a14:hiddenFill>
               </a:ext>
@@ -15630,7 +15630,7 @@
             </a:ln>
             <a:extLst>
               <a:ext uri="{909E8E84-426E-40dd-AFC4-6F175D3DCCD1}">
-                <a14:hiddenFill xmlns:a14="http://schemas.microsoft.com/office/drawing/2010/main" xmlns="">
+                <a14:hiddenFill xmlns="" xmlns:a14="http://schemas.microsoft.com/office/drawing/2010/main">
                   <a:noFill/>
                 </a14:hiddenFill>
               </a:ext>
@@ -15681,7 +15681,7 @@
             </a:ln>
             <a:extLst>
               <a:ext uri="{909E8E84-426E-40dd-AFC4-6F175D3DCCD1}">
-                <a14:hiddenFill xmlns:a14="http://schemas.microsoft.com/office/drawing/2010/main" xmlns="">
+                <a14:hiddenFill xmlns="" xmlns:a14="http://schemas.microsoft.com/office/drawing/2010/main">
                   <a:noFill/>
                 </a14:hiddenFill>
               </a:ext>
@@ -15732,7 +15732,7 @@
             </a:ln>
             <a:extLst>
               <a:ext uri="{909E8E84-426E-40dd-AFC4-6F175D3DCCD1}">
-                <a14:hiddenFill xmlns:a14="http://schemas.microsoft.com/office/drawing/2010/main" xmlns="">
+                <a14:hiddenFill xmlns="" xmlns:a14="http://schemas.microsoft.com/office/drawing/2010/main">
                   <a:noFill/>
                 </a14:hiddenFill>
               </a:ext>
@@ -15783,7 +15783,7 @@
             </a:ln>
             <a:extLst>
               <a:ext uri="{909E8E84-426E-40dd-AFC4-6F175D3DCCD1}">
-                <a14:hiddenFill xmlns:a14="http://schemas.microsoft.com/office/drawing/2010/main" xmlns="">
+                <a14:hiddenFill xmlns="" xmlns:a14="http://schemas.microsoft.com/office/drawing/2010/main">
                   <a:noFill/>
                 </a14:hiddenFill>
               </a:ext>
@@ -15834,7 +15834,7 @@
             </a:ln>
             <a:extLst>
               <a:ext uri="{909E8E84-426E-40dd-AFC4-6F175D3DCCD1}">
-                <a14:hiddenFill xmlns:a14="http://schemas.microsoft.com/office/drawing/2010/main" xmlns="">
+                <a14:hiddenFill xmlns="" xmlns:a14="http://schemas.microsoft.com/office/drawing/2010/main">
                   <a:noFill/>
                 </a14:hiddenFill>
               </a:ext>
@@ -15885,7 +15885,7 @@
             </a:ln>
             <a:extLst>
               <a:ext uri="{909E8E84-426E-40dd-AFC4-6F175D3DCCD1}">
-                <a14:hiddenFill xmlns:a14="http://schemas.microsoft.com/office/drawing/2010/main" xmlns="">
+                <a14:hiddenFill xmlns="" xmlns:a14="http://schemas.microsoft.com/office/drawing/2010/main">
                   <a:noFill/>
                 </a14:hiddenFill>
               </a:ext>
@@ -15936,7 +15936,7 @@
             </a:ln>
             <a:extLst>
               <a:ext uri="{909E8E84-426E-40dd-AFC4-6F175D3DCCD1}">
-                <a14:hiddenFill xmlns:a14="http://schemas.microsoft.com/office/drawing/2010/main" xmlns="">
+                <a14:hiddenFill xmlns="" xmlns:a14="http://schemas.microsoft.com/office/drawing/2010/main">
                   <a:noFill/>
                 </a14:hiddenFill>
               </a:ext>
@@ -15987,7 +15987,7 @@
             </a:ln>
             <a:extLst>
               <a:ext uri="{909E8E84-426E-40dd-AFC4-6F175D3DCCD1}">
-                <a14:hiddenFill xmlns:a14="http://schemas.microsoft.com/office/drawing/2010/main" xmlns="">
+                <a14:hiddenFill xmlns="" xmlns:a14="http://schemas.microsoft.com/office/drawing/2010/main">
                   <a:noFill/>
                 </a14:hiddenFill>
               </a:ext>
@@ -16038,7 +16038,7 @@
             </a:ln>
             <a:extLst>
               <a:ext uri="{909E8E84-426E-40dd-AFC4-6F175D3DCCD1}">
-                <a14:hiddenFill xmlns:a14="http://schemas.microsoft.com/office/drawing/2010/main" xmlns="">
+                <a14:hiddenFill xmlns="" xmlns:a14="http://schemas.microsoft.com/office/drawing/2010/main">
                   <a:noFill/>
                 </a14:hiddenFill>
               </a:ext>
@@ -16089,7 +16089,7 @@
             </a:ln>
             <a:extLst>
               <a:ext uri="{909E8E84-426E-40dd-AFC4-6F175D3DCCD1}">
-                <a14:hiddenFill xmlns:a14="http://schemas.microsoft.com/office/drawing/2010/main" xmlns="">
+                <a14:hiddenFill xmlns="" xmlns:a14="http://schemas.microsoft.com/office/drawing/2010/main">
                   <a:noFill/>
                 </a14:hiddenFill>
               </a:ext>
@@ -16140,7 +16140,7 @@
             </a:ln>
             <a:extLst>
               <a:ext uri="{909E8E84-426E-40dd-AFC4-6F175D3DCCD1}">
-                <a14:hiddenFill xmlns:a14="http://schemas.microsoft.com/office/drawing/2010/main" xmlns="">
+                <a14:hiddenFill xmlns="" xmlns:a14="http://schemas.microsoft.com/office/drawing/2010/main">
                   <a:noFill/>
                 </a14:hiddenFill>
               </a:ext>
@@ -16191,7 +16191,7 @@
             </a:ln>
             <a:extLst>
               <a:ext uri="{909E8E84-426E-40dd-AFC4-6F175D3DCCD1}">
-                <a14:hiddenFill xmlns:a14="http://schemas.microsoft.com/office/drawing/2010/main" xmlns="">
+                <a14:hiddenFill xmlns="" xmlns:a14="http://schemas.microsoft.com/office/drawing/2010/main">
                   <a:noFill/>
                 </a14:hiddenFill>
               </a:ext>
@@ -16242,7 +16242,7 @@
             </a:ln>
             <a:extLst>
               <a:ext uri="{909E8E84-426E-40dd-AFC4-6F175D3DCCD1}">
-                <a14:hiddenFill xmlns:a14="http://schemas.microsoft.com/office/drawing/2010/main" xmlns="">
+                <a14:hiddenFill xmlns="" xmlns:a14="http://schemas.microsoft.com/office/drawing/2010/main">
                   <a:noFill/>
                 </a14:hiddenFill>
               </a:ext>
@@ -16293,7 +16293,7 @@
             </a:ln>
             <a:extLst>
               <a:ext uri="{909E8E84-426E-40dd-AFC4-6F175D3DCCD1}">
-                <a14:hiddenFill xmlns:a14="http://schemas.microsoft.com/office/drawing/2010/main" xmlns="">
+                <a14:hiddenFill xmlns="" xmlns:a14="http://schemas.microsoft.com/office/drawing/2010/main">
                   <a:noFill/>
                 </a14:hiddenFill>
               </a:ext>
@@ -16344,7 +16344,7 @@
             </a:ln>
             <a:extLst>
               <a:ext uri="{909E8E84-426E-40dd-AFC4-6F175D3DCCD1}">
-                <a14:hiddenFill xmlns:a14="http://schemas.microsoft.com/office/drawing/2010/main" xmlns="">
+                <a14:hiddenFill xmlns="" xmlns:a14="http://schemas.microsoft.com/office/drawing/2010/main">
                   <a:noFill/>
                 </a14:hiddenFill>
               </a:ext>
@@ -16395,7 +16395,7 @@
             </a:ln>
             <a:extLst>
               <a:ext uri="{909E8E84-426E-40dd-AFC4-6F175D3DCCD1}">
-                <a14:hiddenFill xmlns:a14="http://schemas.microsoft.com/office/drawing/2010/main" xmlns="">
+                <a14:hiddenFill xmlns="" xmlns:a14="http://schemas.microsoft.com/office/drawing/2010/main">
                   <a:noFill/>
                 </a14:hiddenFill>
               </a:ext>
@@ -16446,7 +16446,7 @@
             </a:ln>
             <a:extLst>
               <a:ext uri="{909E8E84-426E-40dd-AFC4-6F175D3DCCD1}">
-                <a14:hiddenFill xmlns:a14="http://schemas.microsoft.com/office/drawing/2010/main" xmlns="">
+                <a14:hiddenFill xmlns="" xmlns:a14="http://schemas.microsoft.com/office/drawing/2010/main">
                   <a:noFill/>
                 </a14:hiddenFill>
               </a:ext>
@@ -16497,7 +16497,7 @@
             </a:ln>
             <a:extLst>
               <a:ext uri="{909E8E84-426E-40dd-AFC4-6F175D3DCCD1}">
-                <a14:hiddenFill xmlns:a14="http://schemas.microsoft.com/office/drawing/2010/main" xmlns="">
+                <a14:hiddenFill xmlns="" xmlns:a14="http://schemas.microsoft.com/office/drawing/2010/main">
                   <a:noFill/>
                 </a14:hiddenFill>
               </a:ext>
@@ -16548,7 +16548,7 @@
             </a:ln>
             <a:extLst>
               <a:ext uri="{909E8E84-426E-40dd-AFC4-6F175D3DCCD1}">
-                <a14:hiddenFill xmlns:a14="http://schemas.microsoft.com/office/drawing/2010/main" xmlns="">
+                <a14:hiddenFill xmlns="" xmlns:a14="http://schemas.microsoft.com/office/drawing/2010/main">
                   <a:noFill/>
                 </a14:hiddenFill>
               </a:ext>
@@ -16599,7 +16599,7 @@
             </a:ln>
             <a:extLst>
               <a:ext uri="{909E8E84-426E-40dd-AFC4-6F175D3DCCD1}">
-                <a14:hiddenFill xmlns:a14="http://schemas.microsoft.com/office/drawing/2010/main" xmlns="">
+                <a14:hiddenFill xmlns="" xmlns:a14="http://schemas.microsoft.com/office/drawing/2010/main">
                   <a:noFill/>
                 </a14:hiddenFill>
               </a:ext>
@@ -16650,7 +16650,7 @@
             </a:ln>
             <a:extLst>
               <a:ext uri="{909E8E84-426E-40dd-AFC4-6F175D3DCCD1}">
-                <a14:hiddenFill xmlns:a14="http://schemas.microsoft.com/office/drawing/2010/main" xmlns="">
+                <a14:hiddenFill xmlns="" xmlns:a14="http://schemas.microsoft.com/office/drawing/2010/main">
                   <a:noFill/>
                 </a14:hiddenFill>
               </a:ext>
@@ -16701,7 +16701,7 @@
             </a:ln>
             <a:extLst>
               <a:ext uri="{909E8E84-426E-40dd-AFC4-6F175D3DCCD1}">
-                <a14:hiddenFill xmlns:a14="http://schemas.microsoft.com/office/drawing/2010/main" xmlns="">
+                <a14:hiddenFill xmlns="" xmlns:a14="http://schemas.microsoft.com/office/drawing/2010/main">
                   <a:noFill/>
                 </a14:hiddenFill>
               </a:ext>
@@ -16752,7 +16752,7 @@
             </a:ln>
             <a:extLst>
               <a:ext uri="{909E8E84-426E-40dd-AFC4-6F175D3DCCD1}">
-                <a14:hiddenFill xmlns:a14="http://schemas.microsoft.com/office/drawing/2010/main" xmlns="">
+                <a14:hiddenFill xmlns="" xmlns:a14="http://schemas.microsoft.com/office/drawing/2010/main">
                   <a:noFill/>
                 </a14:hiddenFill>
               </a:ext>
@@ -16803,7 +16803,7 @@
             </a:ln>
             <a:extLst>
               <a:ext uri="{909E8E84-426E-40dd-AFC4-6F175D3DCCD1}">
-                <a14:hiddenFill xmlns:a14="http://schemas.microsoft.com/office/drawing/2010/main" xmlns="">
+                <a14:hiddenFill xmlns="" xmlns:a14="http://schemas.microsoft.com/office/drawing/2010/main">
                   <a:noFill/>
                 </a14:hiddenFill>
               </a:ext>
@@ -16854,7 +16854,7 @@
             </a:ln>
             <a:extLst>
               <a:ext uri="{909E8E84-426E-40dd-AFC4-6F175D3DCCD1}">
-                <a14:hiddenFill xmlns:a14="http://schemas.microsoft.com/office/drawing/2010/main" xmlns="">
+                <a14:hiddenFill xmlns="" xmlns:a14="http://schemas.microsoft.com/office/drawing/2010/main">
                   <a:noFill/>
                 </a14:hiddenFill>
               </a:ext>
@@ -16905,7 +16905,7 @@
             </a:ln>
             <a:extLst>
               <a:ext uri="{909E8E84-426E-40dd-AFC4-6F175D3DCCD1}">
-                <a14:hiddenFill xmlns:a14="http://schemas.microsoft.com/office/drawing/2010/main" xmlns="">
+                <a14:hiddenFill xmlns="" xmlns:a14="http://schemas.microsoft.com/office/drawing/2010/main">
                   <a:noFill/>
                 </a14:hiddenFill>
               </a:ext>
@@ -16956,7 +16956,7 @@
             </a:ln>
             <a:extLst>
               <a:ext uri="{909E8E84-426E-40dd-AFC4-6F175D3DCCD1}">
-                <a14:hiddenFill xmlns:a14="http://schemas.microsoft.com/office/drawing/2010/main" xmlns="">
+                <a14:hiddenFill xmlns="" xmlns:a14="http://schemas.microsoft.com/office/drawing/2010/main">
                   <a:noFill/>
                 </a14:hiddenFill>
               </a:ext>
@@ -17007,7 +17007,7 @@
             </a:ln>
             <a:extLst>
               <a:ext uri="{909E8E84-426E-40dd-AFC4-6F175D3DCCD1}">
-                <a14:hiddenFill xmlns:a14="http://schemas.microsoft.com/office/drawing/2010/main" xmlns="">
+                <a14:hiddenFill xmlns="" xmlns:a14="http://schemas.microsoft.com/office/drawing/2010/main">
                   <a:noFill/>
                 </a14:hiddenFill>
               </a:ext>
@@ -17058,7 +17058,7 @@
             </a:ln>
             <a:extLst>
               <a:ext uri="{909E8E84-426E-40dd-AFC4-6F175D3DCCD1}">
-                <a14:hiddenFill xmlns:a14="http://schemas.microsoft.com/office/drawing/2010/main" xmlns="">
+                <a14:hiddenFill xmlns="" xmlns:a14="http://schemas.microsoft.com/office/drawing/2010/main">
                   <a:noFill/>
                 </a14:hiddenFill>
               </a:ext>
@@ -17109,7 +17109,7 @@
             </a:ln>
             <a:extLst>
               <a:ext uri="{909E8E84-426E-40dd-AFC4-6F175D3DCCD1}">
-                <a14:hiddenFill xmlns:a14="http://schemas.microsoft.com/office/drawing/2010/main" xmlns="">
+                <a14:hiddenFill xmlns="" xmlns:a14="http://schemas.microsoft.com/office/drawing/2010/main">
                   <a:noFill/>
                 </a14:hiddenFill>
               </a:ext>
@@ -17160,7 +17160,7 @@
             </a:ln>
             <a:extLst>
               <a:ext uri="{909E8E84-426E-40dd-AFC4-6F175D3DCCD1}">
-                <a14:hiddenFill xmlns:a14="http://schemas.microsoft.com/office/drawing/2010/main" xmlns="">
+                <a14:hiddenFill xmlns="" xmlns:a14="http://schemas.microsoft.com/office/drawing/2010/main">
                   <a:noFill/>
                 </a14:hiddenFill>
               </a:ext>
@@ -17211,7 +17211,7 @@
             </a:ln>
             <a:extLst>
               <a:ext uri="{909E8E84-426E-40dd-AFC4-6F175D3DCCD1}">
-                <a14:hiddenFill xmlns:a14="http://schemas.microsoft.com/office/drawing/2010/main" xmlns="">
+                <a14:hiddenFill xmlns="" xmlns:a14="http://schemas.microsoft.com/office/drawing/2010/main">
                   <a:noFill/>
                 </a14:hiddenFill>
               </a:ext>
@@ -17262,7 +17262,7 @@
             </a:ln>
             <a:extLst>
               <a:ext uri="{909E8E84-426E-40dd-AFC4-6F175D3DCCD1}">
-                <a14:hiddenFill xmlns:a14="http://schemas.microsoft.com/office/drawing/2010/main" xmlns="">
+                <a14:hiddenFill xmlns="" xmlns:a14="http://schemas.microsoft.com/office/drawing/2010/main">
                   <a:noFill/>
                 </a14:hiddenFill>
               </a:ext>
@@ -17313,7 +17313,7 @@
             </a:ln>
             <a:extLst>
               <a:ext uri="{909E8E84-426E-40dd-AFC4-6F175D3DCCD1}">
-                <a14:hiddenFill xmlns:a14="http://schemas.microsoft.com/office/drawing/2010/main" xmlns="">
+                <a14:hiddenFill xmlns="" xmlns:a14="http://schemas.microsoft.com/office/drawing/2010/main">
                   <a:noFill/>
                 </a14:hiddenFill>
               </a:ext>
@@ -17364,7 +17364,7 @@
             </a:ln>
             <a:extLst>
               <a:ext uri="{909E8E84-426E-40dd-AFC4-6F175D3DCCD1}">
-                <a14:hiddenFill xmlns:a14="http://schemas.microsoft.com/office/drawing/2010/main" xmlns="">
+                <a14:hiddenFill xmlns="" xmlns:a14="http://schemas.microsoft.com/office/drawing/2010/main">
                   <a:noFill/>
                 </a14:hiddenFill>
               </a:ext>
@@ -17415,7 +17415,7 @@
             </a:ln>
             <a:extLst>
               <a:ext uri="{909E8E84-426E-40dd-AFC4-6F175D3DCCD1}">
-                <a14:hiddenFill xmlns:a14="http://schemas.microsoft.com/office/drawing/2010/main" xmlns="">
+                <a14:hiddenFill xmlns="" xmlns:a14="http://schemas.microsoft.com/office/drawing/2010/main">
                   <a:noFill/>
                 </a14:hiddenFill>
               </a:ext>
@@ -17466,7 +17466,7 @@
             </a:ln>
             <a:extLst>
               <a:ext uri="{909E8E84-426E-40dd-AFC4-6F175D3DCCD1}">
-                <a14:hiddenFill xmlns:a14="http://schemas.microsoft.com/office/drawing/2010/main" xmlns="">
+                <a14:hiddenFill xmlns="" xmlns:a14="http://schemas.microsoft.com/office/drawing/2010/main">
                   <a:noFill/>
                 </a14:hiddenFill>
               </a:ext>
@@ -17517,7 +17517,7 @@
             </a:ln>
             <a:extLst>
               <a:ext uri="{909E8E84-426E-40dd-AFC4-6F175D3DCCD1}">
-                <a14:hiddenFill xmlns:a14="http://schemas.microsoft.com/office/drawing/2010/main" xmlns="">
+                <a14:hiddenFill xmlns="" xmlns:a14="http://schemas.microsoft.com/office/drawing/2010/main">
                   <a:noFill/>
                 </a14:hiddenFill>
               </a:ext>
@@ -17568,7 +17568,7 @@
             </a:ln>
             <a:extLst>
               <a:ext uri="{909E8E84-426E-40dd-AFC4-6F175D3DCCD1}">
-                <a14:hiddenFill xmlns:a14="http://schemas.microsoft.com/office/drawing/2010/main" xmlns="">
+                <a14:hiddenFill xmlns="" xmlns:a14="http://schemas.microsoft.com/office/drawing/2010/main">
                   <a:noFill/>
                 </a14:hiddenFill>
               </a:ext>
@@ -17619,7 +17619,7 @@
             </a:ln>
             <a:extLst>
               <a:ext uri="{909E8E84-426E-40dd-AFC4-6F175D3DCCD1}">
-                <a14:hiddenFill xmlns:a14="http://schemas.microsoft.com/office/drawing/2010/main" xmlns="">
+                <a14:hiddenFill xmlns="" xmlns:a14="http://schemas.microsoft.com/office/drawing/2010/main">
                   <a:noFill/>
                 </a14:hiddenFill>
               </a:ext>
@@ -17670,7 +17670,7 @@
             </a:ln>
             <a:extLst>
               <a:ext uri="{909E8E84-426E-40dd-AFC4-6F175D3DCCD1}">
-                <a14:hiddenFill xmlns:a14="http://schemas.microsoft.com/office/drawing/2010/main" xmlns="">
+                <a14:hiddenFill xmlns="" xmlns:a14="http://schemas.microsoft.com/office/drawing/2010/main">
                   <a:noFill/>
                 </a14:hiddenFill>
               </a:ext>
@@ -17721,7 +17721,7 @@
             </a:ln>
             <a:extLst>
               <a:ext uri="{909E8E84-426E-40dd-AFC4-6F175D3DCCD1}">
-                <a14:hiddenFill xmlns:a14="http://schemas.microsoft.com/office/drawing/2010/main" xmlns="">
+                <a14:hiddenFill xmlns="" xmlns:a14="http://schemas.microsoft.com/office/drawing/2010/main">
                   <a:noFill/>
                 </a14:hiddenFill>
               </a:ext>
@@ -17772,7 +17772,7 @@
             </a:ln>
             <a:extLst>
               <a:ext uri="{909E8E84-426E-40dd-AFC4-6F175D3DCCD1}">
-                <a14:hiddenFill xmlns:a14="http://schemas.microsoft.com/office/drawing/2010/main" xmlns="">
+                <a14:hiddenFill xmlns="" xmlns:a14="http://schemas.microsoft.com/office/drawing/2010/main">
                   <a:noFill/>
                 </a14:hiddenFill>
               </a:ext>
@@ -18841,7 +18841,7 @@
             </a:ln>
             <a:extLst>
               <a:ext uri="{909E8E84-426E-40dd-AFC4-6F175D3DCCD1}">
-                <a14:hiddenFill xmlns:a14="http://schemas.microsoft.com/office/drawing/2010/main" xmlns="">
+                <a14:hiddenFill xmlns="" xmlns:a14="http://schemas.microsoft.com/office/drawing/2010/main">
                   <a:solidFill>
                     <a:srgbClr val="FFFFFF"/>
                   </a:solidFill>
@@ -18894,7 +18894,7 @@
             </a:ln>
             <a:extLst>
               <a:ext uri="{909E8E84-426E-40dd-AFC4-6F175D3DCCD1}">
-                <a14:hiddenFill xmlns:a14="http://schemas.microsoft.com/office/drawing/2010/main" xmlns="">
+                <a14:hiddenFill xmlns="" xmlns:a14="http://schemas.microsoft.com/office/drawing/2010/main">
                   <a:noFill/>
                 </a14:hiddenFill>
               </a:ext>
@@ -18945,7 +18945,7 @@
             </a:ln>
             <a:extLst>
               <a:ext uri="{909E8E84-426E-40dd-AFC4-6F175D3DCCD1}">
-                <a14:hiddenFill xmlns:a14="http://schemas.microsoft.com/office/drawing/2010/main" xmlns="">
+                <a14:hiddenFill xmlns="" xmlns:a14="http://schemas.microsoft.com/office/drawing/2010/main">
                   <a:noFill/>
                 </a14:hiddenFill>
               </a:ext>
@@ -18996,7 +18996,7 @@
             </a:ln>
             <a:extLst>
               <a:ext uri="{909E8E84-426E-40dd-AFC4-6F175D3DCCD1}">
-                <a14:hiddenFill xmlns:a14="http://schemas.microsoft.com/office/drawing/2010/main" xmlns="">
+                <a14:hiddenFill xmlns="" xmlns:a14="http://schemas.microsoft.com/office/drawing/2010/main">
                   <a:noFill/>
                 </a14:hiddenFill>
               </a:ext>
@@ -19047,7 +19047,7 @@
             </a:ln>
             <a:extLst>
               <a:ext uri="{909E8E84-426E-40dd-AFC4-6F175D3DCCD1}">
-                <a14:hiddenFill xmlns:a14="http://schemas.microsoft.com/office/drawing/2010/main" xmlns="">
+                <a14:hiddenFill xmlns="" xmlns:a14="http://schemas.microsoft.com/office/drawing/2010/main">
                   <a:noFill/>
                 </a14:hiddenFill>
               </a:ext>
@@ -19098,7 +19098,7 @@
             </a:ln>
             <a:extLst>
               <a:ext uri="{909E8E84-426E-40dd-AFC4-6F175D3DCCD1}">
-                <a14:hiddenFill xmlns:a14="http://schemas.microsoft.com/office/drawing/2010/main" xmlns="">
+                <a14:hiddenFill xmlns="" xmlns:a14="http://schemas.microsoft.com/office/drawing/2010/main">
                   <a:noFill/>
                 </a14:hiddenFill>
               </a:ext>
@@ -19149,7 +19149,7 @@
             </a:ln>
             <a:extLst>
               <a:ext uri="{909E8E84-426E-40dd-AFC4-6F175D3DCCD1}">
-                <a14:hiddenFill xmlns:a14="http://schemas.microsoft.com/office/drawing/2010/main" xmlns="">
+                <a14:hiddenFill xmlns="" xmlns:a14="http://schemas.microsoft.com/office/drawing/2010/main">
                   <a:noFill/>
                 </a14:hiddenFill>
               </a:ext>
@@ -19200,7 +19200,7 @@
             </a:ln>
             <a:extLst>
               <a:ext uri="{909E8E84-426E-40dd-AFC4-6F175D3DCCD1}">
-                <a14:hiddenFill xmlns:a14="http://schemas.microsoft.com/office/drawing/2010/main" xmlns="">
+                <a14:hiddenFill xmlns="" xmlns:a14="http://schemas.microsoft.com/office/drawing/2010/main">
                   <a:noFill/>
                 </a14:hiddenFill>
               </a:ext>
@@ -19251,7 +19251,7 @@
             </a:ln>
             <a:extLst>
               <a:ext uri="{909E8E84-426E-40dd-AFC4-6F175D3DCCD1}">
-                <a14:hiddenFill xmlns:a14="http://schemas.microsoft.com/office/drawing/2010/main" xmlns="">
+                <a14:hiddenFill xmlns="" xmlns:a14="http://schemas.microsoft.com/office/drawing/2010/main">
                   <a:noFill/>
                 </a14:hiddenFill>
               </a:ext>
@@ -19302,7 +19302,7 @@
             </a:ln>
             <a:extLst>
               <a:ext uri="{909E8E84-426E-40dd-AFC4-6F175D3DCCD1}">
-                <a14:hiddenFill xmlns:a14="http://schemas.microsoft.com/office/drawing/2010/main" xmlns="">
+                <a14:hiddenFill xmlns="" xmlns:a14="http://schemas.microsoft.com/office/drawing/2010/main">
                   <a:noFill/>
                 </a14:hiddenFill>
               </a:ext>
@@ -19353,7 +19353,7 @@
             </a:ln>
             <a:extLst>
               <a:ext uri="{909E8E84-426E-40dd-AFC4-6F175D3DCCD1}">
-                <a14:hiddenFill xmlns:a14="http://schemas.microsoft.com/office/drawing/2010/main" xmlns="">
+                <a14:hiddenFill xmlns="" xmlns:a14="http://schemas.microsoft.com/office/drawing/2010/main">
                   <a:noFill/>
                 </a14:hiddenFill>
               </a:ext>
@@ -19404,7 +19404,7 @@
             </a:ln>
             <a:extLst>
               <a:ext uri="{909E8E84-426E-40dd-AFC4-6F175D3DCCD1}">
-                <a14:hiddenFill xmlns:a14="http://schemas.microsoft.com/office/drawing/2010/main" xmlns="">
+                <a14:hiddenFill xmlns="" xmlns:a14="http://schemas.microsoft.com/office/drawing/2010/main">
                   <a:noFill/>
                 </a14:hiddenFill>
               </a:ext>
@@ -19455,7 +19455,7 @@
             </a:ln>
             <a:extLst>
               <a:ext uri="{909E8E84-426E-40dd-AFC4-6F175D3DCCD1}">
-                <a14:hiddenFill xmlns:a14="http://schemas.microsoft.com/office/drawing/2010/main" xmlns="">
+                <a14:hiddenFill xmlns="" xmlns:a14="http://schemas.microsoft.com/office/drawing/2010/main">
                   <a:noFill/>
                 </a14:hiddenFill>
               </a:ext>
@@ -19506,7 +19506,7 @@
             </a:ln>
             <a:extLst>
               <a:ext uri="{909E8E84-426E-40dd-AFC4-6F175D3DCCD1}">
-                <a14:hiddenFill xmlns:a14="http://schemas.microsoft.com/office/drawing/2010/main" xmlns="">
+                <a14:hiddenFill xmlns="" xmlns:a14="http://schemas.microsoft.com/office/drawing/2010/main">
                   <a:noFill/>
                 </a14:hiddenFill>
               </a:ext>
@@ -19557,7 +19557,7 @@
             </a:ln>
             <a:extLst>
               <a:ext uri="{909E8E84-426E-40dd-AFC4-6F175D3DCCD1}">
-                <a14:hiddenFill xmlns:a14="http://schemas.microsoft.com/office/drawing/2010/main" xmlns="">
+                <a14:hiddenFill xmlns="" xmlns:a14="http://schemas.microsoft.com/office/drawing/2010/main">
                   <a:noFill/>
                 </a14:hiddenFill>
               </a:ext>
@@ -19608,7 +19608,7 @@
             </a:ln>
             <a:extLst>
               <a:ext uri="{909E8E84-426E-40dd-AFC4-6F175D3DCCD1}">
-                <a14:hiddenFill xmlns:a14="http://schemas.microsoft.com/office/drawing/2010/main" xmlns="">
+                <a14:hiddenFill xmlns="" xmlns:a14="http://schemas.microsoft.com/office/drawing/2010/main">
                   <a:noFill/>
                 </a14:hiddenFill>
               </a:ext>
@@ -19659,7 +19659,7 @@
             </a:ln>
             <a:extLst>
               <a:ext uri="{909E8E84-426E-40dd-AFC4-6F175D3DCCD1}">
-                <a14:hiddenFill xmlns:a14="http://schemas.microsoft.com/office/drawing/2010/main" xmlns="">
+                <a14:hiddenFill xmlns="" xmlns:a14="http://schemas.microsoft.com/office/drawing/2010/main">
                   <a:noFill/>
                 </a14:hiddenFill>
               </a:ext>
@@ -19710,7 +19710,7 @@
             </a:ln>
             <a:extLst>
               <a:ext uri="{909E8E84-426E-40dd-AFC4-6F175D3DCCD1}">
-                <a14:hiddenFill xmlns:a14="http://schemas.microsoft.com/office/drawing/2010/main" xmlns="">
+                <a14:hiddenFill xmlns="" xmlns:a14="http://schemas.microsoft.com/office/drawing/2010/main">
                   <a:noFill/>
                 </a14:hiddenFill>
               </a:ext>
@@ -19761,7 +19761,7 @@
             </a:ln>
             <a:extLst>
               <a:ext uri="{909E8E84-426E-40dd-AFC4-6F175D3DCCD1}">
-                <a14:hiddenFill xmlns:a14="http://schemas.microsoft.com/office/drawing/2010/main" xmlns="">
+                <a14:hiddenFill xmlns="" xmlns:a14="http://schemas.microsoft.com/office/drawing/2010/main">
                   <a:noFill/>
                 </a14:hiddenFill>
               </a:ext>
@@ -19812,7 +19812,7 @@
             </a:ln>
             <a:extLst>
               <a:ext uri="{909E8E84-426E-40dd-AFC4-6F175D3DCCD1}">
-                <a14:hiddenFill xmlns:a14="http://schemas.microsoft.com/office/drawing/2010/main" xmlns="">
+                <a14:hiddenFill xmlns="" xmlns:a14="http://schemas.microsoft.com/office/drawing/2010/main">
                   <a:noFill/>
                 </a14:hiddenFill>
               </a:ext>
@@ -19863,7 +19863,7 @@
             </a:ln>
             <a:extLst>
               <a:ext uri="{909E8E84-426E-40dd-AFC4-6F175D3DCCD1}">
-                <a14:hiddenFill xmlns:a14="http://schemas.microsoft.com/office/drawing/2010/main" xmlns="">
+                <a14:hiddenFill xmlns="" xmlns:a14="http://schemas.microsoft.com/office/drawing/2010/main">
                   <a:noFill/>
                 </a14:hiddenFill>
               </a:ext>
@@ -19914,7 +19914,7 @@
             </a:ln>
             <a:extLst>
               <a:ext uri="{909E8E84-426E-40dd-AFC4-6F175D3DCCD1}">
-                <a14:hiddenFill xmlns:a14="http://schemas.microsoft.com/office/drawing/2010/main" xmlns="">
+                <a14:hiddenFill xmlns="" xmlns:a14="http://schemas.microsoft.com/office/drawing/2010/main">
                   <a:noFill/>
                 </a14:hiddenFill>
               </a:ext>
@@ -19965,7 +19965,7 @@
             </a:ln>
             <a:extLst>
               <a:ext uri="{909E8E84-426E-40dd-AFC4-6F175D3DCCD1}">
-                <a14:hiddenFill xmlns:a14="http://schemas.microsoft.com/office/drawing/2010/main" xmlns="">
+                <a14:hiddenFill xmlns="" xmlns:a14="http://schemas.microsoft.com/office/drawing/2010/main">
                   <a:noFill/>
                 </a14:hiddenFill>
               </a:ext>
@@ -20016,7 +20016,7 @@
             </a:ln>
             <a:extLst>
               <a:ext uri="{909E8E84-426E-40dd-AFC4-6F175D3DCCD1}">
-                <a14:hiddenFill xmlns:a14="http://schemas.microsoft.com/office/drawing/2010/main" xmlns="">
+                <a14:hiddenFill xmlns="" xmlns:a14="http://schemas.microsoft.com/office/drawing/2010/main">
                   <a:noFill/>
                 </a14:hiddenFill>
               </a:ext>
@@ -20067,7 +20067,7 @@
             </a:ln>
             <a:extLst>
               <a:ext uri="{909E8E84-426E-40dd-AFC4-6F175D3DCCD1}">
-                <a14:hiddenFill xmlns:a14="http://schemas.microsoft.com/office/drawing/2010/main" xmlns="">
+                <a14:hiddenFill xmlns="" xmlns:a14="http://schemas.microsoft.com/office/drawing/2010/main">
                   <a:noFill/>
                 </a14:hiddenFill>
               </a:ext>
@@ -20118,7 +20118,7 @@
             </a:ln>
             <a:extLst>
               <a:ext uri="{909E8E84-426E-40dd-AFC4-6F175D3DCCD1}">
-                <a14:hiddenFill xmlns:a14="http://schemas.microsoft.com/office/drawing/2010/main" xmlns="">
+                <a14:hiddenFill xmlns="" xmlns:a14="http://schemas.microsoft.com/office/drawing/2010/main">
                   <a:noFill/>
                 </a14:hiddenFill>
               </a:ext>
@@ -20169,7 +20169,7 @@
             </a:ln>
             <a:extLst>
               <a:ext uri="{909E8E84-426E-40dd-AFC4-6F175D3DCCD1}">
-                <a14:hiddenFill xmlns:a14="http://schemas.microsoft.com/office/drawing/2010/main" xmlns="">
+                <a14:hiddenFill xmlns="" xmlns:a14="http://schemas.microsoft.com/office/drawing/2010/main">
                   <a:noFill/>
                 </a14:hiddenFill>
               </a:ext>
@@ -20220,7 +20220,7 @@
             </a:ln>
             <a:extLst>
               <a:ext uri="{909E8E84-426E-40dd-AFC4-6F175D3DCCD1}">
-                <a14:hiddenFill xmlns:a14="http://schemas.microsoft.com/office/drawing/2010/main" xmlns="">
+                <a14:hiddenFill xmlns="" xmlns:a14="http://schemas.microsoft.com/office/drawing/2010/main">
                   <a:noFill/>
                 </a14:hiddenFill>
               </a:ext>
@@ -20271,7 +20271,7 @@
             </a:ln>
             <a:extLst>
               <a:ext uri="{909E8E84-426E-40dd-AFC4-6F175D3DCCD1}">
-                <a14:hiddenFill xmlns:a14="http://schemas.microsoft.com/office/drawing/2010/main" xmlns="">
+                <a14:hiddenFill xmlns="" xmlns:a14="http://schemas.microsoft.com/office/drawing/2010/main">
                   <a:noFill/>
                 </a14:hiddenFill>
               </a:ext>
@@ -20322,7 +20322,7 @@
             </a:ln>
             <a:extLst>
               <a:ext uri="{909E8E84-426E-40dd-AFC4-6F175D3DCCD1}">
-                <a14:hiddenFill xmlns:a14="http://schemas.microsoft.com/office/drawing/2010/main" xmlns="">
+                <a14:hiddenFill xmlns="" xmlns:a14="http://schemas.microsoft.com/office/drawing/2010/main">
                   <a:noFill/>
                 </a14:hiddenFill>
               </a:ext>
@@ -20373,7 +20373,7 @@
             </a:ln>
             <a:extLst>
               <a:ext uri="{909E8E84-426E-40dd-AFC4-6F175D3DCCD1}">
-                <a14:hiddenFill xmlns:a14="http://schemas.microsoft.com/office/drawing/2010/main" xmlns="">
+                <a14:hiddenFill xmlns="" xmlns:a14="http://schemas.microsoft.com/office/drawing/2010/main">
                   <a:noFill/>
                 </a14:hiddenFill>
               </a:ext>
@@ -20424,7 +20424,7 @@
             </a:ln>
             <a:extLst>
               <a:ext uri="{909E8E84-426E-40dd-AFC4-6F175D3DCCD1}">
-                <a14:hiddenFill xmlns:a14="http://schemas.microsoft.com/office/drawing/2010/main" xmlns="">
+                <a14:hiddenFill xmlns="" xmlns:a14="http://schemas.microsoft.com/office/drawing/2010/main">
                   <a:noFill/>
                 </a14:hiddenFill>
               </a:ext>
@@ -20475,7 +20475,7 @@
             </a:ln>
             <a:extLst>
               <a:ext uri="{909E8E84-426E-40dd-AFC4-6F175D3DCCD1}">
-                <a14:hiddenFill xmlns:a14="http://schemas.microsoft.com/office/drawing/2010/main" xmlns="">
+                <a14:hiddenFill xmlns="" xmlns:a14="http://schemas.microsoft.com/office/drawing/2010/main">
                   <a:noFill/>
                 </a14:hiddenFill>
               </a:ext>
@@ -20526,7 +20526,7 @@
             </a:ln>
             <a:extLst>
               <a:ext uri="{909E8E84-426E-40dd-AFC4-6F175D3DCCD1}">
-                <a14:hiddenFill xmlns:a14="http://schemas.microsoft.com/office/drawing/2010/main" xmlns="">
+                <a14:hiddenFill xmlns="" xmlns:a14="http://schemas.microsoft.com/office/drawing/2010/main">
                   <a:noFill/>
                 </a14:hiddenFill>
               </a:ext>
@@ -20577,7 +20577,7 @@
             </a:ln>
             <a:extLst>
               <a:ext uri="{909E8E84-426E-40dd-AFC4-6F175D3DCCD1}">
-                <a14:hiddenFill xmlns:a14="http://schemas.microsoft.com/office/drawing/2010/main" xmlns="">
+                <a14:hiddenFill xmlns="" xmlns:a14="http://schemas.microsoft.com/office/drawing/2010/main">
                   <a:noFill/>
                 </a14:hiddenFill>
               </a:ext>
@@ -20628,7 +20628,7 @@
             </a:ln>
             <a:extLst>
               <a:ext uri="{909E8E84-426E-40dd-AFC4-6F175D3DCCD1}">
-                <a14:hiddenFill xmlns:a14="http://schemas.microsoft.com/office/drawing/2010/main" xmlns="">
+                <a14:hiddenFill xmlns="" xmlns:a14="http://schemas.microsoft.com/office/drawing/2010/main">
                   <a:noFill/>
                 </a14:hiddenFill>
               </a:ext>
@@ -20679,7 +20679,7 @@
             </a:ln>
             <a:extLst>
               <a:ext uri="{909E8E84-426E-40dd-AFC4-6F175D3DCCD1}">
-                <a14:hiddenFill xmlns:a14="http://schemas.microsoft.com/office/drawing/2010/main" xmlns="">
+                <a14:hiddenFill xmlns="" xmlns:a14="http://schemas.microsoft.com/office/drawing/2010/main">
                   <a:noFill/>
                 </a14:hiddenFill>
               </a:ext>
@@ -20730,7 +20730,7 @@
             </a:ln>
             <a:extLst>
               <a:ext uri="{909E8E84-426E-40dd-AFC4-6F175D3DCCD1}">
-                <a14:hiddenFill xmlns:a14="http://schemas.microsoft.com/office/drawing/2010/main" xmlns="">
+                <a14:hiddenFill xmlns="" xmlns:a14="http://schemas.microsoft.com/office/drawing/2010/main">
                   <a:noFill/>
                 </a14:hiddenFill>
               </a:ext>
@@ -20781,7 +20781,7 @@
             </a:ln>
             <a:extLst>
               <a:ext uri="{909E8E84-426E-40dd-AFC4-6F175D3DCCD1}">
-                <a14:hiddenFill xmlns:a14="http://schemas.microsoft.com/office/drawing/2010/main" xmlns="">
+                <a14:hiddenFill xmlns="" xmlns:a14="http://schemas.microsoft.com/office/drawing/2010/main">
                   <a:noFill/>
                 </a14:hiddenFill>
               </a:ext>
@@ -20832,7 +20832,7 @@
             </a:ln>
             <a:extLst>
               <a:ext uri="{909E8E84-426E-40dd-AFC4-6F175D3DCCD1}">
-                <a14:hiddenFill xmlns:a14="http://schemas.microsoft.com/office/drawing/2010/main" xmlns="">
+                <a14:hiddenFill xmlns="" xmlns:a14="http://schemas.microsoft.com/office/drawing/2010/main">
                   <a:noFill/>
                 </a14:hiddenFill>
               </a:ext>
@@ -20883,7 +20883,7 @@
             </a:ln>
             <a:extLst>
               <a:ext uri="{909E8E84-426E-40dd-AFC4-6F175D3DCCD1}">
-                <a14:hiddenFill xmlns:a14="http://schemas.microsoft.com/office/drawing/2010/main" xmlns="">
+                <a14:hiddenFill xmlns="" xmlns:a14="http://schemas.microsoft.com/office/drawing/2010/main">
                   <a:noFill/>
                 </a14:hiddenFill>
               </a:ext>
@@ -20934,7 +20934,7 @@
             </a:ln>
             <a:extLst>
               <a:ext uri="{909E8E84-426E-40dd-AFC4-6F175D3DCCD1}">
-                <a14:hiddenFill xmlns:a14="http://schemas.microsoft.com/office/drawing/2010/main" xmlns="">
+                <a14:hiddenFill xmlns="" xmlns:a14="http://schemas.microsoft.com/office/drawing/2010/main">
                   <a:noFill/>
                 </a14:hiddenFill>
               </a:ext>
@@ -20985,7 +20985,7 @@
             </a:ln>
             <a:extLst>
               <a:ext uri="{909E8E84-426E-40dd-AFC4-6F175D3DCCD1}">
-                <a14:hiddenFill xmlns:a14="http://schemas.microsoft.com/office/drawing/2010/main" xmlns="">
+                <a14:hiddenFill xmlns="" xmlns:a14="http://schemas.microsoft.com/office/drawing/2010/main">
                   <a:noFill/>
                 </a14:hiddenFill>
               </a:ext>
@@ -21036,7 +21036,7 @@
             </a:ln>
             <a:extLst>
               <a:ext uri="{909E8E84-426E-40dd-AFC4-6F175D3DCCD1}">
-                <a14:hiddenFill xmlns:a14="http://schemas.microsoft.com/office/drawing/2010/main" xmlns="">
+                <a14:hiddenFill xmlns="" xmlns:a14="http://schemas.microsoft.com/office/drawing/2010/main">
                   <a:noFill/>
                 </a14:hiddenFill>
               </a:ext>
@@ -21087,7 +21087,7 @@
             </a:ln>
             <a:extLst>
               <a:ext uri="{909E8E84-426E-40dd-AFC4-6F175D3DCCD1}">
-                <a14:hiddenFill xmlns:a14="http://schemas.microsoft.com/office/drawing/2010/main" xmlns="">
+                <a14:hiddenFill xmlns="" xmlns:a14="http://schemas.microsoft.com/office/drawing/2010/main">
                   <a:noFill/>
                 </a14:hiddenFill>
               </a:ext>
@@ -21138,7 +21138,7 @@
             </a:ln>
             <a:extLst>
               <a:ext uri="{909E8E84-426E-40dd-AFC4-6F175D3DCCD1}">
-                <a14:hiddenFill xmlns:a14="http://schemas.microsoft.com/office/drawing/2010/main" xmlns="">
+                <a14:hiddenFill xmlns="" xmlns:a14="http://schemas.microsoft.com/office/drawing/2010/main">
                   <a:noFill/>
                 </a14:hiddenFill>
               </a:ext>
@@ -21189,7 +21189,7 @@
             </a:ln>
             <a:extLst>
               <a:ext uri="{909E8E84-426E-40dd-AFC4-6F175D3DCCD1}">
-                <a14:hiddenFill xmlns:a14="http://schemas.microsoft.com/office/drawing/2010/main" xmlns="">
+                <a14:hiddenFill xmlns="" xmlns:a14="http://schemas.microsoft.com/office/drawing/2010/main">
                   <a:noFill/>
                 </a14:hiddenFill>
               </a:ext>
@@ -21240,7 +21240,7 @@
             </a:ln>
             <a:extLst>
               <a:ext uri="{909E8E84-426E-40dd-AFC4-6F175D3DCCD1}">
-                <a14:hiddenFill xmlns:a14="http://schemas.microsoft.com/office/drawing/2010/main" xmlns="">
+                <a14:hiddenFill xmlns="" xmlns:a14="http://schemas.microsoft.com/office/drawing/2010/main">
                   <a:noFill/>
                 </a14:hiddenFill>
               </a:ext>
@@ -21291,7 +21291,7 @@
             </a:ln>
             <a:extLst>
               <a:ext uri="{909E8E84-426E-40dd-AFC4-6F175D3DCCD1}">
-                <a14:hiddenFill xmlns:a14="http://schemas.microsoft.com/office/drawing/2010/main" xmlns="">
+                <a14:hiddenFill xmlns="" xmlns:a14="http://schemas.microsoft.com/office/drawing/2010/main">
                   <a:noFill/>
                 </a14:hiddenFill>
               </a:ext>
@@ -21342,7 +21342,7 @@
             </a:ln>
             <a:extLst>
               <a:ext uri="{909E8E84-426E-40dd-AFC4-6F175D3DCCD1}">
-                <a14:hiddenFill xmlns:a14="http://schemas.microsoft.com/office/drawing/2010/main" xmlns="">
+                <a14:hiddenFill xmlns="" xmlns:a14="http://schemas.microsoft.com/office/drawing/2010/main">
                   <a:noFill/>
                 </a14:hiddenFill>
               </a:ext>
@@ -21393,7 +21393,7 @@
             </a:ln>
             <a:extLst>
               <a:ext uri="{909E8E84-426E-40dd-AFC4-6F175D3DCCD1}">
-                <a14:hiddenFill xmlns:a14="http://schemas.microsoft.com/office/drawing/2010/main" xmlns="">
+                <a14:hiddenFill xmlns="" xmlns:a14="http://schemas.microsoft.com/office/drawing/2010/main">
                   <a:noFill/>
                 </a14:hiddenFill>
               </a:ext>
@@ -21444,7 +21444,7 @@
             </a:ln>
             <a:extLst>
               <a:ext uri="{909E8E84-426E-40dd-AFC4-6F175D3DCCD1}">
-                <a14:hiddenFill xmlns:a14="http://schemas.microsoft.com/office/drawing/2010/main" xmlns="">
+                <a14:hiddenFill xmlns="" xmlns:a14="http://schemas.microsoft.com/office/drawing/2010/main">
                   <a:noFill/>
                 </a14:hiddenFill>
               </a:ext>
@@ -21495,7 +21495,7 @@
             </a:ln>
             <a:extLst>
               <a:ext uri="{909E8E84-426E-40dd-AFC4-6F175D3DCCD1}">
-                <a14:hiddenFill xmlns:a14="http://schemas.microsoft.com/office/drawing/2010/main" xmlns="">
+                <a14:hiddenFill xmlns="" xmlns:a14="http://schemas.microsoft.com/office/drawing/2010/main">
                   <a:noFill/>
                 </a14:hiddenFill>
               </a:ext>
@@ -21546,7 +21546,7 @@
             </a:ln>
             <a:extLst>
               <a:ext uri="{909E8E84-426E-40dd-AFC4-6F175D3DCCD1}">
-                <a14:hiddenFill xmlns:a14="http://schemas.microsoft.com/office/drawing/2010/main" xmlns="">
+                <a14:hiddenFill xmlns="" xmlns:a14="http://schemas.microsoft.com/office/drawing/2010/main">
                   <a:noFill/>
                 </a14:hiddenFill>
               </a:ext>
@@ -21597,7 +21597,7 @@
             </a:ln>
             <a:extLst>
               <a:ext uri="{909E8E84-426E-40dd-AFC4-6F175D3DCCD1}">
-                <a14:hiddenFill xmlns:a14="http://schemas.microsoft.com/office/drawing/2010/main" xmlns="">
+                <a14:hiddenFill xmlns="" xmlns:a14="http://schemas.microsoft.com/office/drawing/2010/main">
                   <a:noFill/>
                 </a14:hiddenFill>
               </a:ext>
@@ -21648,7 +21648,7 @@
             </a:ln>
             <a:extLst>
               <a:ext uri="{909E8E84-426E-40dd-AFC4-6F175D3DCCD1}">
-                <a14:hiddenFill xmlns:a14="http://schemas.microsoft.com/office/drawing/2010/main" xmlns="">
+                <a14:hiddenFill xmlns="" xmlns:a14="http://schemas.microsoft.com/office/drawing/2010/main">
                   <a:noFill/>
                 </a14:hiddenFill>
               </a:ext>
@@ -21699,7 +21699,7 @@
             </a:ln>
             <a:extLst>
               <a:ext uri="{909E8E84-426E-40dd-AFC4-6F175D3DCCD1}">
-                <a14:hiddenFill xmlns:a14="http://schemas.microsoft.com/office/drawing/2010/main" xmlns="">
+                <a14:hiddenFill xmlns="" xmlns:a14="http://schemas.microsoft.com/office/drawing/2010/main">
                   <a:noFill/>
                 </a14:hiddenFill>
               </a:ext>
@@ -21750,7 +21750,7 @@
             </a:ln>
             <a:extLst>
               <a:ext uri="{909E8E84-426E-40dd-AFC4-6F175D3DCCD1}">
-                <a14:hiddenFill xmlns:a14="http://schemas.microsoft.com/office/drawing/2010/main" xmlns="">
+                <a14:hiddenFill xmlns="" xmlns:a14="http://schemas.microsoft.com/office/drawing/2010/main">
                   <a:noFill/>
                 </a14:hiddenFill>
               </a:ext>
@@ -21801,7 +21801,7 @@
             </a:ln>
             <a:extLst>
               <a:ext uri="{909E8E84-426E-40dd-AFC4-6F175D3DCCD1}">
-                <a14:hiddenFill xmlns:a14="http://schemas.microsoft.com/office/drawing/2010/main" xmlns="">
+                <a14:hiddenFill xmlns="" xmlns:a14="http://schemas.microsoft.com/office/drawing/2010/main">
                   <a:noFill/>
                 </a14:hiddenFill>
               </a:ext>
@@ -21852,7 +21852,7 @@
             </a:ln>
             <a:extLst>
               <a:ext uri="{909E8E84-426E-40dd-AFC4-6F175D3DCCD1}">
-                <a14:hiddenFill xmlns:a14="http://schemas.microsoft.com/office/drawing/2010/main" xmlns="">
+                <a14:hiddenFill xmlns="" xmlns:a14="http://schemas.microsoft.com/office/drawing/2010/main">
                   <a:noFill/>
                 </a14:hiddenFill>
               </a:ext>
@@ -21903,7 +21903,7 @@
             </a:ln>
             <a:extLst>
               <a:ext uri="{909E8E84-426E-40dd-AFC4-6F175D3DCCD1}">
-                <a14:hiddenFill xmlns:a14="http://schemas.microsoft.com/office/drawing/2010/main" xmlns="">
+                <a14:hiddenFill xmlns="" xmlns:a14="http://schemas.microsoft.com/office/drawing/2010/main">
                   <a:noFill/>
                 </a14:hiddenFill>
               </a:ext>
@@ -21954,7 +21954,7 @@
             </a:ln>
             <a:extLst>
               <a:ext uri="{909E8E84-426E-40dd-AFC4-6F175D3DCCD1}">
-                <a14:hiddenFill xmlns:a14="http://schemas.microsoft.com/office/drawing/2010/main" xmlns="">
+                <a14:hiddenFill xmlns="" xmlns:a14="http://schemas.microsoft.com/office/drawing/2010/main">
                   <a:noFill/>
                 </a14:hiddenFill>
               </a:ext>
@@ -22005,7 +22005,7 @@
             </a:ln>
             <a:extLst>
               <a:ext uri="{909E8E84-426E-40dd-AFC4-6F175D3DCCD1}">
-                <a14:hiddenFill xmlns:a14="http://schemas.microsoft.com/office/drawing/2010/main" xmlns="">
+                <a14:hiddenFill xmlns="" xmlns:a14="http://schemas.microsoft.com/office/drawing/2010/main">
                   <a:noFill/>
                 </a14:hiddenFill>
               </a:ext>
@@ -22056,7 +22056,7 @@
             </a:ln>
             <a:extLst>
               <a:ext uri="{909E8E84-426E-40dd-AFC4-6F175D3DCCD1}">
-                <a14:hiddenFill xmlns:a14="http://schemas.microsoft.com/office/drawing/2010/main" xmlns="">
+                <a14:hiddenFill xmlns="" xmlns:a14="http://schemas.microsoft.com/office/drawing/2010/main">
                   <a:noFill/>
                 </a14:hiddenFill>
               </a:ext>
@@ -22107,7 +22107,7 @@
             </a:ln>
             <a:extLst>
               <a:ext uri="{909E8E84-426E-40dd-AFC4-6F175D3DCCD1}">
-                <a14:hiddenFill xmlns:a14="http://schemas.microsoft.com/office/drawing/2010/main" xmlns="">
+                <a14:hiddenFill xmlns="" xmlns:a14="http://schemas.microsoft.com/office/drawing/2010/main">
                   <a:noFill/>
                 </a14:hiddenFill>
               </a:ext>
@@ -22158,7 +22158,7 @@
             </a:ln>
             <a:extLst>
               <a:ext uri="{909E8E84-426E-40dd-AFC4-6F175D3DCCD1}">
-                <a14:hiddenFill xmlns:a14="http://schemas.microsoft.com/office/drawing/2010/main" xmlns="">
+                <a14:hiddenFill xmlns="" xmlns:a14="http://schemas.microsoft.com/office/drawing/2010/main">
                   <a:noFill/>
                 </a14:hiddenFill>
               </a:ext>
@@ -22209,7 +22209,7 @@
             </a:ln>
             <a:extLst>
               <a:ext uri="{909E8E84-426E-40dd-AFC4-6F175D3DCCD1}">
-                <a14:hiddenFill xmlns:a14="http://schemas.microsoft.com/office/drawing/2010/main" xmlns="">
+                <a14:hiddenFill xmlns="" xmlns:a14="http://schemas.microsoft.com/office/drawing/2010/main">
                   <a:noFill/>
                 </a14:hiddenFill>
               </a:ext>
@@ -22260,7 +22260,7 @@
             </a:ln>
             <a:extLst>
               <a:ext uri="{909E8E84-426E-40dd-AFC4-6F175D3DCCD1}">
-                <a14:hiddenFill xmlns:a14="http://schemas.microsoft.com/office/drawing/2010/main" xmlns="">
+                <a14:hiddenFill xmlns="" xmlns:a14="http://schemas.microsoft.com/office/drawing/2010/main">
                   <a:noFill/>
                 </a14:hiddenFill>
               </a:ext>
@@ -22311,7 +22311,7 @@
             </a:ln>
             <a:extLst>
               <a:ext uri="{909E8E84-426E-40dd-AFC4-6F175D3DCCD1}">
-                <a14:hiddenFill xmlns:a14="http://schemas.microsoft.com/office/drawing/2010/main" xmlns="">
+                <a14:hiddenFill xmlns="" xmlns:a14="http://schemas.microsoft.com/office/drawing/2010/main">
                   <a:noFill/>
                 </a14:hiddenFill>
               </a:ext>
@@ -23161,7 +23161,7 @@
             </a:ln>
             <a:extLst>
               <a:ext uri="{91240B29-F687-4f45-9708-019B960494DF}">
-                <a14:hiddenLine xmlns:a14="http://schemas.microsoft.com/office/drawing/2010/main" xmlns="" w="9525">
+                <a14:hiddenLine xmlns="" xmlns:a14="http://schemas.microsoft.com/office/drawing/2010/main" w="9525">
                   <a:solidFill>
                     <a:srgbClr val="000000"/>
                   </a:solidFill>
@@ -23833,7 +23833,7 @@
             </a:ln>
             <a:extLst>
               <a:ext uri="{91240B29-F687-4f45-9708-019B960494DF}">
-                <a14:hiddenLine xmlns:a14="http://schemas.microsoft.com/office/drawing/2010/main" xmlns="" w="9525">
+                <a14:hiddenLine xmlns="" xmlns:a14="http://schemas.microsoft.com/office/drawing/2010/main" w="9525">
                   <a:solidFill>
                     <a:srgbClr val="000000"/>
                   </a:solidFill>
@@ -23953,7 +23953,7 @@
             </a:ln>
             <a:extLst>
               <a:ext uri="{909E8E84-426E-40dd-AFC4-6F175D3DCCD1}">
-                <a14:hiddenFill xmlns:a14="http://schemas.microsoft.com/office/drawing/2010/main" xmlns="">
+                <a14:hiddenFill xmlns="" xmlns:a14="http://schemas.microsoft.com/office/drawing/2010/main">
                   <a:solidFill>
                     <a:srgbClr val="FFFFFF"/>
                   </a:solidFill>
@@ -24006,7 +24006,7 @@
             </a:ln>
             <a:extLst>
               <a:ext uri="{909E8E84-426E-40dd-AFC4-6F175D3DCCD1}">
-                <a14:hiddenFill xmlns:a14="http://schemas.microsoft.com/office/drawing/2010/main" xmlns="">
+                <a14:hiddenFill xmlns="" xmlns:a14="http://schemas.microsoft.com/office/drawing/2010/main">
                   <a:noFill/>
                 </a14:hiddenFill>
               </a:ext>
@@ -24057,7 +24057,7 @@
             </a:ln>
             <a:extLst>
               <a:ext uri="{909E8E84-426E-40dd-AFC4-6F175D3DCCD1}">
-                <a14:hiddenFill xmlns:a14="http://schemas.microsoft.com/office/drawing/2010/main" xmlns="">
+                <a14:hiddenFill xmlns="" xmlns:a14="http://schemas.microsoft.com/office/drawing/2010/main">
                   <a:noFill/>
                 </a14:hiddenFill>
               </a:ext>
@@ -24108,7 +24108,7 @@
             </a:ln>
             <a:extLst>
               <a:ext uri="{909E8E84-426E-40dd-AFC4-6F175D3DCCD1}">
-                <a14:hiddenFill xmlns:a14="http://schemas.microsoft.com/office/drawing/2010/main" xmlns="">
+                <a14:hiddenFill xmlns="" xmlns:a14="http://schemas.microsoft.com/office/drawing/2010/main">
                   <a:noFill/>
                 </a14:hiddenFill>
               </a:ext>
@@ -24159,7 +24159,7 @@
             </a:ln>
             <a:extLst>
               <a:ext uri="{909E8E84-426E-40dd-AFC4-6F175D3DCCD1}">
-                <a14:hiddenFill xmlns:a14="http://schemas.microsoft.com/office/drawing/2010/main" xmlns="">
+                <a14:hiddenFill xmlns="" xmlns:a14="http://schemas.microsoft.com/office/drawing/2010/main">
                   <a:noFill/>
                 </a14:hiddenFill>
               </a:ext>
@@ -24210,7 +24210,7 @@
             </a:ln>
             <a:extLst>
               <a:ext uri="{909E8E84-426E-40dd-AFC4-6F175D3DCCD1}">
-                <a14:hiddenFill xmlns:a14="http://schemas.microsoft.com/office/drawing/2010/main" xmlns="">
+                <a14:hiddenFill xmlns="" xmlns:a14="http://schemas.microsoft.com/office/drawing/2010/main">
                   <a:noFill/>
                 </a14:hiddenFill>
               </a:ext>
@@ -24261,7 +24261,7 @@
             </a:ln>
             <a:extLst>
               <a:ext uri="{909E8E84-426E-40dd-AFC4-6F175D3DCCD1}">
-                <a14:hiddenFill xmlns:a14="http://schemas.microsoft.com/office/drawing/2010/main" xmlns="">
+                <a14:hiddenFill xmlns="" xmlns:a14="http://schemas.microsoft.com/office/drawing/2010/main">
                   <a:noFill/>
                 </a14:hiddenFill>
               </a:ext>
@@ -24312,7 +24312,7 @@
             </a:ln>
             <a:extLst>
               <a:ext uri="{909E8E84-426E-40dd-AFC4-6F175D3DCCD1}">
-                <a14:hiddenFill xmlns:a14="http://schemas.microsoft.com/office/drawing/2010/main" xmlns="">
+                <a14:hiddenFill xmlns="" xmlns:a14="http://schemas.microsoft.com/office/drawing/2010/main">
                   <a:noFill/>
                 </a14:hiddenFill>
               </a:ext>
@@ -24363,7 +24363,7 @@
             </a:ln>
             <a:extLst>
               <a:ext uri="{909E8E84-426E-40dd-AFC4-6F175D3DCCD1}">
-                <a14:hiddenFill xmlns:a14="http://schemas.microsoft.com/office/drawing/2010/main" xmlns="">
+                <a14:hiddenFill xmlns="" xmlns:a14="http://schemas.microsoft.com/office/drawing/2010/main">
                   <a:noFill/>
                 </a14:hiddenFill>
               </a:ext>
@@ -24414,7 +24414,7 @@
             </a:ln>
             <a:extLst>
               <a:ext uri="{909E8E84-426E-40dd-AFC4-6F175D3DCCD1}">
-                <a14:hiddenFill xmlns:a14="http://schemas.microsoft.com/office/drawing/2010/main" xmlns="">
+                <a14:hiddenFill xmlns="" xmlns:a14="http://schemas.microsoft.com/office/drawing/2010/main">
                   <a:noFill/>
                 </a14:hiddenFill>
               </a:ext>
@@ -24465,7 +24465,7 @@
             </a:ln>
             <a:extLst>
               <a:ext uri="{909E8E84-426E-40dd-AFC4-6F175D3DCCD1}">
-                <a14:hiddenFill xmlns:a14="http://schemas.microsoft.com/office/drawing/2010/main" xmlns="">
+                <a14:hiddenFill xmlns="" xmlns:a14="http://schemas.microsoft.com/office/drawing/2010/main">
                   <a:noFill/>
                 </a14:hiddenFill>
               </a:ext>
@@ -24516,7 +24516,7 @@
             </a:ln>
             <a:extLst>
               <a:ext uri="{909E8E84-426E-40dd-AFC4-6F175D3DCCD1}">
-                <a14:hiddenFill xmlns:a14="http://schemas.microsoft.com/office/drawing/2010/main" xmlns="">
+                <a14:hiddenFill xmlns="" xmlns:a14="http://schemas.microsoft.com/office/drawing/2010/main">
                   <a:noFill/>
                 </a14:hiddenFill>
               </a:ext>
@@ -24567,7 +24567,7 @@
             </a:ln>
             <a:extLst>
               <a:ext uri="{909E8E84-426E-40dd-AFC4-6F175D3DCCD1}">
-                <a14:hiddenFill xmlns:a14="http://schemas.microsoft.com/office/drawing/2010/main" xmlns="">
+                <a14:hiddenFill xmlns="" xmlns:a14="http://schemas.microsoft.com/office/drawing/2010/main">
                   <a:noFill/>
                 </a14:hiddenFill>
               </a:ext>
@@ -24618,7 +24618,7 @@
             </a:ln>
             <a:extLst>
               <a:ext uri="{909E8E84-426E-40dd-AFC4-6F175D3DCCD1}">
-                <a14:hiddenFill xmlns:a14="http://schemas.microsoft.com/office/drawing/2010/main" xmlns="">
+                <a14:hiddenFill xmlns="" xmlns:a14="http://schemas.microsoft.com/office/drawing/2010/main">
                   <a:noFill/>
                 </a14:hiddenFill>
               </a:ext>
@@ -24669,7 +24669,7 @@
             </a:ln>
             <a:extLst>
               <a:ext uri="{909E8E84-426E-40dd-AFC4-6F175D3DCCD1}">
-                <a14:hiddenFill xmlns:a14="http://schemas.microsoft.com/office/drawing/2010/main" xmlns="">
+                <a14:hiddenFill xmlns="" xmlns:a14="http://schemas.microsoft.com/office/drawing/2010/main">
                   <a:noFill/>
                 </a14:hiddenFill>
               </a:ext>
@@ -24720,7 +24720,7 @@
             </a:ln>
             <a:extLst>
               <a:ext uri="{909E8E84-426E-40dd-AFC4-6F175D3DCCD1}">
-                <a14:hiddenFill xmlns:a14="http://schemas.microsoft.com/office/drawing/2010/main" xmlns="">
+                <a14:hiddenFill xmlns="" xmlns:a14="http://schemas.microsoft.com/office/drawing/2010/main">
                   <a:noFill/>
                 </a14:hiddenFill>
               </a:ext>
@@ -24771,7 +24771,7 @@
             </a:ln>
             <a:extLst>
               <a:ext uri="{909E8E84-426E-40dd-AFC4-6F175D3DCCD1}">
-                <a14:hiddenFill xmlns:a14="http://schemas.microsoft.com/office/drawing/2010/main" xmlns="">
+                <a14:hiddenFill xmlns="" xmlns:a14="http://schemas.microsoft.com/office/drawing/2010/main">
                   <a:noFill/>
                 </a14:hiddenFill>
               </a:ext>
@@ -24822,7 +24822,7 @@
             </a:ln>
             <a:extLst>
               <a:ext uri="{909E8E84-426E-40dd-AFC4-6F175D3DCCD1}">
-                <a14:hiddenFill xmlns:a14="http://schemas.microsoft.com/office/drawing/2010/main" xmlns="">
+                <a14:hiddenFill xmlns="" xmlns:a14="http://schemas.microsoft.com/office/drawing/2010/main">
                   <a:noFill/>
                 </a14:hiddenFill>
               </a:ext>
@@ -24873,7 +24873,7 @@
             </a:ln>
             <a:extLst>
               <a:ext uri="{909E8E84-426E-40dd-AFC4-6F175D3DCCD1}">
-                <a14:hiddenFill xmlns:a14="http://schemas.microsoft.com/office/drawing/2010/main" xmlns="">
+                <a14:hiddenFill xmlns="" xmlns:a14="http://schemas.microsoft.com/office/drawing/2010/main">
                   <a:noFill/>
                 </a14:hiddenFill>
               </a:ext>
@@ -24924,7 +24924,7 @@
             </a:ln>
             <a:extLst>
               <a:ext uri="{909E8E84-426E-40dd-AFC4-6F175D3DCCD1}">
-                <a14:hiddenFill xmlns:a14="http://schemas.microsoft.com/office/drawing/2010/main" xmlns="">
+                <a14:hiddenFill xmlns="" xmlns:a14="http://schemas.microsoft.com/office/drawing/2010/main">
                   <a:noFill/>
                 </a14:hiddenFill>
               </a:ext>
@@ -24975,7 +24975,7 @@
             </a:ln>
             <a:extLst>
               <a:ext uri="{909E8E84-426E-40dd-AFC4-6F175D3DCCD1}">
-                <a14:hiddenFill xmlns:a14="http://schemas.microsoft.com/office/drawing/2010/main" xmlns="">
+                <a14:hiddenFill xmlns="" xmlns:a14="http://schemas.microsoft.com/office/drawing/2010/main">
                   <a:noFill/>
                 </a14:hiddenFill>
               </a:ext>
@@ -25026,7 +25026,7 @@
             </a:ln>
             <a:extLst>
               <a:ext uri="{909E8E84-426E-40dd-AFC4-6F175D3DCCD1}">
-                <a14:hiddenFill xmlns:a14="http://schemas.microsoft.com/office/drawing/2010/main" xmlns="">
+                <a14:hiddenFill xmlns="" xmlns:a14="http://schemas.microsoft.com/office/drawing/2010/main">
                   <a:noFill/>
                 </a14:hiddenFill>
               </a:ext>
@@ -25077,7 +25077,7 @@
             </a:ln>
             <a:extLst>
               <a:ext uri="{909E8E84-426E-40dd-AFC4-6F175D3DCCD1}">
-                <a14:hiddenFill xmlns:a14="http://schemas.microsoft.com/office/drawing/2010/main" xmlns="">
+                <a14:hiddenFill xmlns="" xmlns:a14="http://schemas.microsoft.com/office/drawing/2010/main">
                   <a:noFill/>
                 </a14:hiddenFill>
               </a:ext>
@@ -25128,7 +25128,7 @@
             </a:ln>
             <a:extLst>
               <a:ext uri="{909E8E84-426E-40dd-AFC4-6F175D3DCCD1}">
-                <a14:hiddenFill xmlns:a14="http://schemas.microsoft.com/office/drawing/2010/main" xmlns="">
+                <a14:hiddenFill xmlns="" xmlns:a14="http://schemas.microsoft.com/office/drawing/2010/main">
                   <a:noFill/>
                 </a14:hiddenFill>
               </a:ext>
@@ -25179,7 +25179,7 @@
             </a:ln>
             <a:extLst>
               <a:ext uri="{909E8E84-426E-40dd-AFC4-6F175D3DCCD1}">
-                <a14:hiddenFill xmlns:a14="http://schemas.microsoft.com/office/drawing/2010/main" xmlns="">
+                <a14:hiddenFill xmlns="" xmlns:a14="http://schemas.microsoft.com/office/drawing/2010/main">
                   <a:noFill/>
                 </a14:hiddenFill>
               </a:ext>
@@ -25230,7 +25230,7 @@
             </a:ln>
             <a:extLst>
               <a:ext uri="{909E8E84-426E-40dd-AFC4-6F175D3DCCD1}">
-                <a14:hiddenFill xmlns:a14="http://schemas.microsoft.com/office/drawing/2010/main" xmlns="">
+                <a14:hiddenFill xmlns="" xmlns:a14="http://schemas.microsoft.com/office/drawing/2010/main">
                   <a:noFill/>
                 </a14:hiddenFill>
               </a:ext>
@@ -25281,7 +25281,7 @@
             </a:ln>
             <a:extLst>
               <a:ext uri="{909E8E84-426E-40dd-AFC4-6F175D3DCCD1}">
-                <a14:hiddenFill xmlns:a14="http://schemas.microsoft.com/office/drawing/2010/main" xmlns="">
+                <a14:hiddenFill xmlns="" xmlns:a14="http://schemas.microsoft.com/office/drawing/2010/main">
                   <a:noFill/>
                 </a14:hiddenFill>
               </a:ext>
@@ -25332,7 +25332,7 @@
             </a:ln>
             <a:extLst>
               <a:ext uri="{909E8E84-426E-40dd-AFC4-6F175D3DCCD1}">
-                <a14:hiddenFill xmlns:a14="http://schemas.microsoft.com/office/drawing/2010/main" xmlns="">
+                <a14:hiddenFill xmlns="" xmlns:a14="http://schemas.microsoft.com/office/drawing/2010/main">
                   <a:noFill/>
                 </a14:hiddenFill>
               </a:ext>
@@ -25383,7 +25383,7 @@
             </a:ln>
             <a:extLst>
               <a:ext uri="{909E8E84-426E-40dd-AFC4-6F175D3DCCD1}">
-                <a14:hiddenFill xmlns:a14="http://schemas.microsoft.com/office/drawing/2010/main" xmlns="">
+                <a14:hiddenFill xmlns="" xmlns:a14="http://schemas.microsoft.com/office/drawing/2010/main">
                   <a:noFill/>
                 </a14:hiddenFill>
               </a:ext>
@@ -25434,7 +25434,7 @@
             </a:ln>
             <a:extLst>
               <a:ext uri="{909E8E84-426E-40dd-AFC4-6F175D3DCCD1}">
-                <a14:hiddenFill xmlns:a14="http://schemas.microsoft.com/office/drawing/2010/main" xmlns="">
+                <a14:hiddenFill xmlns="" xmlns:a14="http://schemas.microsoft.com/office/drawing/2010/main">
                   <a:noFill/>
                 </a14:hiddenFill>
               </a:ext>
@@ -25485,7 +25485,7 @@
             </a:ln>
             <a:extLst>
               <a:ext uri="{909E8E84-426E-40dd-AFC4-6F175D3DCCD1}">
-                <a14:hiddenFill xmlns:a14="http://schemas.microsoft.com/office/drawing/2010/main" xmlns="">
+                <a14:hiddenFill xmlns="" xmlns:a14="http://schemas.microsoft.com/office/drawing/2010/main">
                   <a:noFill/>
                 </a14:hiddenFill>
               </a:ext>
@@ -25536,7 +25536,7 @@
             </a:ln>
             <a:extLst>
               <a:ext uri="{909E8E84-426E-40dd-AFC4-6F175D3DCCD1}">
-                <a14:hiddenFill xmlns:a14="http://schemas.microsoft.com/office/drawing/2010/main" xmlns="">
+                <a14:hiddenFill xmlns="" xmlns:a14="http://schemas.microsoft.com/office/drawing/2010/main">
                   <a:noFill/>
                 </a14:hiddenFill>
               </a:ext>
@@ -25587,7 +25587,7 @@
             </a:ln>
             <a:extLst>
               <a:ext uri="{909E8E84-426E-40dd-AFC4-6F175D3DCCD1}">
-                <a14:hiddenFill xmlns:a14="http://schemas.microsoft.com/office/drawing/2010/main" xmlns="">
+                <a14:hiddenFill xmlns="" xmlns:a14="http://schemas.microsoft.com/office/drawing/2010/main">
                   <a:noFill/>
                 </a14:hiddenFill>
               </a:ext>
@@ -25638,7 +25638,7 @@
             </a:ln>
             <a:extLst>
               <a:ext uri="{909E8E84-426E-40dd-AFC4-6F175D3DCCD1}">
-                <a14:hiddenFill xmlns:a14="http://schemas.microsoft.com/office/drawing/2010/main" xmlns="">
+                <a14:hiddenFill xmlns="" xmlns:a14="http://schemas.microsoft.com/office/drawing/2010/main">
                   <a:noFill/>
                 </a14:hiddenFill>
               </a:ext>
@@ -25689,7 +25689,7 @@
             </a:ln>
             <a:extLst>
               <a:ext uri="{909E8E84-426E-40dd-AFC4-6F175D3DCCD1}">
-                <a14:hiddenFill xmlns:a14="http://schemas.microsoft.com/office/drawing/2010/main" xmlns="">
+                <a14:hiddenFill xmlns="" xmlns:a14="http://schemas.microsoft.com/office/drawing/2010/main">
                   <a:noFill/>
                 </a14:hiddenFill>
               </a:ext>
@@ -25740,7 +25740,7 @@
             </a:ln>
             <a:extLst>
               <a:ext uri="{909E8E84-426E-40dd-AFC4-6F175D3DCCD1}">
-                <a14:hiddenFill xmlns:a14="http://schemas.microsoft.com/office/drawing/2010/main" xmlns="">
+                <a14:hiddenFill xmlns="" xmlns:a14="http://schemas.microsoft.com/office/drawing/2010/main">
                   <a:noFill/>
                 </a14:hiddenFill>
               </a:ext>
@@ -25791,7 +25791,7 @@
             </a:ln>
             <a:extLst>
               <a:ext uri="{909E8E84-426E-40dd-AFC4-6F175D3DCCD1}">
-                <a14:hiddenFill xmlns:a14="http://schemas.microsoft.com/office/drawing/2010/main" xmlns="">
+                <a14:hiddenFill xmlns="" xmlns:a14="http://schemas.microsoft.com/office/drawing/2010/main">
                   <a:noFill/>
                 </a14:hiddenFill>
               </a:ext>
@@ -25842,7 +25842,7 @@
             </a:ln>
             <a:extLst>
               <a:ext uri="{909E8E84-426E-40dd-AFC4-6F175D3DCCD1}">
-                <a14:hiddenFill xmlns:a14="http://schemas.microsoft.com/office/drawing/2010/main" xmlns="">
+                <a14:hiddenFill xmlns="" xmlns:a14="http://schemas.microsoft.com/office/drawing/2010/main">
                   <a:noFill/>
                 </a14:hiddenFill>
               </a:ext>
@@ -25893,7 +25893,7 @@
             </a:ln>
             <a:extLst>
               <a:ext uri="{909E8E84-426E-40dd-AFC4-6F175D3DCCD1}">
-                <a14:hiddenFill xmlns:a14="http://schemas.microsoft.com/office/drawing/2010/main" xmlns="">
+                <a14:hiddenFill xmlns="" xmlns:a14="http://schemas.microsoft.com/office/drawing/2010/main">
                   <a:noFill/>
                 </a14:hiddenFill>
               </a:ext>
@@ -25944,7 +25944,7 @@
             </a:ln>
             <a:extLst>
               <a:ext uri="{909E8E84-426E-40dd-AFC4-6F175D3DCCD1}">
-                <a14:hiddenFill xmlns:a14="http://schemas.microsoft.com/office/drawing/2010/main" xmlns="">
+                <a14:hiddenFill xmlns="" xmlns:a14="http://schemas.microsoft.com/office/drawing/2010/main">
                   <a:noFill/>
                 </a14:hiddenFill>
               </a:ext>
@@ -25995,7 +25995,7 @@
             </a:ln>
             <a:extLst>
               <a:ext uri="{909E8E84-426E-40dd-AFC4-6F175D3DCCD1}">
-                <a14:hiddenFill xmlns:a14="http://schemas.microsoft.com/office/drawing/2010/main" xmlns="">
+                <a14:hiddenFill xmlns="" xmlns:a14="http://schemas.microsoft.com/office/drawing/2010/main">
                   <a:noFill/>
                 </a14:hiddenFill>
               </a:ext>
@@ -26046,7 +26046,7 @@
             </a:ln>
             <a:extLst>
               <a:ext uri="{909E8E84-426E-40dd-AFC4-6F175D3DCCD1}">
-                <a14:hiddenFill xmlns:a14="http://schemas.microsoft.com/office/drawing/2010/main" xmlns="">
+                <a14:hiddenFill xmlns="" xmlns:a14="http://schemas.microsoft.com/office/drawing/2010/main">
                   <a:noFill/>
                 </a14:hiddenFill>
               </a:ext>
@@ -26097,7 +26097,7 @@
             </a:ln>
             <a:extLst>
               <a:ext uri="{909E8E84-426E-40dd-AFC4-6F175D3DCCD1}">
-                <a14:hiddenFill xmlns:a14="http://schemas.microsoft.com/office/drawing/2010/main" xmlns="">
+                <a14:hiddenFill xmlns="" xmlns:a14="http://schemas.microsoft.com/office/drawing/2010/main">
                   <a:noFill/>
                 </a14:hiddenFill>
               </a:ext>
@@ -26148,7 +26148,7 @@
             </a:ln>
             <a:extLst>
               <a:ext uri="{909E8E84-426E-40dd-AFC4-6F175D3DCCD1}">
-                <a14:hiddenFill xmlns:a14="http://schemas.microsoft.com/office/drawing/2010/main" xmlns="">
+                <a14:hiddenFill xmlns="" xmlns:a14="http://schemas.microsoft.com/office/drawing/2010/main">
                   <a:noFill/>
                 </a14:hiddenFill>
               </a:ext>
@@ -26199,7 +26199,7 @@
             </a:ln>
             <a:extLst>
               <a:ext uri="{909E8E84-426E-40dd-AFC4-6F175D3DCCD1}">
-                <a14:hiddenFill xmlns:a14="http://schemas.microsoft.com/office/drawing/2010/main" xmlns="">
+                <a14:hiddenFill xmlns="" xmlns:a14="http://schemas.microsoft.com/office/drawing/2010/main">
                   <a:noFill/>
                 </a14:hiddenFill>
               </a:ext>
@@ -26250,7 +26250,7 @@
             </a:ln>
             <a:extLst>
               <a:ext uri="{909E8E84-426E-40dd-AFC4-6F175D3DCCD1}">
-                <a14:hiddenFill xmlns:a14="http://schemas.microsoft.com/office/drawing/2010/main" xmlns="">
+                <a14:hiddenFill xmlns="" xmlns:a14="http://schemas.microsoft.com/office/drawing/2010/main">
                   <a:noFill/>
                 </a14:hiddenFill>
               </a:ext>
@@ -26301,7 +26301,7 @@
             </a:ln>
             <a:extLst>
               <a:ext uri="{909E8E84-426E-40dd-AFC4-6F175D3DCCD1}">
-                <a14:hiddenFill xmlns:a14="http://schemas.microsoft.com/office/drawing/2010/main" xmlns="">
+                <a14:hiddenFill xmlns="" xmlns:a14="http://schemas.microsoft.com/office/drawing/2010/main">
                   <a:noFill/>
                 </a14:hiddenFill>
               </a:ext>
@@ -26352,7 +26352,7 @@
             </a:ln>
             <a:extLst>
               <a:ext uri="{909E8E84-426E-40dd-AFC4-6F175D3DCCD1}">
-                <a14:hiddenFill xmlns:a14="http://schemas.microsoft.com/office/drawing/2010/main" xmlns="">
+                <a14:hiddenFill xmlns="" xmlns:a14="http://schemas.microsoft.com/office/drawing/2010/main">
                   <a:noFill/>
                 </a14:hiddenFill>
               </a:ext>
@@ -26403,7 +26403,7 @@
             </a:ln>
             <a:extLst>
               <a:ext uri="{909E8E84-426E-40dd-AFC4-6F175D3DCCD1}">
-                <a14:hiddenFill xmlns:a14="http://schemas.microsoft.com/office/drawing/2010/main" xmlns="">
+                <a14:hiddenFill xmlns="" xmlns:a14="http://schemas.microsoft.com/office/drawing/2010/main">
                   <a:noFill/>
                 </a14:hiddenFill>
               </a:ext>
@@ -26454,7 +26454,7 @@
             </a:ln>
             <a:extLst>
               <a:ext uri="{909E8E84-426E-40dd-AFC4-6F175D3DCCD1}">
-                <a14:hiddenFill xmlns:a14="http://schemas.microsoft.com/office/drawing/2010/main" xmlns="">
+                <a14:hiddenFill xmlns="" xmlns:a14="http://schemas.microsoft.com/office/drawing/2010/main">
                   <a:noFill/>
                 </a14:hiddenFill>
               </a:ext>
@@ -26505,7 +26505,7 @@
             </a:ln>
             <a:extLst>
               <a:ext uri="{909E8E84-426E-40dd-AFC4-6F175D3DCCD1}">
-                <a14:hiddenFill xmlns:a14="http://schemas.microsoft.com/office/drawing/2010/main" xmlns="">
+                <a14:hiddenFill xmlns="" xmlns:a14="http://schemas.microsoft.com/office/drawing/2010/main">
                   <a:noFill/>
                 </a14:hiddenFill>
               </a:ext>
@@ -26556,7 +26556,7 @@
             </a:ln>
             <a:extLst>
               <a:ext uri="{909E8E84-426E-40dd-AFC4-6F175D3DCCD1}">
-                <a14:hiddenFill xmlns:a14="http://schemas.microsoft.com/office/drawing/2010/main" xmlns="">
+                <a14:hiddenFill xmlns="" xmlns:a14="http://schemas.microsoft.com/office/drawing/2010/main">
                   <a:noFill/>
                 </a14:hiddenFill>
               </a:ext>
@@ -26607,7 +26607,7 @@
             </a:ln>
             <a:extLst>
               <a:ext uri="{909E8E84-426E-40dd-AFC4-6F175D3DCCD1}">
-                <a14:hiddenFill xmlns:a14="http://schemas.microsoft.com/office/drawing/2010/main" xmlns="">
+                <a14:hiddenFill xmlns="" xmlns:a14="http://schemas.microsoft.com/office/drawing/2010/main">
                   <a:noFill/>
                 </a14:hiddenFill>
               </a:ext>
@@ -26658,7 +26658,7 @@
             </a:ln>
             <a:extLst>
               <a:ext uri="{909E8E84-426E-40dd-AFC4-6F175D3DCCD1}">
-                <a14:hiddenFill xmlns:a14="http://schemas.microsoft.com/office/drawing/2010/main" xmlns="">
+                <a14:hiddenFill xmlns="" xmlns:a14="http://schemas.microsoft.com/office/drawing/2010/main">
                   <a:noFill/>
                 </a14:hiddenFill>
               </a:ext>
@@ -26709,7 +26709,7 @@
             </a:ln>
             <a:extLst>
               <a:ext uri="{909E8E84-426E-40dd-AFC4-6F175D3DCCD1}">
-                <a14:hiddenFill xmlns:a14="http://schemas.microsoft.com/office/drawing/2010/main" xmlns="">
+                <a14:hiddenFill xmlns="" xmlns:a14="http://schemas.microsoft.com/office/drawing/2010/main">
                   <a:noFill/>
                 </a14:hiddenFill>
               </a:ext>
@@ -26760,7 +26760,7 @@
             </a:ln>
             <a:extLst>
               <a:ext uri="{909E8E84-426E-40dd-AFC4-6F175D3DCCD1}">
-                <a14:hiddenFill xmlns:a14="http://schemas.microsoft.com/office/drawing/2010/main" xmlns="">
+                <a14:hiddenFill xmlns="" xmlns:a14="http://schemas.microsoft.com/office/drawing/2010/main">
                   <a:noFill/>
                 </a14:hiddenFill>
               </a:ext>
@@ -26811,7 +26811,7 @@
             </a:ln>
             <a:extLst>
               <a:ext uri="{909E8E84-426E-40dd-AFC4-6F175D3DCCD1}">
-                <a14:hiddenFill xmlns:a14="http://schemas.microsoft.com/office/drawing/2010/main" xmlns="">
+                <a14:hiddenFill xmlns="" xmlns:a14="http://schemas.microsoft.com/office/drawing/2010/main">
                   <a:noFill/>
                 </a14:hiddenFill>
               </a:ext>
@@ -26862,7 +26862,7 @@
             </a:ln>
             <a:extLst>
               <a:ext uri="{909E8E84-426E-40dd-AFC4-6F175D3DCCD1}">
-                <a14:hiddenFill xmlns:a14="http://schemas.microsoft.com/office/drawing/2010/main" xmlns="">
+                <a14:hiddenFill xmlns="" xmlns:a14="http://schemas.microsoft.com/office/drawing/2010/main">
                   <a:noFill/>
                 </a14:hiddenFill>
               </a:ext>
@@ -26913,7 +26913,7 @@
             </a:ln>
             <a:extLst>
               <a:ext uri="{909E8E84-426E-40dd-AFC4-6F175D3DCCD1}">
-                <a14:hiddenFill xmlns:a14="http://schemas.microsoft.com/office/drawing/2010/main" xmlns="">
+                <a14:hiddenFill xmlns="" xmlns:a14="http://schemas.microsoft.com/office/drawing/2010/main">
                   <a:noFill/>
                 </a14:hiddenFill>
               </a:ext>
@@ -26964,7 +26964,7 @@
             </a:ln>
             <a:extLst>
               <a:ext uri="{909E8E84-426E-40dd-AFC4-6F175D3DCCD1}">
-                <a14:hiddenFill xmlns:a14="http://schemas.microsoft.com/office/drawing/2010/main" xmlns="">
+                <a14:hiddenFill xmlns="" xmlns:a14="http://schemas.microsoft.com/office/drawing/2010/main">
                   <a:noFill/>
                 </a14:hiddenFill>
               </a:ext>
@@ -27015,7 +27015,7 @@
             </a:ln>
             <a:extLst>
               <a:ext uri="{909E8E84-426E-40dd-AFC4-6F175D3DCCD1}">
-                <a14:hiddenFill xmlns:a14="http://schemas.microsoft.com/office/drawing/2010/main" xmlns="">
+                <a14:hiddenFill xmlns="" xmlns:a14="http://schemas.microsoft.com/office/drawing/2010/main">
                   <a:noFill/>
                 </a14:hiddenFill>
               </a:ext>
@@ -27066,7 +27066,7 @@
             </a:ln>
             <a:extLst>
               <a:ext uri="{909E8E84-426E-40dd-AFC4-6F175D3DCCD1}">
-                <a14:hiddenFill xmlns:a14="http://schemas.microsoft.com/office/drawing/2010/main" xmlns="">
+                <a14:hiddenFill xmlns="" xmlns:a14="http://schemas.microsoft.com/office/drawing/2010/main">
                   <a:noFill/>
                 </a14:hiddenFill>
               </a:ext>
@@ -27117,7 +27117,7 @@
             </a:ln>
             <a:extLst>
               <a:ext uri="{909E8E84-426E-40dd-AFC4-6F175D3DCCD1}">
-                <a14:hiddenFill xmlns:a14="http://schemas.microsoft.com/office/drawing/2010/main" xmlns="">
+                <a14:hiddenFill xmlns="" xmlns:a14="http://schemas.microsoft.com/office/drawing/2010/main">
                   <a:noFill/>
                 </a14:hiddenFill>
               </a:ext>
@@ -27168,7 +27168,7 @@
             </a:ln>
             <a:extLst>
               <a:ext uri="{909E8E84-426E-40dd-AFC4-6F175D3DCCD1}">
-                <a14:hiddenFill xmlns:a14="http://schemas.microsoft.com/office/drawing/2010/main" xmlns="">
+                <a14:hiddenFill xmlns="" xmlns:a14="http://schemas.microsoft.com/office/drawing/2010/main">
                   <a:noFill/>
                 </a14:hiddenFill>
               </a:ext>
@@ -27219,7 +27219,7 @@
             </a:ln>
             <a:extLst>
               <a:ext uri="{909E8E84-426E-40dd-AFC4-6F175D3DCCD1}">
-                <a14:hiddenFill xmlns:a14="http://schemas.microsoft.com/office/drawing/2010/main" xmlns="">
+                <a14:hiddenFill xmlns="" xmlns:a14="http://schemas.microsoft.com/office/drawing/2010/main">
                   <a:noFill/>
                 </a14:hiddenFill>
               </a:ext>
@@ -27270,7 +27270,7 @@
             </a:ln>
             <a:extLst>
               <a:ext uri="{909E8E84-426E-40dd-AFC4-6F175D3DCCD1}">
-                <a14:hiddenFill xmlns:a14="http://schemas.microsoft.com/office/drawing/2010/main" xmlns="">
+                <a14:hiddenFill xmlns="" xmlns:a14="http://schemas.microsoft.com/office/drawing/2010/main">
                   <a:noFill/>
                 </a14:hiddenFill>
               </a:ext>
@@ -27321,7 +27321,7 @@
             </a:ln>
             <a:extLst>
               <a:ext uri="{909E8E84-426E-40dd-AFC4-6F175D3DCCD1}">
-                <a14:hiddenFill xmlns:a14="http://schemas.microsoft.com/office/drawing/2010/main" xmlns="">
+                <a14:hiddenFill xmlns="" xmlns:a14="http://schemas.microsoft.com/office/drawing/2010/main">
                   <a:noFill/>
                 </a14:hiddenFill>
               </a:ext>
@@ -27372,7 +27372,7 @@
             </a:ln>
             <a:extLst>
               <a:ext uri="{909E8E84-426E-40dd-AFC4-6F175D3DCCD1}">
-                <a14:hiddenFill xmlns:a14="http://schemas.microsoft.com/office/drawing/2010/main" xmlns="">
+                <a14:hiddenFill xmlns="" xmlns:a14="http://schemas.microsoft.com/office/drawing/2010/main">
                   <a:noFill/>
                 </a14:hiddenFill>
               </a:ext>
@@ -27423,7 +27423,7 @@
             </a:ln>
             <a:extLst>
               <a:ext uri="{909E8E84-426E-40dd-AFC4-6F175D3DCCD1}">
-                <a14:hiddenFill xmlns:a14="http://schemas.microsoft.com/office/drawing/2010/main" xmlns="">
+                <a14:hiddenFill xmlns="" xmlns:a14="http://schemas.microsoft.com/office/drawing/2010/main">
                   <a:noFill/>
                 </a14:hiddenFill>
               </a:ext>
@@ -28241,7 +28241,7 @@
             </a:ln>
             <a:extLst>
               <a:ext uri="{909E8E84-426E-40dd-AFC4-6F175D3DCCD1}">
-                <a14:hiddenFill xmlns:a14="http://schemas.microsoft.com/office/drawing/2010/main" xmlns="">
+                <a14:hiddenFill xmlns="" xmlns:a14="http://schemas.microsoft.com/office/drawing/2010/main">
                   <a:solidFill>
                     <a:srgbClr val="FFFFFF"/>
                   </a:solidFill>
@@ -28294,7 +28294,7 @@
             </a:ln>
             <a:extLst>
               <a:ext uri="{909E8E84-426E-40dd-AFC4-6F175D3DCCD1}">
-                <a14:hiddenFill xmlns:a14="http://schemas.microsoft.com/office/drawing/2010/main" xmlns="">
+                <a14:hiddenFill xmlns="" xmlns:a14="http://schemas.microsoft.com/office/drawing/2010/main">
                   <a:noFill/>
                 </a14:hiddenFill>
               </a:ext>
@@ -28345,7 +28345,7 @@
             </a:ln>
             <a:extLst>
               <a:ext uri="{909E8E84-426E-40dd-AFC4-6F175D3DCCD1}">
-                <a14:hiddenFill xmlns:a14="http://schemas.microsoft.com/office/drawing/2010/main" xmlns="">
+                <a14:hiddenFill xmlns="" xmlns:a14="http://schemas.microsoft.com/office/drawing/2010/main">
                   <a:noFill/>
                 </a14:hiddenFill>
               </a:ext>
@@ -28396,7 +28396,7 @@
             </a:ln>
             <a:extLst>
               <a:ext uri="{909E8E84-426E-40dd-AFC4-6F175D3DCCD1}">
-                <a14:hiddenFill xmlns:a14="http://schemas.microsoft.com/office/drawing/2010/main" xmlns="">
+                <a14:hiddenFill xmlns="" xmlns:a14="http://schemas.microsoft.com/office/drawing/2010/main">
                   <a:noFill/>
                 </a14:hiddenFill>
               </a:ext>
@@ -28447,7 +28447,7 @@
             </a:ln>
             <a:extLst>
               <a:ext uri="{909E8E84-426E-40dd-AFC4-6F175D3DCCD1}">
-                <a14:hiddenFill xmlns:a14="http://schemas.microsoft.com/office/drawing/2010/main" xmlns="">
+                <a14:hiddenFill xmlns="" xmlns:a14="http://schemas.microsoft.com/office/drawing/2010/main">
                   <a:noFill/>
                 </a14:hiddenFill>
               </a:ext>
@@ -28498,7 +28498,7 @@
             </a:ln>
             <a:extLst>
               <a:ext uri="{909E8E84-426E-40dd-AFC4-6F175D3DCCD1}">
-                <a14:hiddenFill xmlns:a14="http://schemas.microsoft.com/office/drawing/2010/main" xmlns="">
+                <a14:hiddenFill xmlns="" xmlns:a14="http://schemas.microsoft.com/office/drawing/2010/main">
                   <a:noFill/>
                 </a14:hiddenFill>
               </a:ext>
@@ -28549,7 +28549,7 @@
             </a:ln>
             <a:extLst>
               <a:ext uri="{909E8E84-426E-40dd-AFC4-6F175D3DCCD1}">
-                <a14:hiddenFill xmlns:a14="http://schemas.microsoft.com/office/drawing/2010/main" xmlns="">
+                <a14:hiddenFill xmlns="" xmlns:a14="http://schemas.microsoft.com/office/drawing/2010/main">
                   <a:noFill/>
                 </a14:hiddenFill>
               </a:ext>
@@ -28600,7 +28600,7 @@
             </a:ln>
             <a:extLst>
               <a:ext uri="{909E8E84-426E-40dd-AFC4-6F175D3DCCD1}">
-                <a14:hiddenFill xmlns:a14="http://schemas.microsoft.com/office/drawing/2010/main" xmlns="">
+                <a14:hiddenFill xmlns="" xmlns:a14="http://schemas.microsoft.com/office/drawing/2010/main">
                   <a:noFill/>
                 </a14:hiddenFill>
               </a:ext>
@@ -28651,7 +28651,7 @@
             </a:ln>
             <a:extLst>
               <a:ext uri="{909E8E84-426E-40dd-AFC4-6F175D3DCCD1}">
-                <a14:hiddenFill xmlns:a14="http://schemas.microsoft.com/office/drawing/2010/main" xmlns="">
+                <a14:hiddenFill xmlns="" xmlns:a14="http://schemas.microsoft.com/office/drawing/2010/main">
                   <a:noFill/>
                 </a14:hiddenFill>
               </a:ext>
@@ -28702,7 +28702,7 @@
             </a:ln>
             <a:extLst>
               <a:ext uri="{909E8E84-426E-40dd-AFC4-6F175D3DCCD1}">
-                <a14:hiddenFill xmlns:a14="http://schemas.microsoft.com/office/drawing/2010/main" xmlns="">
+                <a14:hiddenFill xmlns="" xmlns:a14="http://schemas.microsoft.com/office/drawing/2010/main">
                   <a:noFill/>
                 </a14:hiddenFill>
               </a:ext>
@@ -28753,7 +28753,7 @@
             </a:ln>
             <a:extLst>
               <a:ext uri="{909E8E84-426E-40dd-AFC4-6F175D3DCCD1}">
-                <a14:hiddenFill xmlns:a14="http://schemas.microsoft.com/office/drawing/2010/main" xmlns="">
+                <a14:hiddenFill xmlns="" xmlns:a14="http://schemas.microsoft.com/office/drawing/2010/main">
                   <a:noFill/>
                 </a14:hiddenFill>
               </a:ext>
@@ -28804,7 +28804,7 @@
             </a:ln>
             <a:extLst>
               <a:ext uri="{909E8E84-426E-40dd-AFC4-6F175D3DCCD1}">
-                <a14:hiddenFill xmlns:a14="http://schemas.microsoft.com/office/drawing/2010/main" xmlns="">
+                <a14:hiddenFill xmlns="" xmlns:a14="http://schemas.microsoft.com/office/drawing/2010/main">
                   <a:noFill/>
                 </a14:hiddenFill>
               </a:ext>
@@ -28855,7 +28855,7 @@
             </a:ln>
             <a:extLst>
               <a:ext uri="{909E8E84-426E-40dd-AFC4-6F175D3DCCD1}">
-                <a14:hiddenFill xmlns:a14="http://schemas.microsoft.com/office/drawing/2010/main" xmlns="">
+                <a14:hiddenFill xmlns="" xmlns:a14="http://schemas.microsoft.com/office/drawing/2010/main">
                   <a:noFill/>
                 </a14:hiddenFill>
               </a:ext>
@@ -28906,7 +28906,7 @@
             </a:ln>
             <a:extLst>
               <a:ext uri="{909E8E84-426E-40dd-AFC4-6F175D3DCCD1}">
-                <a14:hiddenFill xmlns:a14="http://schemas.microsoft.com/office/drawing/2010/main" xmlns="">
+                <a14:hiddenFill xmlns="" xmlns:a14="http://schemas.microsoft.com/office/drawing/2010/main">
                   <a:noFill/>
                 </a14:hiddenFill>
               </a:ext>
@@ -28957,7 +28957,7 @@
             </a:ln>
             <a:extLst>
               <a:ext uri="{909E8E84-426E-40dd-AFC4-6F175D3DCCD1}">
-                <a14:hiddenFill xmlns:a14="http://schemas.microsoft.com/office/drawing/2010/main" xmlns="">
+                <a14:hiddenFill xmlns="" xmlns:a14="http://schemas.microsoft.com/office/drawing/2010/main">
                   <a:noFill/>
                 </a14:hiddenFill>
               </a:ext>
@@ -29008,7 +29008,7 @@
             </a:ln>
             <a:extLst>
               <a:ext uri="{909E8E84-426E-40dd-AFC4-6F175D3DCCD1}">
-                <a14:hiddenFill xmlns:a14="http://schemas.microsoft.com/office/drawing/2010/main" xmlns="">
+                <a14:hiddenFill xmlns="" xmlns:a14="http://schemas.microsoft.com/office/drawing/2010/main">
                   <a:noFill/>
                 </a14:hiddenFill>
               </a:ext>
@@ -29059,7 +29059,7 @@
             </a:ln>
             <a:extLst>
               <a:ext uri="{909E8E84-426E-40dd-AFC4-6F175D3DCCD1}">
-                <a14:hiddenFill xmlns:a14="http://schemas.microsoft.com/office/drawing/2010/main" xmlns="">
+                <a14:hiddenFill xmlns="" xmlns:a14="http://schemas.microsoft.com/office/drawing/2010/main">
                   <a:noFill/>
                 </a14:hiddenFill>
               </a:ext>
@@ -29110,7 +29110,7 @@
             </a:ln>
             <a:extLst>
               <a:ext uri="{909E8E84-426E-40dd-AFC4-6F175D3DCCD1}">
-                <a14:hiddenFill xmlns:a14="http://schemas.microsoft.com/office/drawing/2010/main" xmlns="">
+                <a14:hiddenFill xmlns="" xmlns:a14="http://schemas.microsoft.com/office/drawing/2010/main">
                   <a:noFill/>
                 </a14:hiddenFill>
               </a:ext>
@@ -29161,7 +29161,7 @@
             </a:ln>
             <a:extLst>
               <a:ext uri="{909E8E84-426E-40dd-AFC4-6F175D3DCCD1}">
-                <a14:hiddenFill xmlns:a14="http://schemas.microsoft.com/office/drawing/2010/main" xmlns="">
+                <a14:hiddenFill xmlns="" xmlns:a14="http://schemas.microsoft.com/office/drawing/2010/main">
                   <a:noFill/>
                 </a14:hiddenFill>
               </a:ext>
@@ -29212,7 +29212,7 @@
             </a:ln>
             <a:extLst>
               <a:ext uri="{909E8E84-426E-40dd-AFC4-6F175D3DCCD1}">
-                <a14:hiddenFill xmlns:a14="http://schemas.microsoft.com/office/drawing/2010/main" xmlns="">
+                <a14:hiddenFill xmlns="" xmlns:a14="http://schemas.microsoft.com/office/drawing/2010/main">
                   <a:noFill/>
                 </a14:hiddenFill>
               </a:ext>
@@ -29263,7 +29263,7 @@
             </a:ln>
             <a:extLst>
               <a:ext uri="{909E8E84-426E-40dd-AFC4-6F175D3DCCD1}">
-                <a14:hiddenFill xmlns:a14="http://schemas.microsoft.com/office/drawing/2010/main" xmlns="">
+                <a14:hiddenFill xmlns="" xmlns:a14="http://schemas.microsoft.com/office/drawing/2010/main">
                   <a:noFill/>
                 </a14:hiddenFill>
               </a:ext>
@@ -29314,7 +29314,7 @@
             </a:ln>
             <a:extLst>
               <a:ext uri="{909E8E84-426E-40dd-AFC4-6F175D3DCCD1}">
-                <a14:hiddenFill xmlns:a14="http://schemas.microsoft.com/office/drawing/2010/main" xmlns="">
+                <a14:hiddenFill xmlns="" xmlns:a14="http://schemas.microsoft.com/office/drawing/2010/main">
                   <a:noFill/>
                 </a14:hiddenFill>
               </a:ext>
@@ -29365,7 +29365,7 @@
             </a:ln>
             <a:extLst>
               <a:ext uri="{909E8E84-426E-40dd-AFC4-6F175D3DCCD1}">
-                <a14:hiddenFill xmlns:a14="http://schemas.microsoft.com/office/drawing/2010/main" xmlns="">
+                <a14:hiddenFill xmlns="" xmlns:a14="http://schemas.microsoft.com/office/drawing/2010/main">
                   <a:noFill/>
                 </a14:hiddenFill>
               </a:ext>
@@ -29416,7 +29416,7 @@
             </a:ln>
             <a:extLst>
               <a:ext uri="{909E8E84-426E-40dd-AFC4-6F175D3DCCD1}">
-                <a14:hiddenFill xmlns:a14="http://schemas.microsoft.com/office/drawing/2010/main" xmlns="">
+                <a14:hiddenFill xmlns="" xmlns:a14="http://schemas.microsoft.com/office/drawing/2010/main">
                   <a:noFill/>
                 </a14:hiddenFill>
               </a:ext>
@@ -29467,7 +29467,7 @@
             </a:ln>
             <a:extLst>
               <a:ext uri="{909E8E84-426E-40dd-AFC4-6F175D3DCCD1}">
-                <a14:hiddenFill xmlns:a14="http://schemas.microsoft.com/office/drawing/2010/main" xmlns="">
+                <a14:hiddenFill xmlns="" xmlns:a14="http://schemas.microsoft.com/office/drawing/2010/main">
                   <a:noFill/>
                 </a14:hiddenFill>
               </a:ext>
@@ -29518,7 +29518,7 @@
             </a:ln>
             <a:extLst>
               <a:ext uri="{909E8E84-426E-40dd-AFC4-6F175D3DCCD1}">
-                <a14:hiddenFill xmlns:a14="http://schemas.microsoft.com/office/drawing/2010/main" xmlns="">
+                <a14:hiddenFill xmlns="" xmlns:a14="http://schemas.microsoft.com/office/drawing/2010/main">
                   <a:noFill/>
                 </a14:hiddenFill>
               </a:ext>
@@ -29569,7 +29569,7 @@
             </a:ln>
             <a:extLst>
               <a:ext uri="{909E8E84-426E-40dd-AFC4-6F175D3DCCD1}">
-                <a14:hiddenFill xmlns:a14="http://schemas.microsoft.com/office/drawing/2010/main" xmlns="">
+                <a14:hiddenFill xmlns="" xmlns:a14="http://schemas.microsoft.com/office/drawing/2010/main">
                   <a:noFill/>
                 </a14:hiddenFill>
               </a:ext>
@@ -29620,7 +29620,7 @@
             </a:ln>
             <a:extLst>
               <a:ext uri="{909E8E84-426E-40dd-AFC4-6F175D3DCCD1}">
-                <a14:hiddenFill xmlns:a14="http://schemas.microsoft.com/office/drawing/2010/main" xmlns="">
+                <a14:hiddenFill xmlns="" xmlns:a14="http://schemas.microsoft.com/office/drawing/2010/main">
                   <a:noFill/>
                 </a14:hiddenFill>
               </a:ext>
@@ -29671,7 +29671,7 @@
             </a:ln>
             <a:extLst>
               <a:ext uri="{909E8E84-426E-40dd-AFC4-6F175D3DCCD1}">
-                <a14:hiddenFill xmlns:a14="http://schemas.microsoft.com/office/drawing/2010/main" xmlns="">
+                <a14:hiddenFill xmlns="" xmlns:a14="http://schemas.microsoft.com/office/drawing/2010/main">
                   <a:noFill/>
                 </a14:hiddenFill>
               </a:ext>
@@ -29722,7 +29722,7 @@
             </a:ln>
             <a:extLst>
               <a:ext uri="{909E8E84-426E-40dd-AFC4-6F175D3DCCD1}">
-                <a14:hiddenFill xmlns:a14="http://schemas.microsoft.com/office/drawing/2010/main" xmlns="">
+                <a14:hiddenFill xmlns="" xmlns:a14="http://schemas.microsoft.com/office/drawing/2010/main">
                   <a:noFill/>
                 </a14:hiddenFill>
               </a:ext>
@@ -29773,7 +29773,7 @@
             </a:ln>
             <a:extLst>
               <a:ext uri="{909E8E84-426E-40dd-AFC4-6F175D3DCCD1}">
-                <a14:hiddenFill xmlns:a14="http://schemas.microsoft.com/office/drawing/2010/main" xmlns="">
+                <a14:hiddenFill xmlns="" xmlns:a14="http://schemas.microsoft.com/office/drawing/2010/main">
                   <a:noFill/>
                 </a14:hiddenFill>
               </a:ext>
@@ -29824,7 +29824,7 @@
             </a:ln>
             <a:extLst>
               <a:ext uri="{909E8E84-426E-40dd-AFC4-6F175D3DCCD1}">
-                <a14:hiddenFill xmlns:a14="http://schemas.microsoft.com/office/drawing/2010/main" xmlns="">
+                <a14:hiddenFill xmlns="" xmlns:a14="http://schemas.microsoft.com/office/drawing/2010/main">
                   <a:noFill/>
                 </a14:hiddenFill>
               </a:ext>
@@ -29875,7 +29875,7 @@
             </a:ln>
             <a:extLst>
               <a:ext uri="{909E8E84-426E-40dd-AFC4-6F175D3DCCD1}">
-                <a14:hiddenFill xmlns:a14="http://schemas.microsoft.com/office/drawing/2010/main" xmlns="">
+                <a14:hiddenFill xmlns="" xmlns:a14="http://schemas.microsoft.com/office/drawing/2010/main">
                   <a:noFill/>
                 </a14:hiddenFill>
               </a:ext>
@@ -29926,7 +29926,7 @@
             </a:ln>
             <a:extLst>
               <a:ext uri="{909E8E84-426E-40dd-AFC4-6F175D3DCCD1}">
-                <a14:hiddenFill xmlns:a14="http://schemas.microsoft.com/office/drawing/2010/main" xmlns="">
+                <a14:hiddenFill xmlns="" xmlns:a14="http://schemas.microsoft.com/office/drawing/2010/main">
                   <a:noFill/>
                 </a14:hiddenFill>
               </a:ext>
@@ -29977,7 +29977,7 @@
             </a:ln>
             <a:extLst>
               <a:ext uri="{909E8E84-426E-40dd-AFC4-6F175D3DCCD1}">
-                <a14:hiddenFill xmlns:a14="http://schemas.microsoft.com/office/drawing/2010/main" xmlns="">
+                <a14:hiddenFill xmlns="" xmlns:a14="http://schemas.microsoft.com/office/drawing/2010/main">
                   <a:noFill/>
                 </a14:hiddenFill>
               </a:ext>
@@ -30028,7 +30028,7 @@
             </a:ln>
             <a:extLst>
               <a:ext uri="{909E8E84-426E-40dd-AFC4-6F175D3DCCD1}">
-                <a14:hiddenFill xmlns:a14="http://schemas.microsoft.com/office/drawing/2010/main" xmlns="">
+                <a14:hiddenFill xmlns="" xmlns:a14="http://schemas.microsoft.com/office/drawing/2010/main">
                   <a:noFill/>
                 </a14:hiddenFill>
               </a:ext>
@@ -30079,7 +30079,7 @@
             </a:ln>
             <a:extLst>
               <a:ext uri="{909E8E84-426E-40dd-AFC4-6F175D3DCCD1}">
-                <a14:hiddenFill xmlns:a14="http://schemas.microsoft.com/office/drawing/2010/main" xmlns="">
+                <a14:hiddenFill xmlns="" xmlns:a14="http://schemas.microsoft.com/office/drawing/2010/main">
                   <a:noFill/>
                 </a14:hiddenFill>
               </a:ext>
@@ -30130,7 +30130,7 @@
             </a:ln>
             <a:extLst>
               <a:ext uri="{909E8E84-426E-40dd-AFC4-6F175D3DCCD1}">
-                <a14:hiddenFill xmlns:a14="http://schemas.microsoft.com/office/drawing/2010/main" xmlns="">
+                <a14:hiddenFill xmlns="" xmlns:a14="http://schemas.microsoft.com/office/drawing/2010/main">
                   <a:noFill/>
                 </a14:hiddenFill>
               </a:ext>
@@ -30181,7 +30181,7 @@
             </a:ln>
             <a:extLst>
               <a:ext uri="{909E8E84-426E-40dd-AFC4-6F175D3DCCD1}">
-                <a14:hiddenFill xmlns:a14="http://schemas.microsoft.com/office/drawing/2010/main" xmlns="">
+                <a14:hiddenFill xmlns="" xmlns:a14="http://schemas.microsoft.com/office/drawing/2010/main">
                   <a:noFill/>
                 </a14:hiddenFill>
               </a:ext>
@@ -30232,7 +30232,7 @@
             </a:ln>
             <a:extLst>
               <a:ext uri="{909E8E84-426E-40dd-AFC4-6F175D3DCCD1}">
-                <a14:hiddenFill xmlns:a14="http://schemas.microsoft.com/office/drawing/2010/main" xmlns="">
+                <a14:hiddenFill xmlns="" xmlns:a14="http://schemas.microsoft.com/office/drawing/2010/main">
                   <a:noFill/>
                 </a14:hiddenFill>
               </a:ext>
@@ -30283,7 +30283,7 @@
             </a:ln>
             <a:extLst>
               <a:ext uri="{909E8E84-426E-40dd-AFC4-6F175D3DCCD1}">
-                <a14:hiddenFill xmlns:a14="http://schemas.microsoft.com/office/drawing/2010/main" xmlns="">
+                <a14:hiddenFill xmlns="" xmlns:a14="http://schemas.microsoft.com/office/drawing/2010/main">
                   <a:noFill/>
                 </a14:hiddenFill>
               </a:ext>
@@ -30334,7 +30334,7 @@
             </a:ln>
             <a:extLst>
               <a:ext uri="{909E8E84-426E-40dd-AFC4-6F175D3DCCD1}">
-                <a14:hiddenFill xmlns:a14="http://schemas.microsoft.com/office/drawing/2010/main" xmlns="">
+                <a14:hiddenFill xmlns="" xmlns:a14="http://schemas.microsoft.com/office/drawing/2010/main">
                   <a:noFill/>
                 </a14:hiddenFill>
               </a:ext>
@@ -30385,7 +30385,7 @@
             </a:ln>
             <a:extLst>
               <a:ext uri="{909E8E84-426E-40dd-AFC4-6F175D3DCCD1}">
-                <a14:hiddenFill xmlns:a14="http://schemas.microsoft.com/office/drawing/2010/main" xmlns="">
+                <a14:hiddenFill xmlns="" xmlns:a14="http://schemas.microsoft.com/office/drawing/2010/main">
                   <a:noFill/>
                 </a14:hiddenFill>
               </a:ext>
@@ -30436,7 +30436,7 @@
             </a:ln>
             <a:extLst>
               <a:ext uri="{909E8E84-426E-40dd-AFC4-6F175D3DCCD1}">
-                <a14:hiddenFill xmlns:a14="http://schemas.microsoft.com/office/drawing/2010/main" xmlns="">
+                <a14:hiddenFill xmlns="" xmlns:a14="http://schemas.microsoft.com/office/drawing/2010/main">
                   <a:noFill/>
                 </a14:hiddenFill>
               </a:ext>
@@ -30487,7 +30487,7 @@
             </a:ln>
             <a:extLst>
               <a:ext uri="{909E8E84-426E-40dd-AFC4-6F175D3DCCD1}">
-                <a14:hiddenFill xmlns:a14="http://schemas.microsoft.com/office/drawing/2010/main" xmlns="">
+                <a14:hiddenFill xmlns="" xmlns:a14="http://schemas.microsoft.com/office/drawing/2010/main">
                   <a:noFill/>
                 </a14:hiddenFill>
               </a:ext>
@@ -30538,7 +30538,7 @@
             </a:ln>
             <a:extLst>
               <a:ext uri="{909E8E84-426E-40dd-AFC4-6F175D3DCCD1}">
-                <a14:hiddenFill xmlns:a14="http://schemas.microsoft.com/office/drawing/2010/main" xmlns="">
+                <a14:hiddenFill xmlns="" xmlns:a14="http://schemas.microsoft.com/office/drawing/2010/main">
                   <a:noFill/>
                 </a14:hiddenFill>
               </a:ext>
@@ -30589,7 +30589,7 @@
             </a:ln>
             <a:extLst>
               <a:ext uri="{909E8E84-426E-40dd-AFC4-6F175D3DCCD1}">
-                <a14:hiddenFill xmlns:a14="http://schemas.microsoft.com/office/drawing/2010/main" xmlns="">
+                <a14:hiddenFill xmlns="" xmlns:a14="http://schemas.microsoft.com/office/drawing/2010/main">
                   <a:noFill/>
                 </a14:hiddenFill>
               </a:ext>
@@ -30640,7 +30640,7 @@
             </a:ln>
             <a:extLst>
               <a:ext uri="{909E8E84-426E-40dd-AFC4-6F175D3DCCD1}">
-                <a14:hiddenFill xmlns:a14="http://schemas.microsoft.com/office/drawing/2010/main" xmlns="">
+                <a14:hiddenFill xmlns="" xmlns:a14="http://schemas.microsoft.com/office/drawing/2010/main">
                   <a:noFill/>
                 </a14:hiddenFill>
               </a:ext>
@@ -30691,7 +30691,7 @@
             </a:ln>
             <a:extLst>
               <a:ext uri="{909E8E84-426E-40dd-AFC4-6F175D3DCCD1}">
-                <a14:hiddenFill xmlns:a14="http://schemas.microsoft.com/office/drawing/2010/main" xmlns="">
+                <a14:hiddenFill xmlns="" xmlns:a14="http://schemas.microsoft.com/office/drawing/2010/main">
                   <a:noFill/>
                 </a14:hiddenFill>
               </a:ext>
@@ -30742,7 +30742,7 @@
             </a:ln>
             <a:extLst>
               <a:ext uri="{909E8E84-426E-40dd-AFC4-6F175D3DCCD1}">
-                <a14:hiddenFill xmlns:a14="http://schemas.microsoft.com/office/drawing/2010/main" xmlns="">
+                <a14:hiddenFill xmlns="" xmlns:a14="http://schemas.microsoft.com/office/drawing/2010/main">
                   <a:noFill/>
                 </a14:hiddenFill>
               </a:ext>
@@ -30793,7 +30793,7 @@
             </a:ln>
             <a:extLst>
               <a:ext uri="{909E8E84-426E-40dd-AFC4-6F175D3DCCD1}">
-                <a14:hiddenFill xmlns:a14="http://schemas.microsoft.com/office/drawing/2010/main" xmlns="">
+                <a14:hiddenFill xmlns="" xmlns:a14="http://schemas.microsoft.com/office/drawing/2010/main">
                   <a:noFill/>
                 </a14:hiddenFill>
               </a:ext>
@@ -30844,7 +30844,7 @@
             </a:ln>
             <a:extLst>
               <a:ext uri="{909E8E84-426E-40dd-AFC4-6F175D3DCCD1}">
-                <a14:hiddenFill xmlns:a14="http://schemas.microsoft.com/office/drawing/2010/main" xmlns="">
+                <a14:hiddenFill xmlns="" xmlns:a14="http://schemas.microsoft.com/office/drawing/2010/main">
                   <a:noFill/>
                 </a14:hiddenFill>
               </a:ext>
@@ -30895,7 +30895,7 @@
             </a:ln>
             <a:extLst>
               <a:ext uri="{909E8E84-426E-40dd-AFC4-6F175D3DCCD1}">
-                <a14:hiddenFill xmlns:a14="http://schemas.microsoft.com/office/drawing/2010/main" xmlns="">
+                <a14:hiddenFill xmlns="" xmlns:a14="http://schemas.microsoft.com/office/drawing/2010/main">
                   <a:noFill/>
                 </a14:hiddenFill>
               </a:ext>
@@ -30946,7 +30946,7 @@
             </a:ln>
             <a:extLst>
               <a:ext uri="{909E8E84-426E-40dd-AFC4-6F175D3DCCD1}">
-                <a14:hiddenFill xmlns:a14="http://schemas.microsoft.com/office/drawing/2010/main" xmlns="">
+                <a14:hiddenFill xmlns="" xmlns:a14="http://schemas.microsoft.com/office/drawing/2010/main">
                   <a:noFill/>
                 </a14:hiddenFill>
               </a:ext>
@@ -30997,7 +30997,7 @@
             </a:ln>
             <a:extLst>
               <a:ext uri="{909E8E84-426E-40dd-AFC4-6F175D3DCCD1}">
-                <a14:hiddenFill xmlns:a14="http://schemas.microsoft.com/office/drawing/2010/main" xmlns="">
+                <a14:hiddenFill xmlns="" xmlns:a14="http://schemas.microsoft.com/office/drawing/2010/main">
                   <a:noFill/>
                 </a14:hiddenFill>
               </a:ext>
@@ -31048,7 +31048,7 @@
             </a:ln>
             <a:extLst>
               <a:ext uri="{909E8E84-426E-40dd-AFC4-6F175D3DCCD1}">
-                <a14:hiddenFill xmlns:a14="http://schemas.microsoft.com/office/drawing/2010/main" xmlns="">
+                <a14:hiddenFill xmlns="" xmlns:a14="http://schemas.microsoft.com/office/drawing/2010/main">
                   <a:noFill/>
                 </a14:hiddenFill>
               </a:ext>
@@ -31099,7 +31099,7 @@
             </a:ln>
             <a:extLst>
               <a:ext uri="{909E8E84-426E-40dd-AFC4-6F175D3DCCD1}">
-                <a14:hiddenFill xmlns:a14="http://schemas.microsoft.com/office/drawing/2010/main" xmlns="">
+                <a14:hiddenFill xmlns="" xmlns:a14="http://schemas.microsoft.com/office/drawing/2010/main">
                   <a:noFill/>
                 </a14:hiddenFill>
               </a:ext>
@@ -31150,7 +31150,7 @@
             </a:ln>
             <a:extLst>
               <a:ext uri="{909E8E84-426E-40dd-AFC4-6F175D3DCCD1}">
-                <a14:hiddenFill xmlns:a14="http://schemas.microsoft.com/office/drawing/2010/main" xmlns="">
+                <a14:hiddenFill xmlns="" xmlns:a14="http://schemas.microsoft.com/office/drawing/2010/main">
                   <a:noFill/>
                 </a14:hiddenFill>
               </a:ext>
@@ -31201,7 +31201,7 @@
             </a:ln>
             <a:extLst>
               <a:ext uri="{909E8E84-426E-40dd-AFC4-6F175D3DCCD1}">
-                <a14:hiddenFill xmlns:a14="http://schemas.microsoft.com/office/drawing/2010/main" xmlns="">
+                <a14:hiddenFill xmlns="" xmlns:a14="http://schemas.microsoft.com/office/drawing/2010/main">
                   <a:noFill/>
                 </a14:hiddenFill>
               </a:ext>
@@ -31252,7 +31252,7 @@
             </a:ln>
             <a:extLst>
               <a:ext uri="{909E8E84-426E-40dd-AFC4-6F175D3DCCD1}">
-                <a14:hiddenFill xmlns:a14="http://schemas.microsoft.com/office/drawing/2010/main" xmlns="">
+                <a14:hiddenFill xmlns="" xmlns:a14="http://schemas.microsoft.com/office/drawing/2010/main">
                   <a:noFill/>
                 </a14:hiddenFill>
               </a:ext>
@@ -31303,7 +31303,7 @@
             </a:ln>
             <a:extLst>
               <a:ext uri="{909E8E84-426E-40dd-AFC4-6F175D3DCCD1}">
-                <a14:hiddenFill xmlns:a14="http://schemas.microsoft.com/office/drawing/2010/main" xmlns="">
+                <a14:hiddenFill xmlns="" xmlns:a14="http://schemas.microsoft.com/office/drawing/2010/main">
                   <a:noFill/>
                 </a14:hiddenFill>
               </a:ext>
@@ -31354,7 +31354,7 @@
             </a:ln>
             <a:extLst>
               <a:ext uri="{909E8E84-426E-40dd-AFC4-6F175D3DCCD1}">
-                <a14:hiddenFill xmlns:a14="http://schemas.microsoft.com/office/drawing/2010/main" xmlns="">
+                <a14:hiddenFill xmlns="" xmlns:a14="http://schemas.microsoft.com/office/drawing/2010/main">
                   <a:noFill/>
                 </a14:hiddenFill>
               </a:ext>
@@ -31405,7 +31405,7 @@
             </a:ln>
             <a:extLst>
               <a:ext uri="{909E8E84-426E-40dd-AFC4-6F175D3DCCD1}">
-                <a14:hiddenFill xmlns:a14="http://schemas.microsoft.com/office/drawing/2010/main" xmlns="">
+                <a14:hiddenFill xmlns="" xmlns:a14="http://schemas.microsoft.com/office/drawing/2010/main">
                   <a:noFill/>
                 </a14:hiddenFill>
               </a:ext>
@@ -31456,7 +31456,7 @@
             </a:ln>
             <a:extLst>
               <a:ext uri="{909E8E84-426E-40dd-AFC4-6F175D3DCCD1}">
-                <a14:hiddenFill xmlns:a14="http://schemas.microsoft.com/office/drawing/2010/main" xmlns="">
+                <a14:hiddenFill xmlns="" xmlns:a14="http://schemas.microsoft.com/office/drawing/2010/main">
                   <a:noFill/>
                 </a14:hiddenFill>
               </a:ext>
@@ -31507,7 +31507,7 @@
             </a:ln>
             <a:extLst>
               <a:ext uri="{909E8E84-426E-40dd-AFC4-6F175D3DCCD1}">
-                <a14:hiddenFill xmlns:a14="http://schemas.microsoft.com/office/drawing/2010/main" xmlns="">
+                <a14:hiddenFill xmlns="" xmlns:a14="http://schemas.microsoft.com/office/drawing/2010/main">
                   <a:noFill/>
                 </a14:hiddenFill>
               </a:ext>
@@ -31558,7 +31558,7 @@
             </a:ln>
             <a:extLst>
               <a:ext uri="{909E8E84-426E-40dd-AFC4-6F175D3DCCD1}">
-                <a14:hiddenFill xmlns:a14="http://schemas.microsoft.com/office/drawing/2010/main" xmlns="">
+                <a14:hiddenFill xmlns="" xmlns:a14="http://schemas.microsoft.com/office/drawing/2010/main">
                   <a:noFill/>
                 </a14:hiddenFill>
               </a:ext>
@@ -31609,7 +31609,7 @@
             </a:ln>
             <a:extLst>
               <a:ext uri="{909E8E84-426E-40dd-AFC4-6F175D3DCCD1}">
-                <a14:hiddenFill xmlns:a14="http://schemas.microsoft.com/office/drawing/2010/main" xmlns="">
+                <a14:hiddenFill xmlns="" xmlns:a14="http://schemas.microsoft.com/office/drawing/2010/main">
                   <a:noFill/>
                 </a14:hiddenFill>
               </a:ext>
@@ -31660,7 +31660,7 @@
             </a:ln>
             <a:extLst>
               <a:ext uri="{909E8E84-426E-40dd-AFC4-6F175D3DCCD1}">
-                <a14:hiddenFill xmlns:a14="http://schemas.microsoft.com/office/drawing/2010/main" xmlns="">
+                <a14:hiddenFill xmlns="" xmlns:a14="http://schemas.microsoft.com/office/drawing/2010/main">
                   <a:noFill/>
                 </a14:hiddenFill>
               </a:ext>
@@ -31711,7 +31711,7 @@
             </a:ln>
             <a:extLst>
               <a:ext uri="{909E8E84-426E-40dd-AFC4-6F175D3DCCD1}">
-                <a14:hiddenFill xmlns:a14="http://schemas.microsoft.com/office/drawing/2010/main" xmlns="">
+                <a14:hiddenFill xmlns="" xmlns:a14="http://schemas.microsoft.com/office/drawing/2010/main">
                   <a:noFill/>
                 </a14:hiddenFill>
               </a:ext>
@@ -32534,7 +32534,7 @@
             </a:ln>
             <a:extLst>
               <a:ext uri="{909E8E84-426E-40dd-AFC4-6F175D3DCCD1}">
-                <a14:hiddenFill xmlns:a14="http://schemas.microsoft.com/office/drawing/2010/main" xmlns="">
+                <a14:hiddenFill xmlns="" xmlns:a14="http://schemas.microsoft.com/office/drawing/2010/main">
                   <a:solidFill>
                     <a:srgbClr val="FFFFFF"/>
                   </a:solidFill>
@@ -32587,7 +32587,7 @@
             </a:ln>
             <a:extLst>
               <a:ext uri="{909E8E84-426E-40dd-AFC4-6F175D3DCCD1}">
-                <a14:hiddenFill xmlns:a14="http://schemas.microsoft.com/office/drawing/2010/main" xmlns="">
+                <a14:hiddenFill xmlns="" xmlns:a14="http://schemas.microsoft.com/office/drawing/2010/main">
                   <a:noFill/>
                 </a14:hiddenFill>
               </a:ext>
@@ -32638,7 +32638,7 @@
             </a:ln>
             <a:extLst>
               <a:ext uri="{909E8E84-426E-40dd-AFC4-6F175D3DCCD1}">
-                <a14:hiddenFill xmlns:a14="http://schemas.microsoft.com/office/drawing/2010/main" xmlns="">
+                <a14:hiddenFill xmlns="" xmlns:a14="http://schemas.microsoft.com/office/drawing/2010/main">
                   <a:noFill/>
                 </a14:hiddenFill>
               </a:ext>
@@ -32689,7 +32689,7 @@
             </a:ln>
             <a:extLst>
               <a:ext uri="{909E8E84-426E-40dd-AFC4-6F175D3DCCD1}">
-                <a14:hiddenFill xmlns:a14="http://schemas.microsoft.com/office/drawing/2010/main" xmlns="">
+                <a14:hiddenFill xmlns="" xmlns:a14="http://schemas.microsoft.com/office/drawing/2010/main">
                   <a:noFill/>
                 </a14:hiddenFill>
               </a:ext>
@@ -32740,7 +32740,7 @@
             </a:ln>
             <a:extLst>
               <a:ext uri="{909E8E84-426E-40dd-AFC4-6F175D3DCCD1}">
-                <a14:hiddenFill xmlns:a14="http://schemas.microsoft.com/office/drawing/2010/main" xmlns="">
+                <a14:hiddenFill xmlns="" xmlns:a14="http://schemas.microsoft.com/office/drawing/2010/main">
                   <a:noFill/>
                 </a14:hiddenFill>
               </a:ext>
@@ -32791,7 +32791,7 @@
             </a:ln>
             <a:extLst>
               <a:ext uri="{909E8E84-426E-40dd-AFC4-6F175D3DCCD1}">
-                <a14:hiddenFill xmlns:a14="http://schemas.microsoft.com/office/drawing/2010/main" xmlns="">
+                <a14:hiddenFill xmlns="" xmlns:a14="http://schemas.microsoft.com/office/drawing/2010/main">
                   <a:noFill/>
                 </a14:hiddenFill>
               </a:ext>
@@ -32842,7 +32842,7 @@
             </a:ln>
             <a:extLst>
               <a:ext uri="{909E8E84-426E-40dd-AFC4-6F175D3DCCD1}">
-                <a14:hiddenFill xmlns:a14="http://schemas.microsoft.com/office/drawing/2010/main" xmlns="">
+                <a14:hiddenFill xmlns="" xmlns:a14="http://schemas.microsoft.com/office/drawing/2010/main">
                   <a:noFill/>
                 </a14:hiddenFill>
               </a:ext>
@@ -32893,7 +32893,7 @@
             </a:ln>
             <a:extLst>
               <a:ext uri="{909E8E84-426E-40dd-AFC4-6F175D3DCCD1}">
-                <a14:hiddenFill xmlns:a14="http://schemas.microsoft.com/office/drawing/2010/main" xmlns="">
+                <a14:hiddenFill xmlns="" xmlns:a14="http://schemas.microsoft.com/office/drawing/2010/main">
                   <a:noFill/>
                 </a14:hiddenFill>
               </a:ext>
@@ -32944,7 +32944,7 @@
             </a:ln>
             <a:extLst>
               <a:ext uri="{909E8E84-426E-40dd-AFC4-6F175D3DCCD1}">
-                <a14:hiddenFill xmlns:a14="http://schemas.microsoft.com/office/drawing/2010/main" xmlns="">
+                <a14:hiddenFill xmlns="" xmlns:a14="http://schemas.microsoft.com/office/drawing/2010/main">
                   <a:noFill/>
                 </a14:hiddenFill>
               </a:ext>
@@ -32995,7 +32995,7 @@
             </a:ln>
             <a:extLst>
               <a:ext uri="{909E8E84-426E-40dd-AFC4-6F175D3DCCD1}">
-                <a14:hiddenFill xmlns:a14="http://schemas.microsoft.com/office/drawing/2010/main" xmlns="">
+                <a14:hiddenFill xmlns="" xmlns:a14="http://schemas.microsoft.com/office/drawing/2010/main">
                   <a:noFill/>
                 </a14:hiddenFill>
               </a:ext>
@@ -33046,7 +33046,7 @@
             </a:ln>
             <a:extLst>
               <a:ext uri="{909E8E84-426E-40dd-AFC4-6F175D3DCCD1}">
-                <a14:hiddenFill xmlns:a14="http://schemas.microsoft.com/office/drawing/2010/main" xmlns="">
+                <a14:hiddenFill xmlns="" xmlns:a14="http://schemas.microsoft.com/office/drawing/2010/main">
                   <a:noFill/>
                 </a14:hiddenFill>
               </a:ext>
@@ -33097,7 +33097,7 @@
             </a:ln>
             <a:extLst>
               <a:ext uri="{909E8E84-426E-40dd-AFC4-6F175D3DCCD1}">
-                <a14:hiddenFill xmlns:a14="http://schemas.microsoft.com/office/drawing/2010/main" xmlns="">
+                <a14:hiddenFill xmlns="" xmlns:a14="http://schemas.microsoft.com/office/drawing/2010/main">
                   <a:noFill/>
                 </a14:hiddenFill>
               </a:ext>
@@ -33148,7 +33148,7 @@
             </a:ln>
             <a:extLst>
               <a:ext uri="{909E8E84-426E-40dd-AFC4-6F175D3DCCD1}">
-                <a14:hiddenFill xmlns:a14="http://schemas.microsoft.com/office/drawing/2010/main" xmlns="">
+                <a14:hiddenFill xmlns="" xmlns:a14="http://schemas.microsoft.com/office/drawing/2010/main">
                   <a:noFill/>
                 </a14:hiddenFill>
               </a:ext>
@@ -33199,7 +33199,7 @@
             </a:ln>
             <a:extLst>
               <a:ext uri="{909E8E84-426E-40dd-AFC4-6F175D3DCCD1}">
-                <a14:hiddenFill xmlns:a14="http://schemas.microsoft.com/office/drawing/2010/main" xmlns="">
+                <a14:hiddenFill xmlns="" xmlns:a14="http://schemas.microsoft.com/office/drawing/2010/main">
                   <a:noFill/>
                 </a14:hiddenFill>
               </a:ext>
@@ -33250,7 +33250,7 @@
             </a:ln>
             <a:extLst>
               <a:ext uri="{909E8E84-426E-40dd-AFC4-6F175D3DCCD1}">
-                <a14:hiddenFill xmlns:a14="http://schemas.microsoft.com/office/drawing/2010/main" xmlns="">
+                <a14:hiddenFill xmlns="" xmlns:a14="http://schemas.microsoft.com/office/drawing/2010/main">
                   <a:noFill/>
                 </a14:hiddenFill>
               </a:ext>
@@ -33301,7 +33301,7 @@
             </a:ln>
             <a:extLst>
               <a:ext uri="{909E8E84-426E-40dd-AFC4-6F175D3DCCD1}">
-                <a14:hiddenFill xmlns:a14="http://schemas.microsoft.com/office/drawing/2010/main" xmlns="">
+                <a14:hiddenFill xmlns="" xmlns:a14="http://schemas.microsoft.com/office/drawing/2010/main">
                   <a:noFill/>
                 </a14:hiddenFill>
               </a:ext>
@@ -33352,7 +33352,7 @@
             </a:ln>
             <a:extLst>
               <a:ext uri="{909E8E84-426E-40dd-AFC4-6F175D3DCCD1}">
-                <a14:hiddenFill xmlns:a14="http://schemas.microsoft.com/office/drawing/2010/main" xmlns="">
+                <a14:hiddenFill xmlns="" xmlns:a14="http://schemas.microsoft.com/office/drawing/2010/main">
                   <a:noFill/>
                 </a14:hiddenFill>
               </a:ext>
@@ -33403,7 +33403,7 @@
             </a:ln>
             <a:extLst>
               <a:ext uri="{909E8E84-426E-40dd-AFC4-6F175D3DCCD1}">
-                <a14:hiddenFill xmlns:a14="http://schemas.microsoft.com/office/drawing/2010/main" xmlns="">
+                <a14:hiddenFill xmlns="" xmlns:a14="http://schemas.microsoft.com/office/drawing/2010/main">
                   <a:noFill/>
                 </a14:hiddenFill>
               </a:ext>
@@ -33454,7 +33454,7 @@
             </a:ln>
             <a:extLst>
               <a:ext uri="{909E8E84-426E-40dd-AFC4-6F175D3DCCD1}">
-                <a14:hiddenFill xmlns:a14="http://schemas.microsoft.com/office/drawing/2010/main" xmlns="">
+                <a14:hiddenFill xmlns="" xmlns:a14="http://schemas.microsoft.com/office/drawing/2010/main">
                   <a:noFill/>
                 </a14:hiddenFill>
               </a:ext>
@@ -33505,7 +33505,7 @@
             </a:ln>
             <a:extLst>
               <a:ext uri="{909E8E84-426E-40dd-AFC4-6F175D3DCCD1}">
-                <a14:hiddenFill xmlns:a14="http://schemas.microsoft.com/office/drawing/2010/main" xmlns="">
+                <a14:hiddenFill xmlns="" xmlns:a14="http://schemas.microsoft.com/office/drawing/2010/main">
                   <a:noFill/>
                 </a14:hiddenFill>
               </a:ext>
@@ -33556,7 +33556,7 @@
             </a:ln>
             <a:extLst>
               <a:ext uri="{909E8E84-426E-40dd-AFC4-6F175D3DCCD1}">
-                <a14:hiddenFill xmlns:a14="http://schemas.microsoft.com/office/drawing/2010/main" xmlns="">
+                <a14:hiddenFill xmlns="" xmlns:a14="http://schemas.microsoft.com/office/drawing/2010/main">
                   <a:noFill/>
                 </a14:hiddenFill>
               </a:ext>
@@ -33607,7 +33607,7 @@
             </a:ln>
             <a:extLst>
               <a:ext uri="{909E8E84-426E-40dd-AFC4-6F175D3DCCD1}">
-                <a14:hiddenFill xmlns:a14="http://schemas.microsoft.com/office/drawing/2010/main" xmlns="">
+                <a14:hiddenFill xmlns="" xmlns:a14="http://schemas.microsoft.com/office/drawing/2010/main">
                   <a:noFill/>
                 </a14:hiddenFill>
               </a:ext>
@@ -33658,7 +33658,7 @@
             </a:ln>
             <a:extLst>
               <a:ext uri="{909E8E84-426E-40dd-AFC4-6F175D3DCCD1}">
-                <a14:hiddenFill xmlns:a14="http://schemas.microsoft.com/office/drawing/2010/main" xmlns="">
+                <a14:hiddenFill xmlns="" xmlns:a14="http://schemas.microsoft.com/office/drawing/2010/main">
                   <a:noFill/>
                 </a14:hiddenFill>
               </a:ext>
@@ -33709,7 +33709,7 @@
             </a:ln>
             <a:extLst>
               <a:ext uri="{909E8E84-426E-40dd-AFC4-6F175D3DCCD1}">
-                <a14:hiddenFill xmlns:a14="http://schemas.microsoft.com/office/drawing/2010/main" xmlns="">
+                <a14:hiddenFill xmlns="" xmlns:a14="http://schemas.microsoft.com/office/drawing/2010/main">
                   <a:noFill/>
                 </a14:hiddenFill>
               </a:ext>
@@ -33760,7 +33760,7 @@
             </a:ln>
             <a:extLst>
               <a:ext uri="{909E8E84-426E-40dd-AFC4-6F175D3DCCD1}">
-                <a14:hiddenFill xmlns:a14="http://schemas.microsoft.com/office/drawing/2010/main" xmlns="">
+                <a14:hiddenFill xmlns="" xmlns:a14="http://schemas.microsoft.com/office/drawing/2010/main">
                   <a:noFill/>
                 </a14:hiddenFill>
               </a:ext>
@@ -33811,7 +33811,7 @@
             </a:ln>
             <a:extLst>
               <a:ext uri="{909E8E84-426E-40dd-AFC4-6F175D3DCCD1}">
-                <a14:hiddenFill xmlns:a14="http://schemas.microsoft.com/office/drawing/2010/main" xmlns="">
+                <a14:hiddenFill xmlns="" xmlns:a14="http://schemas.microsoft.com/office/drawing/2010/main">
                   <a:noFill/>
                 </a14:hiddenFill>
               </a:ext>
@@ -33862,7 +33862,7 @@
             </a:ln>
             <a:extLst>
               <a:ext uri="{909E8E84-426E-40dd-AFC4-6F175D3DCCD1}">
-                <a14:hiddenFill xmlns:a14="http://schemas.microsoft.com/office/drawing/2010/main" xmlns="">
+                <a14:hiddenFill xmlns="" xmlns:a14="http://schemas.microsoft.com/office/drawing/2010/main">
                   <a:noFill/>
                 </a14:hiddenFill>
               </a:ext>
@@ -33913,7 +33913,7 @@
             </a:ln>
             <a:extLst>
               <a:ext uri="{909E8E84-426E-40dd-AFC4-6F175D3DCCD1}">
-                <a14:hiddenFill xmlns:a14="http://schemas.microsoft.com/office/drawing/2010/main" xmlns="">
+                <a14:hiddenFill xmlns="" xmlns:a14="http://schemas.microsoft.com/office/drawing/2010/main">
                   <a:noFill/>
                 </a14:hiddenFill>
               </a:ext>
@@ -33964,7 +33964,7 @@
             </a:ln>
             <a:extLst>
               <a:ext uri="{909E8E84-426E-40dd-AFC4-6F175D3DCCD1}">
-                <a14:hiddenFill xmlns:a14="http://schemas.microsoft.com/office/drawing/2010/main" xmlns="">
+                <a14:hiddenFill xmlns="" xmlns:a14="http://schemas.microsoft.com/office/drawing/2010/main">
                   <a:noFill/>
                 </a14:hiddenFill>
               </a:ext>
@@ -34015,7 +34015,7 @@
             </a:ln>
             <a:extLst>
               <a:ext uri="{909E8E84-426E-40dd-AFC4-6F175D3DCCD1}">
-                <a14:hiddenFill xmlns:a14="http://schemas.microsoft.com/office/drawing/2010/main" xmlns="">
+                <a14:hiddenFill xmlns="" xmlns:a14="http://schemas.microsoft.com/office/drawing/2010/main">
                   <a:noFill/>
                 </a14:hiddenFill>
               </a:ext>
@@ -34066,7 +34066,7 @@
             </a:ln>
             <a:extLst>
               <a:ext uri="{909E8E84-426E-40dd-AFC4-6F175D3DCCD1}">
-                <a14:hiddenFill xmlns:a14="http://schemas.microsoft.com/office/drawing/2010/main" xmlns="">
+                <a14:hiddenFill xmlns="" xmlns:a14="http://schemas.microsoft.com/office/drawing/2010/main">
                   <a:noFill/>
                 </a14:hiddenFill>
               </a:ext>
@@ -34117,7 +34117,7 @@
             </a:ln>
             <a:extLst>
               <a:ext uri="{909E8E84-426E-40dd-AFC4-6F175D3DCCD1}">
-                <a14:hiddenFill xmlns:a14="http://schemas.microsoft.com/office/drawing/2010/main" xmlns="">
+                <a14:hiddenFill xmlns="" xmlns:a14="http://schemas.microsoft.com/office/drawing/2010/main">
                   <a:noFill/>
                 </a14:hiddenFill>
               </a:ext>
@@ -34168,7 +34168,7 @@
             </a:ln>
             <a:extLst>
               <a:ext uri="{909E8E84-426E-40dd-AFC4-6F175D3DCCD1}">
-                <a14:hiddenFill xmlns:a14="http://schemas.microsoft.com/office/drawing/2010/main" xmlns="">
+                <a14:hiddenFill xmlns="" xmlns:a14="http://schemas.microsoft.com/office/drawing/2010/main">
                   <a:noFill/>
                 </a14:hiddenFill>
               </a:ext>
@@ -34219,7 +34219,7 @@
             </a:ln>
             <a:extLst>
               <a:ext uri="{909E8E84-426E-40dd-AFC4-6F175D3DCCD1}">
-                <a14:hiddenFill xmlns:a14="http://schemas.microsoft.com/office/drawing/2010/main" xmlns="">
+                <a14:hiddenFill xmlns="" xmlns:a14="http://schemas.microsoft.com/office/drawing/2010/main">
                   <a:noFill/>
                 </a14:hiddenFill>
               </a:ext>
@@ -34270,7 +34270,7 @@
             </a:ln>
             <a:extLst>
               <a:ext uri="{909E8E84-426E-40dd-AFC4-6F175D3DCCD1}">
-                <a14:hiddenFill xmlns:a14="http://schemas.microsoft.com/office/drawing/2010/main" xmlns="">
+                <a14:hiddenFill xmlns="" xmlns:a14="http://schemas.microsoft.com/office/drawing/2010/main">
                   <a:noFill/>
                 </a14:hiddenFill>
               </a:ext>
@@ -34321,7 +34321,7 @@
             </a:ln>
             <a:extLst>
               <a:ext uri="{909E8E84-426E-40dd-AFC4-6F175D3DCCD1}">
-                <a14:hiddenFill xmlns:a14="http://schemas.microsoft.com/office/drawing/2010/main" xmlns="">
+                <a14:hiddenFill xmlns="" xmlns:a14="http://schemas.microsoft.com/office/drawing/2010/main">
                   <a:noFill/>
                 </a14:hiddenFill>
               </a:ext>
@@ -34372,7 +34372,7 @@
             </a:ln>
             <a:extLst>
               <a:ext uri="{909E8E84-426E-40dd-AFC4-6F175D3DCCD1}">
-                <a14:hiddenFill xmlns:a14="http://schemas.microsoft.com/office/drawing/2010/main" xmlns="">
+                <a14:hiddenFill xmlns="" xmlns:a14="http://schemas.microsoft.com/office/drawing/2010/main">
                   <a:noFill/>
                 </a14:hiddenFill>
               </a:ext>
@@ -34423,7 +34423,7 @@
             </a:ln>
             <a:extLst>
               <a:ext uri="{909E8E84-426E-40dd-AFC4-6F175D3DCCD1}">
-                <a14:hiddenFill xmlns:a14="http://schemas.microsoft.com/office/drawing/2010/main" xmlns="">
+                <a14:hiddenFill xmlns="" xmlns:a14="http://schemas.microsoft.com/office/drawing/2010/main">
                   <a:noFill/>
                 </a14:hiddenFill>
               </a:ext>
@@ -34474,7 +34474,7 @@
             </a:ln>
             <a:extLst>
               <a:ext uri="{909E8E84-426E-40dd-AFC4-6F175D3DCCD1}">
-                <a14:hiddenFill xmlns:a14="http://schemas.microsoft.com/office/drawing/2010/main" xmlns="">
+                <a14:hiddenFill xmlns="" xmlns:a14="http://schemas.microsoft.com/office/drawing/2010/main">
                   <a:noFill/>
                 </a14:hiddenFill>
               </a:ext>
@@ -34525,7 +34525,7 @@
             </a:ln>
             <a:extLst>
               <a:ext uri="{909E8E84-426E-40dd-AFC4-6F175D3DCCD1}">
-                <a14:hiddenFill xmlns:a14="http://schemas.microsoft.com/office/drawing/2010/main" xmlns="">
+                <a14:hiddenFill xmlns="" xmlns:a14="http://schemas.microsoft.com/office/drawing/2010/main">
                   <a:noFill/>
                 </a14:hiddenFill>
               </a:ext>
@@ -34576,7 +34576,7 @@
             </a:ln>
             <a:extLst>
               <a:ext uri="{909E8E84-426E-40dd-AFC4-6F175D3DCCD1}">
-                <a14:hiddenFill xmlns:a14="http://schemas.microsoft.com/office/drawing/2010/main" xmlns="">
+                <a14:hiddenFill xmlns="" xmlns:a14="http://schemas.microsoft.com/office/drawing/2010/main">
                   <a:noFill/>
                 </a14:hiddenFill>
               </a:ext>
@@ -34627,7 +34627,7 @@
             </a:ln>
             <a:extLst>
               <a:ext uri="{909E8E84-426E-40dd-AFC4-6F175D3DCCD1}">
-                <a14:hiddenFill xmlns:a14="http://schemas.microsoft.com/office/drawing/2010/main" xmlns="">
+                <a14:hiddenFill xmlns="" xmlns:a14="http://schemas.microsoft.com/office/drawing/2010/main">
                   <a:noFill/>
                 </a14:hiddenFill>
               </a:ext>
@@ -34678,7 +34678,7 @@
             </a:ln>
             <a:extLst>
               <a:ext uri="{909E8E84-426E-40dd-AFC4-6F175D3DCCD1}">
-                <a14:hiddenFill xmlns:a14="http://schemas.microsoft.com/office/drawing/2010/main" xmlns="">
+                <a14:hiddenFill xmlns="" xmlns:a14="http://schemas.microsoft.com/office/drawing/2010/main">
                   <a:noFill/>
                 </a14:hiddenFill>
               </a:ext>
@@ -34729,7 +34729,7 @@
             </a:ln>
             <a:extLst>
               <a:ext uri="{909E8E84-426E-40dd-AFC4-6F175D3DCCD1}">
-                <a14:hiddenFill xmlns:a14="http://schemas.microsoft.com/office/drawing/2010/main" xmlns="">
+                <a14:hiddenFill xmlns="" xmlns:a14="http://schemas.microsoft.com/office/drawing/2010/main">
                   <a:noFill/>
                 </a14:hiddenFill>
               </a:ext>
@@ -34780,7 +34780,7 @@
             </a:ln>
             <a:extLst>
               <a:ext uri="{909E8E84-426E-40dd-AFC4-6F175D3DCCD1}">
-                <a14:hiddenFill xmlns:a14="http://schemas.microsoft.com/office/drawing/2010/main" xmlns="">
+                <a14:hiddenFill xmlns="" xmlns:a14="http://schemas.microsoft.com/office/drawing/2010/main">
                   <a:noFill/>
                 </a14:hiddenFill>
               </a:ext>
@@ -34831,7 +34831,7 @@
             </a:ln>
             <a:extLst>
               <a:ext uri="{909E8E84-426E-40dd-AFC4-6F175D3DCCD1}">
-                <a14:hiddenFill xmlns:a14="http://schemas.microsoft.com/office/drawing/2010/main" xmlns="">
+                <a14:hiddenFill xmlns="" xmlns:a14="http://schemas.microsoft.com/office/drawing/2010/main">
                   <a:noFill/>
                 </a14:hiddenFill>
               </a:ext>
@@ -34882,7 +34882,7 @@
             </a:ln>
             <a:extLst>
               <a:ext uri="{909E8E84-426E-40dd-AFC4-6F175D3DCCD1}">
-                <a14:hiddenFill xmlns:a14="http://schemas.microsoft.com/office/drawing/2010/main" xmlns="">
+                <a14:hiddenFill xmlns="" xmlns:a14="http://schemas.microsoft.com/office/drawing/2010/main">
                   <a:noFill/>
                 </a14:hiddenFill>
               </a:ext>
@@ -34933,7 +34933,7 @@
             </a:ln>
             <a:extLst>
               <a:ext uri="{909E8E84-426E-40dd-AFC4-6F175D3DCCD1}">
-                <a14:hiddenFill xmlns:a14="http://schemas.microsoft.com/office/drawing/2010/main" xmlns="">
+                <a14:hiddenFill xmlns="" xmlns:a14="http://schemas.microsoft.com/office/drawing/2010/main">
                   <a:noFill/>
                 </a14:hiddenFill>
               </a:ext>
@@ -34984,7 +34984,7 @@
             </a:ln>
             <a:extLst>
               <a:ext uri="{909E8E84-426E-40dd-AFC4-6F175D3DCCD1}">
-                <a14:hiddenFill xmlns:a14="http://schemas.microsoft.com/office/drawing/2010/main" xmlns="">
+                <a14:hiddenFill xmlns="" xmlns:a14="http://schemas.microsoft.com/office/drawing/2010/main">
                   <a:noFill/>
                 </a14:hiddenFill>
               </a:ext>
@@ -35035,7 +35035,7 @@
             </a:ln>
             <a:extLst>
               <a:ext uri="{909E8E84-426E-40dd-AFC4-6F175D3DCCD1}">
-                <a14:hiddenFill xmlns:a14="http://schemas.microsoft.com/office/drawing/2010/main" xmlns="">
+                <a14:hiddenFill xmlns="" xmlns:a14="http://schemas.microsoft.com/office/drawing/2010/main">
                   <a:noFill/>
                 </a14:hiddenFill>
               </a:ext>
@@ -35086,7 +35086,7 @@
             </a:ln>
             <a:extLst>
               <a:ext uri="{909E8E84-426E-40dd-AFC4-6F175D3DCCD1}">
-                <a14:hiddenFill xmlns:a14="http://schemas.microsoft.com/office/drawing/2010/main" xmlns="">
+                <a14:hiddenFill xmlns="" xmlns:a14="http://schemas.microsoft.com/office/drawing/2010/main">
                   <a:noFill/>
                 </a14:hiddenFill>
               </a:ext>
@@ -35137,7 +35137,7 @@
             </a:ln>
             <a:extLst>
               <a:ext uri="{909E8E84-426E-40dd-AFC4-6F175D3DCCD1}">
-                <a14:hiddenFill xmlns:a14="http://schemas.microsoft.com/office/drawing/2010/main" xmlns="">
+                <a14:hiddenFill xmlns="" xmlns:a14="http://schemas.microsoft.com/office/drawing/2010/main">
                   <a:noFill/>
                 </a14:hiddenFill>
               </a:ext>
@@ -35188,7 +35188,7 @@
             </a:ln>
             <a:extLst>
               <a:ext uri="{909E8E84-426E-40dd-AFC4-6F175D3DCCD1}">
-                <a14:hiddenFill xmlns:a14="http://schemas.microsoft.com/office/drawing/2010/main" xmlns="">
+                <a14:hiddenFill xmlns="" xmlns:a14="http://schemas.microsoft.com/office/drawing/2010/main">
                   <a:noFill/>
                 </a14:hiddenFill>
               </a:ext>
@@ -35239,7 +35239,7 @@
             </a:ln>
             <a:extLst>
               <a:ext uri="{909E8E84-426E-40dd-AFC4-6F175D3DCCD1}">
-                <a14:hiddenFill xmlns:a14="http://schemas.microsoft.com/office/drawing/2010/main" xmlns="">
+                <a14:hiddenFill xmlns="" xmlns:a14="http://schemas.microsoft.com/office/drawing/2010/main">
                   <a:noFill/>
                 </a14:hiddenFill>
               </a:ext>
@@ -35290,7 +35290,7 @@
             </a:ln>
             <a:extLst>
               <a:ext uri="{909E8E84-426E-40dd-AFC4-6F175D3DCCD1}">
-                <a14:hiddenFill xmlns:a14="http://schemas.microsoft.com/office/drawing/2010/main" xmlns="">
+                <a14:hiddenFill xmlns="" xmlns:a14="http://schemas.microsoft.com/office/drawing/2010/main">
                   <a:noFill/>
                 </a14:hiddenFill>
               </a:ext>
@@ -35341,7 +35341,7 @@
             </a:ln>
             <a:extLst>
               <a:ext uri="{909E8E84-426E-40dd-AFC4-6F175D3DCCD1}">
-                <a14:hiddenFill xmlns:a14="http://schemas.microsoft.com/office/drawing/2010/main" xmlns="">
+                <a14:hiddenFill xmlns="" xmlns:a14="http://schemas.microsoft.com/office/drawing/2010/main">
                   <a:noFill/>
                 </a14:hiddenFill>
               </a:ext>
@@ -35392,7 +35392,7 @@
             </a:ln>
             <a:extLst>
               <a:ext uri="{909E8E84-426E-40dd-AFC4-6F175D3DCCD1}">
-                <a14:hiddenFill xmlns:a14="http://schemas.microsoft.com/office/drawing/2010/main" xmlns="">
+                <a14:hiddenFill xmlns="" xmlns:a14="http://schemas.microsoft.com/office/drawing/2010/main">
                   <a:noFill/>
                 </a14:hiddenFill>
               </a:ext>
@@ -35443,7 +35443,7 @@
             </a:ln>
             <a:extLst>
               <a:ext uri="{909E8E84-426E-40dd-AFC4-6F175D3DCCD1}">
-                <a14:hiddenFill xmlns:a14="http://schemas.microsoft.com/office/drawing/2010/main" xmlns="">
+                <a14:hiddenFill xmlns="" xmlns:a14="http://schemas.microsoft.com/office/drawing/2010/main">
                   <a:noFill/>
                 </a14:hiddenFill>
               </a:ext>
@@ -35494,7 +35494,7 @@
             </a:ln>
             <a:extLst>
               <a:ext uri="{909E8E84-426E-40dd-AFC4-6F175D3DCCD1}">
-                <a14:hiddenFill xmlns:a14="http://schemas.microsoft.com/office/drawing/2010/main" xmlns="">
+                <a14:hiddenFill xmlns="" xmlns:a14="http://schemas.microsoft.com/office/drawing/2010/main">
                   <a:noFill/>
                 </a14:hiddenFill>
               </a:ext>
@@ -35545,7 +35545,7 @@
             </a:ln>
             <a:extLst>
               <a:ext uri="{909E8E84-426E-40dd-AFC4-6F175D3DCCD1}">
-                <a14:hiddenFill xmlns:a14="http://schemas.microsoft.com/office/drawing/2010/main" xmlns="">
+                <a14:hiddenFill xmlns="" xmlns:a14="http://schemas.microsoft.com/office/drawing/2010/main">
                   <a:noFill/>
                 </a14:hiddenFill>
               </a:ext>
@@ -35596,7 +35596,7 @@
             </a:ln>
             <a:extLst>
               <a:ext uri="{909E8E84-426E-40dd-AFC4-6F175D3DCCD1}">
-                <a14:hiddenFill xmlns:a14="http://schemas.microsoft.com/office/drawing/2010/main" xmlns="">
+                <a14:hiddenFill xmlns="" xmlns:a14="http://schemas.microsoft.com/office/drawing/2010/main">
                   <a:noFill/>
                 </a14:hiddenFill>
               </a:ext>
@@ -35647,7 +35647,7 @@
             </a:ln>
             <a:extLst>
               <a:ext uri="{909E8E84-426E-40dd-AFC4-6F175D3DCCD1}">
-                <a14:hiddenFill xmlns:a14="http://schemas.microsoft.com/office/drawing/2010/main" xmlns="">
+                <a14:hiddenFill xmlns="" xmlns:a14="http://schemas.microsoft.com/office/drawing/2010/main">
                   <a:noFill/>
                 </a14:hiddenFill>
               </a:ext>
@@ -35698,7 +35698,7 @@
             </a:ln>
             <a:extLst>
               <a:ext uri="{909E8E84-426E-40dd-AFC4-6F175D3DCCD1}">
-                <a14:hiddenFill xmlns:a14="http://schemas.microsoft.com/office/drawing/2010/main" xmlns="">
+                <a14:hiddenFill xmlns="" xmlns:a14="http://schemas.microsoft.com/office/drawing/2010/main">
                   <a:noFill/>
                 </a14:hiddenFill>
               </a:ext>
@@ -35749,7 +35749,7 @@
             </a:ln>
             <a:extLst>
               <a:ext uri="{909E8E84-426E-40dd-AFC4-6F175D3DCCD1}">
-                <a14:hiddenFill xmlns:a14="http://schemas.microsoft.com/office/drawing/2010/main" xmlns="">
+                <a14:hiddenFill xmlns="" xmlns:a14="http://schemas.microsoft.com/office/drawing/2010/main">
                   <a:noFill/>
                 </a14:hiddenFill>
               </a:ext>
@@ -35800,7 +35800,7 @@
             </a:ln>
             <a:extLst>
               <a:ext uri="{909E8E84-426E-40dd-AFC4-6F175D3DCCD1}">
-                <a14:hiddenFill xmlns:a14="http://schemas.microsoft.com/office/drawing/2010/main" xmlns="">
+                <a14:hiddenFill xmlns="" xmlns:a14="http://schemas.microsoft.com/office/drawing/2010/main">
                   <a:noFill/>
                 </a14:hiddenFill>
               </a:ext>
@@ -35851,7 +35851,7 @@
             </a:ln>
             <a:extLst>
               <a:ext uri="{909E8E84-426E-40dd-AFC4-6F175D3DCCD1}">
-                <a14:hiddenFill xmlns:a14="http://schemas.microsoft.com/office/drawing/2010/main" xmlns="">
+                <a14:hiddenFill xmlns="" xmlns:a14="http://schemas.microsoft.com/office/drawing/2010/main">
                   <a:noFill/>
                 </a14:hiddenFill>
               </a:ext>
@@ -35902,7 +35902,7 @@
             </a:ln>
             <a:extLst>
               <a:ext uri="{909E8E84-426E-40dd-AFC4-6F175D3DCCD1}">
-                <a14:hiddenFill xmlns:a14="http://schemas.microsoft.com/office/drawing/2010/main" xmlns="">
+                <a14:hiddenFill xmlns="" xmlns:a14="http://schemas.microsoft.com/office/drawing/2010/main">
                   <a:noFill/>
                 </a14:hiddenFill>
               </a:ext>
@@ -35953,7 +35953,7 @@
             </a:ln>
             <a:extLst>
               <a:ext uri="{909E8E84-426E-40dd-AFC4-6F175D3DCCD1}">
-                <a14:hiddenFill xmlns:a14="http://schemas.microsoft.com/office/drawing/2010/main" xmlns="">
+                <a14:hiddenFill xmlns="" xmlns:a14="http://schemas.microsoft.com/office/drawing/2010/main">
                   <a:noFill/>
                 </a14:hiddenFill>
               </a:ext>
@@ -36004,7 +36004,7 @@
             </a:ln>
             <a:extLst>
               <a:ext uri="{909E8E84-426E-40dd-AFC4-6F175D3DCCD1}">
-                <a14:hiddenFill xmlns:a14="http://schemas.microsoft.com/office/drawing/2010/main" xmlns="">
+                <a14:hiddenFill xmlns="" xmlns:a14="http://schemas.microsoft.com/office/drawing/2010/main">
                   <a:noFill/>
                 </a14:hiddenFill>
               </a:ext>
@@ -36492,7 +36492,7 @@
             </a:ln>
             <a:extLst>
               <a:ext uri="{909E8E84-426E-40dd-AFC4-6F175D3DCCD1}">
-                <a14:hiddenFill xmlns:a14="http://schemas.microsoft.com/office/drawing/2010/main" xmlns="">
+                <a14:hiddenFill xmlns="" xmlns:a14="http://schemas.microsoft.com/office/drawing/2010/main">
                   <a:solidFill>
                     <a:srgbClr val="FFFFFF"/>
                   </a:solidFill>
@@ -36545,7 +36545,7 @@
             </a:ln>
             <a:extLst>
               <a:ext uri="{909E8E84-426E-40dd-AFC4-6F175D3DCCD1}">
-                <a14:hiddenFill xmlns:a14="http://schemas.microsoft.com/office/drawing/2010/main" xmlns="">
+                <a14:hiddenFill xmlns="" xmlns:a14="http://schemas.microsoft.com/office/drawing/2010/main">
                   <a:noFill/>
                 </a14:hiddenFill>
               </a:ext>
@@ -36596,7 +36596,7 @@
             </a:ln>
             <a:extLst>
               <a:ext uri="{909E8E84-426E-40dd-AFC4-6F175D3DCCD1}">
-                <a14:hiddenFill xmlns:a14="http://schemas.microsoft.com/office/drawing/2010/main" xmlns="">
+                <a14:hiddenFill xmlns="" xmlns:a14="http://schemas.microsoft.com/office/drawing/2010/main">
                   <a:noFill/>
                 </a14:hiddenFill>
               </a:ext>
@@ -36647,7 +36647,7 @@
             </a:ln>
             <a:extLst>
               <a:ext uri="{909E8E84-426E-40dd-AFC4-6F175D3DCCD1}">
-                <a14:hiddenFill xmlns:a14="http://schemas.microsoft.com/office/drawing/2010/main" xmlns="">
+                <a14:hiddenFill xmlns="" xmlns:a14="http://schemas.microsoft.com/office/drawing/2010/main">
                   <a:noFill/>
                 </a14:hiddenFill>
               </a:ext>
@@ -36698,7 +36698,7 @@
             </a:ln>
             <a:extLst>
               <a:ext uri="{909E8E84-426E-40dd-AFC4-6F175D3DCCD1}">
-                <a14:hiddenFill xmlns:a14="http://schemas.microsoft.com/office/drawing/2010/main" xmlns="">
+                <a14:hiddenFill xmlns="" xmlns:a14="http://schemas.microsoft.com/office/drawing/2010/main">
                   <a:noFill/>
                 </a14:hiddenFill>
               </a:ext>
@@ -36749,7 +36749,7 @@
             </a:ln>
             <a:extLst>
               <a:ext uri="{909E8E84-426E-40dd-AFC4-6F175D3DCCD1}">
-                <a14:hiddenFill xmlns:a14="http://schemas.microsoft.com/office/drawing/2010/main" xmlns="">
+                <a14:hiddenFill xmlns="" xmlns:a14="http://schemas.microsoft.com/office/drawing/2010/main">
                   <a:noFill/>
                 </a14:hiddenFill>
               </a:ext>
@@ -36800,7 +36800,7 @@
             </a:ln>
             <a:extLst>
               <a:ext uri="{909E8E84-426E-40dd-AFC4-6F175D3DCCD1}">
-                <a14:hiddenFill xmlns:a14="http://schemas.microsoft.com/office/drawing/2010/main" xmlns="">
+                <a14:hiddenFill xmlns="" xmlns:a14="http://schemas.microsoft.com/office/drawing/2010/main">
                   <a:noFill/>
                 </a14:hiddenFill>
               </a:ext>
@@ -36851,7 +36851,7 @@
             </a:ln>
             <a:extLst>
               <a:ext uri="{909E8E84-426E-40dd-AFC4-6F175D3DCCD1}">
-                <a14:hiddenFill xmlns:a14="http://schemas.microsoft.com/office/drawing/2010/main" xmlns="">
+                <a14:hiddenFill xmlns="" xmlns:a14="http://schemas.microsoft.com/office/drawing/2010/main">
                   <a:noFill/>
                 </a14:hiddenFill>
               </a:ext>
@@ -36902,7 +36902,7 @@
             </a:ln>
             <a:extLst>
               <a:ext uri="{909E8E84-426E-40dd-AFC4-6F175D3DCCD1}">
-                <a14:hiddenFill xmlns:a14="http://schemas.microsoft.com/office/drawing/2010/main" xmlns="">
+                <a14:hiddenFill xmlns="" xmlns:a14="http://schemas.microsoft.com/office/drawing/2010/main">
                   <a:noFill/>
                 </a14:hiddenFill>
               </a:ext>
@@ -36953,7 +36953,7 @@
             </a:ln>
             <a:extLst>
               <a:ext uri="{909E8E84-426E-40dd-AFC4-6F175D3DCCD1}">
-                <a14:hiddenFill xmlns:a14="http://schemas.microsoft.com/office/drawing/2010/main" xmlns="">
+                <a14:hiddenFill xmlns="" xmlns:a14="http://schemas.microsoft.com/office/drawing/2010/main">
                   <a:noFill/>
                 </a14:hiddenFill>
               </a:ext>
@@ -37004,7 +37004,7 @@
             </a:ln>
             <a:extLst>
               <a:ext uri="{909E8E84-426E-40dd-AFC4-6F175D3DCCD1}">
-                <a14:hiddenFill xmlns:a14="http://schemas.microsoft.com/office/drawing/2010/main" xmlns="">
+                <a14:hiddenFill xmlns="" xmlns:a14="http://schemas.microsoft.com/office/drawing/2010/main">
                   <a:noFill/>
                 </a14:hiddenFill>
               </a:ext>
@@ -37055,7 +37055,7 @@
             </a:ln>
             <a:extLst>
               <a:ext uri="{909E8E84-426E-40dd-AFC4-6F175D3DCCD1}">
-                <a14:hiddenFill xmlns:a14="http://schemas.microsoft.com/office/drawing/2010/main" xmlns="">
+                <a14:hiddenFill xmlns="" xmlns:a14="http://schemas.microsoft.com/office/drawing/2010/main">
                   <a:noFill/>
                 </a14:hiddenFill>
               </a:ext>
@@ -37106,7 +37106,7 @@
             </a:ln>
             <a:extLst>
               <a:ext uri="{909E8E84-426E-40dd-AFC4-6F175D3DCCD1}">
-                <a14:hiddenFill xmlns:a14="http://schemas.microsoft.com/office/drawing/2010/main" xmlns="">
+                <a14:hiddenFill xmlns="" xmlns:a14="http://schemas.microsoft.com/office/drawing/2010/main">
                   <a:noFill/>
                 </a14:hiddenFill>
               </a:ext>
@@ -37157,7 +37157,7 @@
             </a:ln>
             <a:extLst>
               <a:ext uri="{909E8E84-426E-40dd-AFC4-6F175D3DCCD1}">
-                <a14:hiddenFill xmlns:a14="http://schemas.microsoft.com/office/drawing/2010/main" xmlns="">
+                <a14:hiddenFill xmlns="" xmlns:a14="http://schemas.microsoft.com/office/drawing/2010/main">
                   <a:noFill/>
                 </a14:hiddenFill>
               </a:ext>
@@ -37208,7 +37208,7 @@
             </a:ln>
             <a:extLst>
               <a:ext uri="{909E8E84-426E-40dd-AFC4-6F175D3DCCD1}">
-                <a14:hiddenFill xmlns:a14="http://schemas.microsoft.com/office/drawing/2010/main" xmlns="">
+                <a14:hiddenFill xmlns="" xmlns:a14="http://schemas.microsoft.com/office/drawing/2010/main">
                   <a:noFill/>
                 </a14:hiddenFill>
               </a:ext>
@@ -37259,7 +37259,7 @@
             </a:ln>
             <a:extLst>
               <a:ext uri="{909E8E84-426E-40dd-AFC4-6F175D3DCCD1}">
-                <a14:hiddenFill xmlns:a14="http://schemas.microsoft.com/office/drawing/2010/main" xmlns="">
+                <a14:hiddenFill xmlns="" xmlns:a14="http://schemas.microsoft.com/office/drawing/2010/main">
                   <a:noFill/>
                 </a14:hiddenFill>
               </a:ext>
@@ -37310,7 +37310,7 @@
             </a:ln>
             <a:extLst>
               <a:ext uri="{909E8E84-426E-40dd-AFC4-6F175D3DCCD1}">
-                <a14:hiddenFill xmlns:a14="http://schemas.microsoft.com/office/drawing/2010/main" xmlns="">
+                <a14:hiddenFill xmlns="" xmlns:a14="http://schemas.microsoft.com/office/drawing/2010/main">
                   <a:noFill/>
                 </a14:hiddenFill>
               </a:ext>
@@ -37361,7 +37361,7 @@
             </a:ln>
             <a:extLst>
               <a:ext uri="{909E8E84-426E-40dd-AFC4-6F175D3DCCD1}">
-                <a14:hiddenFill xmlns:a14="http://schemas.microsoft.com/office/drawing/2010/main" xmlns="">
+                <a14:hiddenFill xmlns="" xmlns:a14="http://schemas.microsoft.com/office/drawing/2010/main">
                   <a:noFill/>
                 </a14:hiddenFill>
               </a:ext>
@@ -37412,7 +37412,7 @@
             </a:ln>
             <a:extLst>
               <a:ext uri="{909E8E84-426E-40dd-AFC4-6F175D3DCCD1}">
-                <a14:hiddenFill xmlns:a14="http://schemas.microsoft.com/office/drawing/2010/main" xmlns="">
+                <a14:hiddenFill xmlns="" xmlns:a14="http://schemas.microsoft.com/office/drawing/2010/main">
                   <a:noFill/>
                 </a14:hiddenFill>
               </a:ext>
@@ -37463,7 +37463,7 @@
             </a:ln>
             <a:extLst>
               <a:ext uri="{909E8E84-426E-40dd-AFC4-6F175D3DCCD1}">
-                <a14:hiddenFill xmlns:a14="http://schemas.microsoft.com/office/drawing/2010/main" xmlns="">
+                <a14:hiddenFill xmlns="" xmlns:a14="http://schemas.microsoft.com/office/drawing/2010/main">
                   <a:noFill/>
                 </a14:hiddenFill>
               </a:ext>
@@ -37514,7 +37514,7 @@
             </a:ln>
             <a:extLst>
               <a:ext uri="{909E8E84-426E-40dd-AFC4-6F175D3DCCD1}">
-                <a14:hiddenFill xmlns:a14="http://schemas.microsoft.com/office/drawing/2010/main" xmlns="">
+                <a14:hiddenFill xmlns="" xmlns:a14="http://schemas.microsoft.com/office/drawing/2010/main">
                   <a:noFill/>
                 </a14:hiddenFill>
               </a:ext>
@@ -37565,7 +37565,7 @@
             </a:ln>
             <a:extLst>
               <a:ext uri="{909E8E84-426E-40dd-AFC4-6F175D3DCCD1}">
-                <a14:hiddenFill xmlns:a14="http://schemas.microsoft.com/office/drawing/2010/main" xmlns="">
+                <a14:hiddenFill xmlns="" xmlns:a14="http://schemas.microsoft.com/office/drawing/2010/main">
                   <a:noFill/>
                 </a14:hiddenFill>
               </a:ext>
@@ -37616,7 +37616,7 @@
             </a:ln>
             <a:extLst>
               <a:ext uri="{909E8E84-426E-40dd-AFC4-6F175D3DCCD1}">
-                <a14:hiddenFill xmlns:a14="http://schemas.microsoft.com/office/drawing/2010/main" xmlns="">
+                <a14:hiddenFill xmlns="" xmlns:a14="http://schemas.microsoft.com/office/drawing/2010/main">
                   <a:noFill/>
                 </a14:hiddenFill>
               </a:ext>
@@ -37667,7 +37667,7 @@
             </a:ln>
             <a:extLst>
               <a:ext uri="{909E8E84-426E-40dd-AFC4-6F175D3DCCD1}">
-                <a14:hiddenFill xmlns:a14="http://schemas.microsoft.com/office/drawing/2010/main" xmlns="">
+                <a14:hiddenFill xmlns="" xmlns:a14="http://schemas.microsoft.com/office/drawing/2010/main">
                   <a:noFill/>
                 </a14:hiddenFill>
               </a:ext>
@@ -37718,7 +37718,7 @@
             </a:ln>
             <a:extLst>
               <a:ext uri="{909E8E84-426E-40dd-AFC4-6F175D3DCCD1}">
-                <a14:hiddenFill xmlns:a14="http://schemas.microsoft.com/office/drawing/2010/main" xmlns="">
+                <a14:hiddenFill xmlns="" xmlns:a14="http://schemas.microsoft.com/office/drawing/2010/main">
                   <a:noFill/>
                 </a14:hiddenFill>
               </a:ext>
@@ -37769,7 +37769,7 @@
             </a:ln>
             <a:extLst>
               <a:ext uri="{909E8E84-426E-40dd-AFC4-6F175D3DCCD1}">
-                <a14:hiddenFill xmlns:a14="http://schemas.microsoft.com/office/drawing/2010/main" xmlns="">
+                <a14:hiddenFill xmlns="" xmlns:a14="http://schemas.microsoft.com/office/drawing/2010/main">
                   <a:noFill/>
                 </a14:hiddenFill>
               </a:ext>
@@ -37820,7 +37820,7 @@
             </a:ln>
             <a:extLst>
               <a:ext uri="{909E8E84-426E-40dd-AFC4-6F175D3DCCD1}">
-                <a14:hiddenFill xmlns:a14="http://schemas.microsoft.com/office/drawing/2010/main" xmlns="">
+                <a14:hiddenFill xmlns="" xmlns:a14="http://schemas.microsoft.com/office/drawing/2010/main">
                   <a:noFill/>
                 </a14:hiddenFill>
               </a:ext>
@@ -37871,7 +37871,7 @@
             </a:ln>
             <a:extLst>
               <a:ext uri="{909E8E84-426E-40dd-AFC4-6F175D3DCCD1}">
-                <a14:hiddenFill xmlns:a14="http://schemas.microsoft.com/office/drawing/2010/main" xmlns="">
+                <a14:hiddenFill xmlns="" xmlns:a14="http://schemas.microsoft.com/office/drawing/2010/main">
                   <a:noFill/>
                 </a14:hiddenFill>
               </a:ext>
@@ -37922,7 +37922,7 @@
             </a:ln>
             <a:extLst>
               <a:ext uri="{909E8E84-426E-40dd-AFC4-6F175D3DCCD1}">
-                <a14:hiddenFill xmlns:a14="http://schemas.microsoft.com/office/drawing/2010/main" xmlns="">
+                <a14:hiddenFill xmlns="" xmlns:a14="http://schemas.microsoft.com/office/drawing/2010/main">
                   <a:noFill/>
                 </a14:hiddenFill>
               </a:ext>
@@ -37973,7 +37973,7 @@
             </a:ln>
             <a:extLst>
               <a:ext uri="{909E8E84-426E-40dd-AFC4-6F175D3DCCD1}">
-                <a14:hiddenFill xmlns:a14="http://schemas.microsoft.com/office/drawing/2010/main" xmlns="">
+                <a14:hiddenFill xmlns="" xmlns:a14="http://schemas.microsoft.com/office/drawing/2010/main">
                   <a:noFill/>
                 </a14:hiddenFill>
               </a:ext>
@@ -38024,7 +38024,7 @@
             </a:ln>
             <a:extLst>
               <a:ext uri="{909E8E84-426E-40dd-AFC4-6F175D3DCCD1}">
-                <a14:hiddenFill xmlns:a14="http://schemas.microsoft.com/office/drawing/2010/main" xmlns="">
+                <a14:hiddenFill xmlns="" xmlns:a14="http://schemas.microsoft.com/office/drawing/2010/main">
                   <a:noFill/>
                 </a14:hiddenFill>
               </a:ext>
@@ -38075,7 +38075,7 @@
             </a:ln>
             <a:extLst>
               <a:ext uri="{909E8E84-426E-40dd-AFC4-6F175D3DCCD1}">
-                <a14:hiddenFill xmlns:a14="http://schemas.microsoft.com/office/drawing/2010/main" xmlns="">
+                <a14:hiddenFill xmlns="" xmlns:a14="http://schemas.microsoft.com/office/drawing/2010/main">
                   <a:noFill/>
                 </a14:hiddenFill>
               </a:ext>
@@ -38126,7 +38126,7 @@
             </a:ln>
             <a:extLst>
               <a:ext uri="{909E8E84-426E-40dd-AFC4-6F175D3DCCD1}">
-                <a14:hiddenFill xmlns:a14="http://schemas.microsoft.com/office/drawing/2010/main" xmlns="">
+                <a14:hiddenFill xmlns="" xmlns:a14="http://schemas.microsoft.com/office/drawing/2010/main">
                   <a:noFill/>
                 </a14:hiddenFill>
               </a:ext>
@@ -38177,7 +38177,7 @@
             </a:ln>
             <a:extLst>
               <a:ext uri="{909E8E84-426E-40dd-AFC4-6F175D3DCCD1}">
-                <a14:hiddenFill xmlns:a14="http://schemas.microsoft.com/office/drawing/2010/main" xmlns="">
+                <a14:hiddenFill xmlns="" xmlns:a14="http://schemas.microsoft.com/office/drawing/2010/main">
                   <a:noFill/>
                 </a14:hiddenFill>
               </a:ext>
@@ -38228,7 +38228,7 @@
             </a:ln>
             <a:extLst>
               <a:ext uri="{909E8E84-426E-40dd-AFC4-6F175D3DCCD1}">
-                <a14:hiddenFill xmlns:a14="http://schemas.microsoft.com/office/drawing/2010/main" xmlns="">
+                <a14:hiddenFill xmlns="" xmlns:a14="http://schemas.microsoft.com/office/drawing/2010/main">
                   <a:noFill/>
                 </a14:hiddenFill>
               </a:ext>
@@ -38279,7 +38279,7 @@
             </a:ln>
             <a:extLst>
               <a:ext uri="{909E8E84-426E-40dd-AFC4-6F175D3DCCD1}">
-                <a14:hiddenFill xmlns:a14="http://schemas.microsoft.com/office/drawing/2010/main" xmlns="">
+                <a14:hiddenFill xmlns="" xmlns:a14="http://schemas.microsoft.com/office/drawing/2010/main">
                   <a:noFill/>
                 </a14:hiddenFill>
               </a:ext>
@@ -38330,7 +38330,7 @@
             </a:ln>
             <a:extLst>
               <a:ext uri="{909E8E84-426E-40dd-AFC4-6F175D3DCCD1}">
-                <a14:hiddenFill xmlns:a14="http://schemas.microsoft.com/office/drawing/2010/main" xmlns="">
+                <a14:hiddenFill xmlns="" xmlns:a14="http://schemas.microsoft.com/office/drawing/2010/main">
                   <a:noFill/>
                 </a14:hiddenFill>
               </a:ext>
@@ -38381,7 +38381,7 @@
             </a:ln>
             <a:extLst>
               <a:ext uri="{909E8E84-426E-40dd-AFC4-6F175D3DCCD1}">
-                <a14:hiddenFill xmlns:a14="http://schemas.microsoft.com/office/drawing/2010/main" xmlns="">
+                <a14:hiddenFill xmlns="" xmlns:a14="http://schemas.microsoft.com/office/drawing/2010/main">
                   <a:noFill/>
                 </a14:hiddenFill>
               </a:ext>
@@ -38432,7 +38432,7 @@
             </a:ln>
             <a:extLst>
               <a:ext uri="{909E8E84-426E-40dd-AFC4-6F175D3DCCD1}">
-                <a14:hiddenFill xmlns:a14="http://schemas.microsoft.com/office/drawing/2010/main" xmlns="">
+                <a14:hiddenFill xmlns="" xmlns:a14="http://schemas.microsoft.com/office/drawing/2010/main">
                   <a:noFill/>
                 </a14:hiddenFill>
               </a:ext>
@@ -38483,7 +38483,7 @@
             </a:ln>
             <a:extLst>
               <a:ext uri="{909E8E84-426E-40dd-AFC4-6F175D3DCCD1}">
-                <a14:hiddenFill xmlns:a14="http://schemas.microsoft.com/office/drawing/2010/main" xmlns="">
+                <a14:hiddenFill xmlns="" xmlns:a14="http://schemas.microsoft.com/office/drawing/2010/main">
                   <a:noFill/>
                 </a14:hiddenFill>
               </a:ext>
@@ -38534,7 +38534,7 @@
             </a:ln>
             <a:extLst>
               <a:ext uri="{909E8E84-426E-40dd-AFC4-6F175D3DCCD1}">
-                <a14:hiddenFill xmlns:a14="http://schemas.microsoft.com/office/drawing/2010/main" xmlns="">
+                <a14:hiddenFill xmlns="" xmlns:a14="http://schemas.microsoft.com/office/drawing/2010/main">
                   <a:noFill/>
                 </a14:hiddenFill>
               </a:ext>
@@ -38585,7 +38585,7 @@
             </a:ln>
             <a:extLst>
               <a:ext uri="{909E8E84-426E-40dd-AFC4-6F175D3DCCD1}">
-                <a14:hiddenFill xmlns:a14="http://schemas.microsoft.com/office/drawing/2010/main" xmlns="">
+                <a14:hiddenFill xmlns="" xmlns:a14="http://schemas.microsoft.com/office/drawing/2010/main">
                   <a:noFill/>
                 </a14:hiddenFill>
               </a:ext>
@@ -38636,7 +38636,7 @@
             </a:ln>
             <a:extLst>
               <a:ext uri="{909E8E84-426E-40dd-AFC4-6F175D3DCCD1}">
-                <a14:hiddenFill xmlns:a14="http://schemas.microsoft.com/office/drawing/2010/main" xmlns="">
+                <a14:hiddenFill xmlns="" xmlns:a14="http://schemas.microsoft.com/office/drawing/2010/main">
                   <a:noFill/>
                 </a14:hiddenFill>
               </a:ext>
@@ -38687,7 +38687,7 @@
             </a:ln>
             <a:extLst>
               <a:ext uri="{909E8E84-426E-40dd-AFC4-6F175D3DCCD1}">
-                <a14:hiddenFill xmlns:a14="http://schemas.microsoft.com/office/drawing/2010/main" xmlns="">
+                <a14:hiddenFill xmlns="" xmlns:a14="http://schemas.microsoft.com/office/drawing/2010/main">
                   <a:noFill/>
                 </a14:hiddenFill>
               </a:ext>
@@ -38738,7 +38738,7 @@
             </a:ln>
             <a:extLst>
               <a:ext uri="{909E8E84-426E-40dd-AFC4-6F175D3DCCD1}">
-                <a14:hiddenFill xmlns:a14="http://schemas.microsoft.com/office/drawing/2010/main" xmlns="">
+                <a14:hiddenFill xmlns="" xmlns:a14="http://schemas.microsoft.com/office/drawing/2010/main">
                   <a:noFill/>
                 </a14:hiddenFill>
               </a:ext>
@@ -38789,7 +38789,7 @@
             </a:ln>
             <a:extLst>
               <a:ext uri="{909E8E84-426E-40dd-AFC4-6F175D3DCCD1}">
-                <a14:hiddenFill xmlns:a14="http://schemas.microsoft.com/office/drawing/2010/main" xmlns="">
+                <a14:hiddenFill xmlns="" xmlns:a14="http://schemas.microsoft.com/office/drawing/2010/main">
                   <a:noFill/>
                 </a14:hiddenFill>
               </a:ext>
@@ -38840,7 +38840,7 @@
             </a:ln>
             <a:extLst>
               <a:ext uri="{909E8E84-426E-40dd-AFC4-6F175D3DCCD1}">
-                <a14:hiddenFill xmlns:a14="http://schemas.microsoft.com/office/drawing/2010/main" xmlns="">
+                <a14:hiddenFill xmlns="" xmlns:a14="http://schemas.microsoft.com/office/drawing/2010/main">
                   <a:noFill/>
                 </a14:hiddenFill>
               </a:ext>
@@ -38891,7 +38891,7 @@
             </a:ln>
             <a:extLst>
               <a:ext uri="{909E8E84-426E-40dd-AFC4-6F175D3DCCD1}">
-                <a14:hiddenFill xmlns:a14="http://schemas.microsoft.com/office/drawing/2010/main" xmlns="">
+                <a14:hiddenFill xmlns="" xmlns:a14="http://schemas.microsoft.com/office/drawing/2010/main">
                   <a:noFill/>
                 </a14:hiddenFill>
               </a:ext>
@@ -38942,7 +38942,7 @@
             </a:ln>
             <a:extLst>
               <a:ext uri="{909E8E84-426E-40dd-AFC4-6F175D3DCCD1}">
-                <a14:hiddenFill xmlns:a14="http://schemas.microsoft.com/office/drawing/2010/main" xmlns="">
+                <a14:hiddenFill xmlns="" xmlns:a14="http://schemas.microsoft.com/office/drawing/2010/main">
                   <a:noFill/>
                 </a14:hiddenFill>
               </a:ext>
@@ -38993,7 +38993,7 @@
             </a:ln>
             <a:extLst>
               <a:ext uri="{909E8E84-426E-40dd-AFC4-6F175D3DCCD1}">
-                <a14:hiddenFill xmlns:a14="http://schemas.microsoft.com/office/drawing/2010/main" xmlns="">
+                <a14:hiddenFill xmlns="" xmlns:a14="http://schemas.microsoft.com/office/drawing/2010/main">
                   <a:noFill/>
                 </a14:hiddenFill>
               </a:ext>
@@ -39044,7 +39044,7 @@
             </a:ln>
             <a:extLst>
               <a:ext uri="{909E8E84-426E-40dd-AFC4-6F175D3DCCD1}">
-                <a14:hiddenFill xmlns:a14="http://schemas.microsoft.com/office/drawing/2010/main" xmlns="">
+                <a14:hiddenFill xmlns="" xmlns:a14="http://schemas.microsoft.com/office/drawing/2010/main">
                   <a:noFill/>
                 </a14:hiddenFill>
               </a:ext>
@@ -39095,7 +39095,7 @@
             </a:ln>
             <a:extLst>
               <a:ext uri="{909E8E84-426E-40dd-AFC4-6F175D3DCCD1}">
-                <a14:hiddenFill xmlns:a14="http://schemas.microsoft.com/office/drawing/2010/main" xmlns="">
+                <a14:hiddenFill xmlns="" xmlns:a14="http://schemas.microsoft.com/office/drawing/2010/main">
                   <a:noFill/>
                 </a14:hiddenFill>
               </a:ext>
@@ -39146,7 +39146,7 @@
             </a:ln>
             <a:extLst>
               <a:ext uri="{909E8E84-426E-40dd-AFC4-6F175D3DCCD1}">
-                <a14:hiddenFill xmlns:a14="http://schemas.microsoft.com/office/drawing/2010/main" xmlns="">
+                <a14:hiddenFill xmlns="" xmlns:a14="http://schemas.microsoft.com/office/drawing/2010/main">
                   <a:noFill/>
                 </a14:hiddenFill>
               </a:ext>
@@ -39197,7 +39197,7 @@
             </a:ln>
             <a:extLst>
               <a:ext uri="{909E8E84-426E-40dd-AFC4-6F175D3DCCD1}">
-                <a14:hiddenFill xmlns:a14="http://schemas.microsoft.com/office/drawing/2010/main" xmlns="">
+                <a14:hiddenFill xmlns="" xmlns:a14="http://schemas.microsoft.com/office/drawing/2010/main">
                   <a:noFill/>
                 </a14:hiddenFill>
               </a:ext>
@@ -39248,7 +39248,7 @@
             </a:ln>
             <a:extLst>
               <a:ext uri="{909E8E84-426E-40dd-AFC4-6F175D3DCCD1}">
-                <a14:hiddenFill xmlns:a14="http://schemas.microsoft.com/office/drawing/2010/main" xmlns="">
+                <a14:hiddenFill xmlns="" xmlns:a14="http://schemas.microsoft.com/office/drawing/2010/main">
                   <a:noFill/>
                 </a14:hiddenFill>
               </a:ext>
@@ -39299,7 +39299,7 @@
             </a:ln>
             <a:extLst>
               <a:ext uri="{909E8E84-426E-40dd-AFC4-6F175D3DCCD1}">
-                <a14:hiddenFill xmlns:a14="http://schemas.microsoft.com/office/drawing/2010/main" xmlns="">
+                <a14:hiddenFill xmlns="" xmlns:a14="http://schemas.microsoft.com/office/drawing/2010/main">
                   <a:noFill/>
                 </a14:hiddenFill>
               </a:ext>
@@ -39350,7 +39350,7 @@
             </a:ln>
             <a:extLst>
               <a:ext uri="{909E8E84-426E-40dd-AFC4-6F175D3DCCD1}">
-                <a14:hiddenFill xmlns:a14="http://schemas.microsoft.com/office/drawing/2010/main" xmlns="">
+                <a14:hiddenFill xmlns="" xmlns:a14="http://schemas.microsoft.com/office/drawing/2010/main">
                   <a:noFill/>
                 </a14:hiddenFill>
               </a:ext>
@@ -39401,7 +39401,7 @@
             </a:ln>
             <a:extLst>
               <a:ext uri="{909E8E84-426E-40dd-AFC4-6F175D3DCCD1}">
-                <a14:hiddenFill xmlns:a14="http://schemas.microsoft.com/office/drawing/2010/main" xmlns="">
+                <a14:hiddenFill xmlns="" xmlns:a14="http://schemas.microsoft.com/office/drawing/2010/main">
                   <a:noFill/>
                 </a14:hiddenFill>
               </a:ext>
@@ -39452,7 +39452,7 @@
             </a:ln>
             <a:extLst>
               <a:ext uri="{909E8E84-426E-40dd-AFC4-6F175D3DCCD1}">
-                <a14:hiddenFill xmlns:a14="http://schemas.microsoft.com/office/drawing/2010/main" xmlns="">
+                <a14:hiddenFill xmlns="" xmlns:a14="http://schemas.microsoft.com/office/drawing/2010/main">
                   <a:noFill/>
                 </a14:hiddenFill>
               </a:ext>
@@ -39503,7 +39503,7 @@
             </a:ln>
             <a:extLst>
               <a:ext uri="{909E8E84-426E-40dd-AFC4-6F175D3DCCD1}">
-                <a14:hiddenFill xmlns:a14="http://schemas.microsoft.com/office/drawing/2010/main" xmlns="">
+                <a14:hiddenFill xmlns="" xmlns:a14="http://schemas.microsoft.com/office/drawing/2010/main">
                   <a:noFill/>
                 </a14:hiddenFill>
               </a:ext>
@@ -39554,7 +39554,7 @@
             </a:ln>
             <a:extLst>
               <a:ext uri="{909E8E84-426E-40dd-AFC4-6F175D3DCCD1}">
-                <a14:hiddenFill xmlns:a14="http://schemas.microsoft.com/office/drawing/2010/main" xmlns="">
+                <a14:hiddenFill xmlns="" xmlns:a14="http://schemas.microsoft.com/office/drawing/2010/main">
                   <a:noFill/>
                 </a14:hiddenFill>
               </a:ext>
@@ -39605,7 +39605,7 @@
             </a:ln>
             <a:extLst>
               <a:ext uri="{909E8E84-426E-40dd-AFC4-6F175D3DCCD1}">
-                <a14:hiddenFill xmlns:a14="http://schemas.microsoft.com/office/drawing/2010/main" xmlns="">
+                <a14:hiddenFill xmlns="" xmlns:a14="http://schemas.microsoft.com/office/drawing/2010/main">
                   <a:noFill/>
                 </a14:hiddenFill>
               </a:ext>
@@ -39656,7 +39656,7 @@
             </a:ln>
             <a:extLst>
               <a:ext uri="{909E8E84-426E-40dd-AFC4-6F175D3DCCD1}">
-                <a14:hiddenFill xmlns:a14="http://schemas.microsoft.com/office/drawing/2010/main" xmlns="">
+                <a14:hiddenFill xmlns="" xmlns:a14="http://schemas.microsoft.com/office/drawing/2010/main">
                   <a:noFill/>
                 </a14:hiddenFill>
               </a:ext>
@@ -39707,7 +39707,7 @@
             </a:ln>
             <a:extLst>
               <a:ext uri="{909E8E84-426E-40dd-AFC4-6F175D3DCCD1}">
-                <a14:hiddenFill xmlns:a14="http://schemas.microsoft.com/office/drawing/2010/main" xmlns="">
+                <a14:hiddenFill xmlns="" xmlns:a14="http://schemas.microsoft.com/office/drawing/2010/main">
                   <a:noFill/>
                 </a14:hiddenFill>
               </a:ext>
@@ -39758,7 +39758,7 @@
             </a:ln>
             <a:extLst>
               <a:ext uri="{909E8E84-426E-40dd-AFC4-6F175D3DCCD1}">
-                <a14:hiddenFill xmlns:a14="http://schemas.microsoft.com/office/drawing/2010/main" xmlns="">
+                <a14:hiddenFill xmlns="" xmlns:a14="http://schemas.microsoft.com/office/drawing/2010/main">
                   <a:noFill/>
                 </a14:hiddenFill>
               </a:ext>
@@ -39809,7 +39809,7 @@
             </a:ln>
             <a:extLst>
               <a:ext uri="{909E8E84-426E-40dd-AFC4-6F175D3DCCD1}">
-                <a14:hiddenFill xmlns:a14="http://schemas.microsoft.com/office/drawing/2010/main" xmlns="">
+                <a14:hiddenFill xmlns="" xmlns:a14="http://schemas.microsoft.com/office/drawing/2010/main">
                   <a:noFill/>
                 </a14:hiddenFill>
               </a:ext>
@@ -39860,7 +39860,7 @@
             </a:ln>
             <a:extLst>
               <a:ext uri="{909E8E84-426E-40dd-AFC4-6F175D3DCCD1}">
-                <a14:hiddenFill xmlns:a14="http://schemas.microsoft.com/office/drawing/2010/main" xmlns="">
+                <a14:hiddenFill xmlns="" xmlns:a14="http://schemas.microsoft.com/office/drawing/2010/main">
                   <a:noFill/>
                 </a14:hiddenFill>
               </a:ext>
@@ -39911,7 +39911,7 @@
             </a:ln>
             <a:extLst>
               <a:ext uri="{909E8E84-426E-40dd-AFC4-6F175D3DCCD1}">
-                <a14:hiddenFill xmlns:a14="http://schemas.microsoft.com/office/drawing/2010/main" xmlns="">
+                <a14:hiddenFill xmlns="" xmlns:a14="http://schemas.microsoft.com/office/drawing/2010/main">
                   <a:noFill/>
                 </a14:hiddenFill>
               </a:ext>
@@ -39962,7 +39962,7 @@
             </a:ln>
             <a:extLst>
               <a:ext uri="{909E8E84-426E-40dd-AFC4-6F175D3DCCD1}">
-                <a14:hiddenFill xmlns:a14="http://schemas.microsoft.com/office/drawing/2010/main" xmlns="">
+                <a14:hiddenFill xmlns="" xmlns:a14="http://schemas.microsoft.com/office/drawing/2010/main">
                   <a:noFill/>
                 </a14:hiddenFill>
               </a:ext>
@@ -41045,7 +41045,7 @@
             </a:ln>
             <a:extLst>
               <a:ext uri="{909E8E84-426E-40dd-AFC4-6F175D3DCCD1}">
-                <a14:hiddenFill xmlns:a14="http://schemas.microsoft.com/office/drawing/2010/main" xmlns="">
+                <a14:hiddenFill xmlns="" xmlns:a14="http://schemas.microsoft.com/office/drawing/2010/main">
                   <a:solidFill>
                     <a:srgbClr val="FFFFFF"/>
                   </a:solidFill>
@@ -41098,7 +41098,7 @@
             </a:ln>
             <a:extLst>
               <a:ext uri="{909E8E84-426E-40dd-AFC4-6F175D3DCCD1}">
-                <a14:hiddenFill xmlns:a14="http://schemas.microsoft.com/office/drawing/2010/main" xmlns="">
+                <a14:hiddenFill xmlns="" xmlns:a14="http://schemas.microsoft.com/office/drawing/2010/main">
                   <a:noFill/>
                 </a14:hiddenFill>
               </a:ext>
@@ -41149,7 +41149,7 @@
             </a:ln>
             <a:extLst>
               <a:ext uri="{909E8E84-426E-40dd-AFC4-6F175D3DCCD1}">
-                <a14:hiddenFill xmlns:a14="http://schemas.microsoft.com/office/drawing/2010/main" xmlns="">
+                <a14:hiddenFill xmlns="" xmlns:a14="http://schemas.microsoft.com/office/drawing/2010/main">
                   <a:noFill/>
                 </a14:hiddenFill>
               </a:ext>
@@ -41200,7 +41200,7 @@
             </a:ln>
             <a:extLst>
               <a:ext uri="{909E8E84-426E-40dd-AFC4-6F175D3DCCD1}">
-                <a14:hiddenFill xmlns:a14="http://schemas.microsoft.com/office/drawing/2010/main" xmlns="">
+                <a14:hiddenFill xmlns="" xmlns:a14="http://schemas.microsoft.com/office/drawing/2010/main">
                   <a:noFill/>
                 </a14:hiddenFill>
               </a:ext>
@@ -41251,7 +41251,7 @@
             </a:ln>
             <a:extLst>
               <a:ext uri="{909E8E84-426E-40dd-AFC4-6F175D3DCCD1}">
-                <a14:hiddenFill xmlns:a14="http://schemas.microsoft.com/office/drawing/2010/main" xmlns="">
+                <a14:hiddenFill xmlns="" xmlns:a14="http://schemas.microsoft.com/office/drawing/2010/main">
                   <a:noFill/>
                 </a14:hiddenFill>
               </a:ext>
@@ -41302,7 +41302,7 @@
             </a:ln>
             <a:extLst>
               <a:ext uri="{909E8E84-426E-40dd-AFC4-6F175D3DCCD1}">
-                <a14:hiddenFill xmlns:a14="http://schemas.microsoft.com/office/drawing/2010/main" xmlns="">
+                <a14:hiddenFill xmlns="" xmlns:a14="http://schemas.microsoft.com/office/drawing/2010/main">
                   <a:noFill/>
                 </a14:hiddenFill>
               </a:ext>
@@ -41353,7 +41353,7 @@
             </a:ln>
             <a:extLst>
               <a:ext uri="{909E8E84-426E-40dd-AFC4-6F175D3DCCD1}">
-                <a14:hiddenFill xmlns:a14="http://schemas.microsoft.com/office/drawing/2010/main" xmlns="">
+                <a14:hiddenFill xmlns="" xmlns:a14="http://schemas.microsoft.com/office/drawing/2010/main">
                   <a:noFill/>
                 </a14:hiddenFill>
               </a:ext>
@@ -41404,7 +41404,7 @@
             </a:ln>
             <a:extLst>
               <a:ext uri="{909E8E84-426E-40dd-AFC4-6F175D3DCCD1}">
-                <a14:hiddenFill xmlns:a14="http://schemas.microsoft.com/office/drawing/2010/main" xmlns="">
+                <a14:hiddenFill xmlns="" xmlns:a14="http://schemas.microsoft.com/office/drawing/2010/main">
                   <a:noFill/>
                 </a14:hiddenFill>
               </a:ext>
@@ -41455,7 +41455,7 @@
             </a:ln>
             <a:extLst>
               <a:ext uri="{909E8E84-426E-40dd-AFC4-6F175D3DCCD1}">
-                <a14:hiddenFill xmlns:a14="http://schemas.microsoft.com/office/drawing/2010/main" xmlns="">
+                <a14:hiddenFill xmlns="" xmlns:a14="http://schemas.microsoft.com/office/drawing/2010/main">
                   <a:noFill/>
                 </a14:hiddenFill>
               </a:ext>
@@ -41506,7 +41506,7 @@
             </a:ln>
             <a:extLst>
               <a:ext uri="{909E8E84-426E-40dd-AFC4-6F175D3DCCD1}">
-                <a14:hiddenFill xmlns:a14="http://schemas.microsoft.com/office/drawing/2010/main" xmlns="">
+                <a14:hiddenFill xmlns="" xmlns:a14="http://schemas.microsoft.com/office/drawing/2010/main">
                   <a:noFill/>
                 </a14:hiddenFill>
               </a:ext>
@@ -41557,7 +41557,7 @@
             </a:ln>
             <a:extLst>
               <a:ext uri="{909E8E84-426E-40dd-AFC4-6F175D3DCCD1}">
-                <a14:hiddenFill xmlns:a14="http://schemas.microsoft.com/office/drawing/2010/main" xmlns="">
+                <a14:hiddenFill xmlns="" xmlns:a14="http://schemas.microsoft.com/office/drawing/2010/main">
                   <a:noFill/>
                 </a14:hiddenFill>
               </a:ext>
@@ -41608,7 +41608,7 @@
             </a:ln>
             <a:extLst>
               <a:ext uri="{909E8E84-426E-40dd-AFC4-6F175D3DCCD1}">
-                <a14:hiddenFill xmlns:a14="http://schemas.microsoft.com/office/drawing/2010/main" xmlns="">
+                <a14:hiddenFill xmlns="" xmlns:a14="http://schemas.microsoft.com/office/drawing/2010/main">
                   <a:noFill/>
                 </a14:hiddenFill>
               </a:ext>
@@ -41659,7 +41659,7 @@
             </a:ln>
             <a:extLst>
               <a:ext uri="{909E8E84-426E-40dd-AFC4-6F175D3DCCD1}">
-                <a14:hiddenFill xmlns:a14="http://schemas.microsoft.com/office/drawing/2010/main" xmlns="">
+                <a14:hiddenFill xmlns="" xmlns:a14="http://schemas.microsoft.com/office/drawing/2010/main">
                   <a:noFill/>
                 </a14:hiddenFill>
               </a:ext>
@@ -41710,7 +41710,7 @@
             </a:ln>
             <a:extLst>
               <a:ext uri="{909E8E84-426E-40dd-AFC4-6F175D3DCCD1}">
-                <a14:hiddenFill xmlns:a14="http://schemas.microsoft.com/office/drawing/2010/main" xmlns="">
+                <a14:hiddenFill xmlns="" xmlns:a14="http://schemas.microsoft.com/office/drawing/2010/main">
                   <a:noFill/>
                 </a14:hiddenFill>
               </a:ext>
@@ -41761,7 +41761,7 @@
             </a:ln>
             <a:extLst>
               <a:ext uri="{909E8E84-426E-40dd-AFC4-6F175D3DCCD1}">
-                <a14:hiddenFill xmlns:a14="http://schemas.microsoft.com/office/drawing/2010/main" xmlns="">
+                <a14:hiddenFill xmlns="" xmlns:a14="http://schemas.microsoft.com/office/drawing/2010/main">
                   <a:noFill/>
                 </a14:hiddenFill>
               </a:ext>
@@ -41812,7 +41812,7 @@
             </a:ln>
             <a:extLst>
               <a:ext uri="{909E8E84-426E-40dd-AFC4-6F175D3DCCD1}">
-                <a14:hiddenFill xmlns:a14="http://schemas.microsoft.com/office/drawing/2010/main" xmlns="">
+                <a14:hiddenFill xmlns="" xmlns:a14="http://schemas.microsoft.com/office/drawing/2010/main">
                   <a:noFill/>
                 </a14:hiddenFill>
               </a:ext>
@@ -41863,7 +41863,7 @@
             </a:ln>
             <a:extLst>
               <a:ext uri="{909E8E84-426E-40dd-AFC4-6F175D3DCCD1}">
-                <a14:hiddenFill xmlns:a14="http://schemas.microsoft.com/office/drawing/2010/main" xmlns="">
+                <a14:hiddenFill xmlns="" xmlns:a14="http://schemas.microsoft.com/office/drawing/2010/main">
                   <a:noFill/>
                 </a14:hiddenFill>
               </a:ext>
@@ -41914,7 +41914,7 @@
             </a:ln>
             <a:extLst>
               <a:ext uri="{909E8E84-426E-40dd-AFC4-6F175D3DCCD1}">
-                <a14:hiddenFill xmlns:a14="http://schemas.microsoft.com/office/drawing/2010/main" xmlns="">
+                <a14:hiddenFill xmlns="" xmlns:a14="http://schemas.microsoft.com/office/drawing/2010/main">
                   <a:noFill/>
                 </a14:hiddenFill>
               </a:ext>
@@ -41965,7 +41965,7 @@
             </a:ln>
             <a:extLst>
               <a:ext uri="{909E8E84-426E-40dd-AFC4-6F175D3DCCD1}">
-                <a14:hiddenFill xmlns:a14="http://schemas.microsoft.com/office/drawing/2010/main" xmlns="">
+                <a14:hiddenFill xmlns="" xmlns:a14="http://schemas.microsoft.com/office/drawing/2010/main">
                   <a:noFill/>
                 </a14:hiddenFill>
               </a:ext>
@@ -42016,7 +42016,7 @@
             </a:ln>
             <a:extLst>
               <a:ext uri="{909E8E84-426E-40dd-AFC4-6F175D3DCCD1}">
-                <a14:hiddenFill xmlns:a14="http://schemas.microsoft.com/office/drawing/2010/main" xmlns="">
+                <a14:hiddenFill xmlns="" xmlns:a14="http://schemas.microsoft.com/office/drawing/2010/main">
                   <a:noFill/>
                 </a14:hiddenFill>
               </a:ext>
@@ -42067,7 +42067,7 @@
             </a:ln>
             <a:extLst>
               <a:ext uri="{909E8E84-426E-40dd-AFC4-6F175D3DCCD1}">
-                <a14:hiddenFill xmlns:a14="http://schemas.microsoft.com/office/drawing/2010/main" xmlns="">
+                <a14:hiddenFill xmlns="" xmlns:a14="http://schemas.microsoft.com/office/drawing/2010/main">
                   <a:noFill/>
                 </a14:hiddenFill>
               </a:ext>
@@ -42118,7 +42118,7 @@
             </a:ln>
             <a:extLst>
               <a:ext uri="{909E8E84-426E-40dd-AFC4-6F175D3DCCD1}">
-                <a14:hiddenFill xmlns:a14="http://schemas.microsoft.com/office/drawing/2010/main" xmlns="">
+                <a14:hiddenFill xmlns="" xmlns:a14="http://schemas.microsoft.com/office/drawing/2010/main">
                   <a:noFill/>
                 </a14:hiddenFill>
               </a:ext>
@@ -42169,7 +42169,7 @@
             </a:ln>
             <a:extLst>
               <a:ext uri="{909E8E84-426E-40dd-AFC4-6F175D3DCCD1}">
-                <a14:hiddenFill xmlns:a14="http://schemas.microsoft.com/office/drawing/2010/main" xmlns="">
+                <a14:hiddenFill xmlns="" xmlns:a14="http://schemas.microsoft.com/office/drawing/2010/main">
                   <a:noFill/>
                 </a14:hiddenFill>
               </a:ext>
@@ -42220,7 +42220,7 @@
             </a:ln>
             <a:extLst>
               <a:ext uri="{909E8E84-426E-40dd-AFC4-6F175D3DCCD1}">
-                <a14:hiddenFill xmlns:a14="http://schemas.microsoft.com/office/drawing/2010/main" xmlns="">
+                <a14:hiddenFill xmlns="" xmlns:a14="http://schemas.microsoft.com/office/drawing/2010/main">
                   <a:noFill/>
                 </a14:hiddenFill>
               </a:ext>
@@ -42271,7 +42271,7 @@
             </a:ln>
             <a:extLst>
               <a:ext uri="{909E8E84-426E-40dd-AFC4-6F175D3DCCD1}">
-                <a14:hiddenFill xmlns:a14="http://schemas.microsoft.com/office/drawing/2010/main" xmlns="">
+                <a14:hiddenFill xmlns="" xmlns:a14="http://schemas.microsoft.com/office/drawing/2010/main">
                   <a:noFill/>
                 </a14:hiddenFill>
               </a:ext>
@@ -42322,7 +42322,7 @@
             </a:ln>
             <a:extLst>
               <a:ext uri="{909E8E84-426E-40dd-AFC4-6F175D3DCCD1}">
-                <a14:hiddenFill xmlns:a14="http://schemas.microsoft.com/office/drawing/2010/main" xmlns="">
+                <a14:hiddenFill xmlns="" xmlns:a14="http://schemas.microsoft.com/office/drawing/2010/main">
                   <a:noFill/>
                 </a14:hiddenFill>
               </a:ext>
@@ -42373,7 +42373,7 @@
             </a:ln>
             <a:extLst>
               <a:ext uri="{909E8E84-426E-40dd-AFC4-6F175D3DCCD1}">
-                <a14:hiddenFill xmlns:a14="http://schemas.microsoft.com/office/drawing/2010/main" xmlns="">
+                <a14:hiddenFill xmlns="" xmlns:a14="http://schemas.microsoft.com/office/drawing/2010/main">
                   <a:noFill/>
                 </a14:hiddenFill>
               </a:ext>
@@ -42424,7 +42424,7 @@
             </a:ln>
             <a:extLst>
               <a:ext uri="{909E8E84-426E-40dd-AFC4-6F175D3DCCD1}">
-                <a14:hiddenFill xmlns:a14="http://schemas.microsoft.com/office/drawing/2010/main" xmlns="">
+                <a14:hiddenFill xmlns="" xmlns:a14="http://schemas.microsoft.com/office/drawing/2010/main">
                   <a:noFill/>
                 </a14:hiddenFill>
               </a:ext>
@@ -42475,7 +42475,7 @@
             </a:ln>
             <a:extLst>
               <a:ext uri="{909E8E84-426E-40dd-AFC4-6F175D3DCCD1}">
-                <a14:hiddenFill xmlns:a14="http://schemas.microsoft.com/office/drawing/2010/main" xmlns="">
+                <a14:hiddenFill xmlns="" xmlns:a14="http://schemas.microsoft.com/office/drawing/2010/main">
                   <a:noFill/>
                 </a14:hiddenFill>
               </a:ext>
@@ -42526,7 +42526,7 @@
             </a:ln>
             <a:extLst>
               <a:ext uri="{909E8E84-426E-40dd-AFC4-6F175D3DCCD1}">
-                <a14:hiddenFill xmlns:a14="http://schemas.microsoft.com/office/drawing/2010/main" xmlns="">
+                <a14:hiddenFill xmlns="" xmlns:a14="http://schemas.microsoft.com/office/drawing/2010/main">
                   <a:noFill/>
                 </a14:hiddenFill>
               </a:ext>
@@ -42577,7 +42577,7 @@
             </a:ln>
             <a:extLst>
               <a:ext uri="{909E8E84-426E-40dd-AFC4-6F175D3DCCD1}">
-                <a14:hiddenFill xmlns:a14="http://schemas.microsoft.com/office/drawing/2010/main" xmlns="">
+                <a14:hiddenFill xmlns="" xmlns:a14="http://schemas.microsoft.com/office/drawing/2010/main">
                   <a:noFill/>
                 </a14:hiddenFill>
               </a:ext>
@@ -42628,7 +42628,7 @@
             </a:ln>
             <a:extLst>
               <a:ext uri="{909E8E84-426E-40dd-AFC4-6F175D3DCCD1}">
-                <a14:hiddenFill xmlns:a14="http://schemas.microsoft.com/office/drawing/2010/main" xmlns="">
+                <a14:hiddenFill xmlns="" xmlns:a14="http://schemas.microsoft.com/office/drawing/2010/main">
                   <a:noFill/>
                 </a14:hiddenFill>
               </a:ext>
@@ -42679,7 +42679,7 @@
             </a:ln>
             <a:extLst>
               <a:ext uri="{909E8E84-426E-40dd-AFC4-6F175D3DCCD1}">
-                <a14:hiddenFill xmlns:a14="http://schemas.microsoft.com/office/drawing/2010/main" xmlns="">
+                <a14:hiddenFill xmlns="" xmlns:a14="http://schemas.microsoft.com/office/drawing/2010/main">
                   <a:noFill/>
                 </a14:hiddenFill>
               </a:ext>
@@ -42730,7 +42730,7 @@
             </a:ln>
             <a:extLst>
               <a:ext uri="{909E8E84-426E-40dd-AFC4-6F175D3DCCD1}">
-                <a14:hiddenFill xmlns:a14="http://schemas.microsoft.com/office/drawing/2010/main" xmlns="">
+                <a14:hiddenFill xmlns="" xmlns:a14="http://schemas.microsoft.com/office/drawing/2010/main">
                   <a:noFill/>
                 </a14:hiddenFill>
               </a:ext>
@@ -42781,7 +42781,7 @@
             </a:ln>
             <a:extLst>
               <a:ext uri="{909E8E84-426E-40dd-AFC4-6F175D3DCCD1}">
-                <a14:hiddenFill xmlns:a14="http://schemas.microsoft.com/office/drawing/2010/main" xmlns="">
+                <a14:hiddenFill xmlns="" xmlns:a14="http://schemas.microsoft.com/office/drawing/2010/main">
                   <a:noFill/>
                 </a14:hiddenFill>
               </a:ext>
@@ -42832,7 +42832,7 @@
             </a:ln>
             <a:extLst>
               <a:ext uri="{909E8E84-426E-40dd-AFC4-6F175D3DCCD1}">
-                <a14:hiddenFill xmlns:a14="http://schemas.microsoft.com/office/drawing/2010/main" xmlns="">
+                <a14:hiddenFill xmlns="" xmlns:a14="http://schemas.microsoft.com/office/drawing/2010/main">
                   <a:noFill/>
                 </a14:hiddenFill>
               </a:ext>
@@ -42883,7 +42883,7 @@
             </a:ln>
             <a:extLst>
               <a:ext uri="{909E8E84-426E-40dd-AFC4-6F175D3DCCD1}">
-                <a14:hiddenFill xmlns:a14="http://schemas.microsoft.com/office/drawing/2010/main" xmlns="">
+                <a14:hiddenFill xmlns="" xmlns:a14="http://schemas.microsoft.com/office/drawing/2010/main">
                   <a:noFill/>
                 </a14:hiddenFill>
               </a:ext>
@@ -42934,7 +42934,7 @@
             </a:ln>
             <a:extLst>
               <a:ext uri="{909E8E84-426E-40dd-AFC4-6F175D3DCCD1}">
-                <a14:hiddenFill xmlns:a14="http://schemas.microsoft.com/office/drawing/2010/main" xmlns="">
+                <a14:hiddenFill xmlns="" xmlns:a14="http://schemas.microsoft.com/office/drawing/2010/main">
                   <a:noFill/>
                 </a14:hiddenFill>
               </a:ext>
@@ -42985,7 +42985,7 @@
             </a:ln>
             <a:extLst>
               <a:ext uri="{909E8E84-426E-40dd-AFC4-6F175D3DCCD1}">
-                <a14:hiddenFill xmlns:a14="http://schemas.microsoft.com/office/drawing/2010/main" xmlns="">
+                <a14:hiddenFill xmlns="" xmlns:a14="http://schemas.microsoft.com/office/drawing/2010/main">
                   <a:noFill/>
                 </a14:hiddenFill>
               </a:ext>
@@ -43036,7 +43036,7 @@
             </a:ln>
             <a:extLst>
               <a:ext uri="{909E8E84-426E-40dd-AFC4-6F175D3DCCD1}">
-                <a14:hiddenFill xmlns:a14="http://schemas.microsoft.com/office/drawing/2010/main" xmlns="">
+                <a14:hiddenFill xmlns="" xmlns:a14="http://schemas.microsoft.com/office/drawing/2010/main">
                   <a:noFill/>
                 </a14:hiddenFill>
               </a:ext>
@@ -43087,7 +43087,7 @@
             </a:ln>
             <a:extLst>
               <a:ext uri="{909E8E84-426E-40dd-AFC4-6F175D3DCCD1}">
-                <a14:hiddenFill xmlns:a14="http://schemas.microsoft.com/office/drawing/2010/main" xmlns="">
+                <a14:hiddenFill xmlns="" xmlns:a14="http://schemas.microsoft.com/office/drawing/2010/main">
                   <a:noFill/>
                 </a14:hiddenFill>
               </a:ext>
@@ -43138,7 +43138,7 @@
             </a:ln>
             <a:extLst>
               <a:ext uri="{909E8E84-426E-40dd-AFC4-6F175D3DCCD1}">
-                <a14:hiddenFill xmlns:a14="http://schemas.microsoft.com/office/drawing/2010/main" xmlns="">
+                <a14:hiddenFill xmlns="" xmlns:a14="http://schemas.microsoft.com/office/drawing/2010/main">
                   <a:noFill/>
                 </a14:hiddenFill>
               </a:ext>
@@ -43189,7 +43189,7 @@
             </a:ln>
             <a:extLst>
               <a:ext uri="{909E8E84-426E-40dd-AFC4-6F175D3DCCD1}">
-                <a14:hiddenFill xmlns:a14="http://schemas.microsoft.com/office/drawing/2010/main" xmlns="">
+                <a14:hiddenFill xmlns="" xmlns:a14="http://schemas.microsoft.com/office/drawing/2010/main">
                   <a:noFill/>
                 </a14:hiddenFill>
               </a:ext>
@@ -43240,7 +43240,7 @@
             </a:ln>
             <a:extLst>
               <a:ext uri="{909E8E84-426E-40dd-AFC4-6F175D3DCCD1}">
-                <a14:hiddenFill xmlns:a14="http://schemas.microsoft.com/office/drawing/2010/main" xmlns="">
+                <a14:hiddenFill xmlns="" xmlns:a14="http://schemas.microsoft.com/office/drawing/2010/main">
                   <a:noFill/>
                 </a14:hiddenFill>
               </a:ext>
@@ -43291,7 +43291,7 @@
             </a:ln>
             <a:extLst>
               <a:ext uri="{909E8E84-426E-40dd-AFC4-6F175D3DCCD1}">
-                <a14:hiddenFill xmlns:a14="http://schemas.microsoft.com/office/drawing/2010/main" xmlns="">
+                <a14:hiddenFill xmlns="" xmlns:a14="http://schemas.microsoft.com/office/drawing/2010/main">
                   <a:noFill/>
                 </a14:hiddenFill>
               </a:ext>
@@ -43342,7 +43342,7 @@
             </a:ln>
             <a:extLst>
               <a:ext uri="{909E8E84-426E-40dd-AFC4-6F175D3DCCD1}">
-                <a14:hiddenFill xmlns:a14="http://schemas.microsoft.com/office/drawing/2010/main" xmlns="">
+                <a14:hiddenFill xmlns="" xmlns:a14="http://schemas.microsoft.com/office/drawing/2010/main">
                   <a:noFill/>
                 </a14:hiddenFill>
               </a:ext>
@@ -43393,7 +43393,7 @@
             </a:ln>
             <a:extLst>
               <a:ext uri="{909E8E84-426E-40dd-AFC4-6F175D3DCCD1}">
-                <a14:hiddenFill xmlns:a14="http://schemas.microsoft.com/office/drawing/2010/main" xmlns="">
+                <a14:hiddenFill xmlns="" xmlns:a14="http://schemas.microsoft.com/office/drawing/2010/main">
                   <a:noFill/>
                 </a14:hiddenFill>
               </a:ext>
@@ -43444,7 +43444,7 @@
             </a:ln>
             <a:extLst>
               <a:ext uri="{909E8E84-426E-40dd-AFC4-6F175D3DCCD1}">
-                <a14:hiddenFill xmlns:a14="http://schemas.microsoft.com/office/drawing/2010/main" xmlns="">
+                <a14:hiddenFill xmlns="" xmlns:a14="http://schemas.microsoft.com/office/drawing/2010/main">
                   <a:noFill/>
                 </a14:hiddenFill>
               </a:ext>
@@ -43495,7 +43495,7 @@
             </a:ln>
             <a:extLst>
               <a:ext uri="{909E8E84-426E-40dd-AFC4-6F175D3DCCD1}">
-                <a14:hiddenFill xmlns:a14="http://schemas.microsoft.com/office/drawing/2010/main" xmlns="">
+                <a14:hiddenFill xmlns="" xmlns:a14="http://schemas.microsoft.com/office/drawing/2010/main">
                   <a:noFill/>
                 </a14:hiddenFill>
               </a:ext>
@@ -43546,7 +43546,7 @@
             </a:ln>
             <a:extLst>
               <a:ext uri="{909E8E84-426E-40dd-AFC4-6F175D3DCCD1}">
-                <a14:hiddenFill xmlns:a14="http://schemas.microsoft.com/office/drawing/2010/main" xmlns="">
+                <a14:hiddenFill xmlns="" xmlns:a14="http://schemas.microsoft.com/office/drawing/2010/main">
                   <a:noFill/>
                 </a14:hiddenFill>
               </a:ext>
@@ -43597,7 +43597,7 @@
             </a:ln>
             <a:extLst>
               <a:ext uri="{909E8E84-426E-40dd-AFC4-6F175D3DCCD1}">
-                <a14:hiddenFill xmlns:a14="http://schemas.microsoft.com/office/drawing/2010/main" xmlns="">
+                <a14:hiddenFill xmlns="" xmlns:a14="http://schemas.microsoft.com/office/drawing/2010/main">
                   <a:noFill/>
                 </a14:hiddenFill>
               </a:ext>
@@ -43648,7 +43648,7 @@
             </a:ln>
             <a:extLst>
               <a:ext uri="{909E8E84-426E-40dd-AFC4-6F175D3DCCD1}">
-                <a14:hiddenFill xmlns:a14="http://schemas.microsoft.com/office/drawing/2010/main" xmlns="">
+                <a14:hiddenFill xmlns="" xmlns:a14="http://schemas.microsoft.com/office/drawing/2010/main">
                   <a:noFill/>
                 </a14:hiddenFill>
               </a:ext>
@@ -43699,7 +43699,7 @@
             </a:ln>
             <a:extLst>
               <a:ext uri="{909E8E84-426E-40dd-AFC4-6F175D3DCCD1}">
-                <a14:hiddenFill xmlns:a14="http://schemas.microsoft.com/office/drawing/2010/main" xmlns="">
+                <a14:hiddenFill xmlns="" xmlns:a14="http://schemas.microsoft.com/office/drawing/2010/main">
                   <a:noFill/>
                 </a14:hiddenFill>
               </a:ext>
@@ -43750,7 +43750,7 @@
             </a:ln>
             <a:extLst>
               <a:ext uri="{909E8E84-426E-40dd-AFC4-6F175D3DCCD1}">
-                <a14:hiddenFill xmlns:a14="http://schemas.microsoft.com/office/drawing/2010/main" xmlns="">
+                <a14:hiddenFill xmlns="" xmlns:a14="http://schemas.microsoft.com/office/drawing/2010/main">
                   <a:noFill/>
                 </a14:hiddenFill>
               </a:ext>
@@ -43801,7 +43801,7 @@
             </a:ln>
             <a:extLst>
               <a:ext uri="{909E8E84-426E-40dd-AFC4-6F175D3DCCD1}">
-                <a14:hiddenFill xmlns:a14="http://schemas.microsoft.com/office/drawing/2010/main" xmlns="">
+                <a14:hiddenFill xmlns="" xmlns:a14="http://schemas.microsoft.com/office/drawing/2010/main">
                   <a:noFill/>
                 </a14:hiddenFill>
               </a:ext>
@@ -43852,7 +43852,7 @@
             </a:ln>
             <a:extLst>
               <a:ext uri="{909E8E84-426E-40dd-AFC4-6F175D3DCCD1}">
-                <a14:hiddenFill xmlns:a14="http://schemas.microsoft.com/office/drawing/2010/main" xmlns="">
+                <a14:hiddenFill xmlns="" xmlns:a14="http://schemas.microsoft.com/office/drawing/2010/main">
                   <a:noFill/>
                 </a14:hiddenFill>
               </a:ext>
@@ -43903,7 +43903,7 @@
             </a:ln>
             <a:extLst>
               <a:ext uri="{909E8E84-426E-40dd-AFC4-6F175D3DCCD1}">
-                <a14:hiddenFill xmlns:a14="http://schemas.microsoft.com/office/drawing/2010/main" xmlns="">
+                <a14:hiddenFill xmlns="" xmlns:a14="http://schemas.microsoft.com/office/drawing/2010/main">
                   <a:noFill/>
                 </a14:hiddenFill>
               </a:ext>
@@ -43954,7 +43954,7 @@
             </a:ln>
             <a:extLst>
               <a:ext uri="{909E8E84-426E-40dd-AFC4-6F175D3DCCD1}">
-                <a14:hiddenFill xmlns:a14="http://schemas.microsoft.com/office/drawing/2010/main" xmlns="">
+                <a14:hiddenFill xmlns="" xmlns:a14="http://schemas.microsoft.com/office/drawing/2010/main">
                   <a:noFill/>
                 </a14:hiddenFill>
               </a:ext>
@@ -44005,7 +44005,7 @@
             </a:ln>
             <a:extLst>
               <a:ext uri="{909E8E84-426E-40dd-AFC4-6F175D3DCCD1}">
-                <a14:hiddenFill xmlns:a14="http://schemas.microsoft.com/office/drawing/2010/main" xmlns="">
+                <a14:hiddenFill xmlns="" xmlns:a14="http://schemas.microsoft.com/office/drawing/2010/main">
                   <a:noFill/>
                 </a14:hiddenFill>
               </a:ext>
@@ -44056,7 +44056,7 @@
             </a:ln>
             <a:extLst>
               <a:ext uri="{909E8E84-426E-40dd-AFC4-6F175D3DCCD1}">
-                <a14:hiddenFill xmlns:a14="http://schemas.microsoft.com/office/drawing/2010/main" xmlns="">
+                <a14:hiddenFill xmlns="" xmlns:a14="http://schemas.microsoft.com/office/drawing/2010/main">
                   <a:noFill/>
                 </a14:hiddenFill>
               </a:ext>
@@ -44107,7 +44107,7 @@
             </a:ln>
             <a:extLst>
               <a:ext uri="{909E8E84-426E-40dd-AFC4-6F175D3DCCD1}">
-                <a14:hiddenFill xmlns:a14="http://schemas.microsoft.com/office/drawing/2010/main" xmlns="">
+                <a14:hiddenFill xmlns="" xmlns:a14="http://schemas.microsoft.com/office/drawing/2010/main">
                   <a:noFill/>
                 </a14:hiddenFill>
               </a:ext>
@@ -44158,7 +44158,7 @@
             </a:ln>
             <a:extLst>
               <a:ext uri="{909E8E84-426E-40dd-AFC4-6F175D3DCCD1}">
-                <a14:hiddenFill xmlns:a14="http://schemas.microsoft.com/office/drawing/2010/main" xmlns="">
+                <a14:hiddenFill xmlns="" xmlns:a14="http://schemas.microsoft.com/office/drawing/2010/main">
                   <a:noFill/>
                 </a14:hiddenFill>
               </a:ext>
@@ -44209,7 +44209,7 @@
             </a:ln>
             <a:extLst>
               <a:ext uri="{909E8E84-426E-40dd-AFC4-6F175D3DCCD1}">
-                <a14:hiddenFill xmlns:a14="http://schemas.microsoft.com/office/drawing/2010/main" xmlns="">
+                <a14:hiddenFill xmlns="" xmlns:a14="http://schemas.microsoft.com/office/drawing/2010/main">
                   <a:noFill/>
                 </a14:hiddenFill>
               </a:ext>
@@ -44260,7 +44260,7 @@
             </a:ln>
             <a:extLst>
               <a:ext uri="{909E8E84-426E-40dd-AFC4-6F175D3DCCD1}">
-                <a14:hiddenFill xmlns:a14="http://schemas.microsoft.com/office/drawing/2010/main" xmlns="">
+                <a14:hiddenFill xmlns="" xmlns:a14="http://schemas.microsoft.com/office/drawing/2010/main">
                   <a:noFill/>
                 </a14:hiddenFill>
               </a:ext>
@@ -44311,7 +44311,7 @@
             </a:ln>
             <a:extLst>
               <a:ext uri="{909E8E84-426E-40dd-AFC4-6F175D3DCCD1}">
-                <a14:hiddenFill xmlns:a14="http://schemas.microsoft.com/office/drawing/2010/main" xmlns="">
+                <a14:hiddenFill xmlns="" xmlns:a14="http://schemas.microsoft.com/office/drawing/2010/main">
                   <a:noFill/>
                 </a14:hiddenFill>
               </a:ext>
@@ -44362,7 +44362,7 @@
             </a:ln>
             <a:extLst>
               <a:ext uri="{909E8E84-426E-40dd-AFC4-6F175D3DCCD1}">
-                <a14:hiddenFill xmlns:a14="http://schemas.microsoft.com/office/drawing/2010/main" xmlns="">
+                <a14:hiddenFill xmlns="" xmlns:a14="http://schemas.microsoft.com/office/drawing/2010/main">
                   <a:noFill/>
                 </a14:hiddenFill>
               </a:ext>
@@ -44413,7 +44413,7 @@
             </a:ln>
             <a:extLst>
               <a:ext uri="{909E8E84-426E-40dd-AFC4-6F175D3DCCD1}">
-                <a14:hiddenFill xmlns:a14="http://schemas.microsoft.com/office/drawing/2010/main" xmlns="">
+                <a14:hiddenFill xmlns="" xmlns:a14="http://schemas.microsoft.com/office/drawing/2010/main">
                   <a:noFill/>
                 </a14:hiddenFill>
               </a:ext>
@@ -44464,7 +44464,7 @@
             </a:ln>
             <a:extLst>
               <a:ext uri="{909E8E84-426E-40dd-AFC4-6F175D3DCCD1}">
-                <a14:hiddenFill xmlns:a14="http://schemas.microsoft.com/office/drawing/2010/main" xmlns="">
+                <a14:hiddenFill xmlns="" xmlns:a14="http://schemas.microsoft.com/office/drawing/2010/main">
                   <a:noFill/>
                 </a14:hiddenFill>
               </a:ext>
@@ -44515,7 +44515,7 @@
             </a:ln>
             <a:extLst>
               <a:ext uri="{909E8E84-426E-40dd-AFC4-6F175D3DCCD1}">
-                <a14:hiddenFill xmlns:a14="http://schemas.microsoft.com/office/drawing/2010/main" xmlns="">
+                <a14:hiddenFill xmlns="" xmlns:a14="http://schemas.microsoft.com/office/drawing/2010/main">
                   <a:noFill/>
                 </a14:hiddenFill>
               </a:ext>
@@ -49040,7 +49040,29 @@
                 <a:ea typeface="Verdana" panose="020B0604030504040204" pitchFamily="34" charset="0"/>
                 <a:cs typeface="Verdana" panose="020B0604030504040204" pitchFamily="34" charset="0"/>
               </a:rPr>
-              <a:t>Women who try AP Computer Science in high school are ten times more likely to major in it in college, and Black and Hispanic students are seven times more likely. </a:t>
+              <a:t>Women who try AP Computer Science in high school are ten times more likely to major in it in college, and Black </a:t>
+            </a:r>
+            <a:r>
+              <a:rPr lang="en-US" sz="1800">
+                <a:solidFill>
+                  <a:srgbClr val="5B6770"/>
+                </a:solidFill>
+                <a:latin typeface="Verdana" panose="020B0604030504040204" pitchFamily="34" charset="0"/>
+                <a:ea typeface="Verdana" panose="020B0604030504040204" pitchFamily="34" charset="0"/>
+                <a:cs typeface="Verdana" panose="020B0604030504040204" pitchFamily="34" charset="0"/>
+              </a:rPr>
+              <a:t>and Latino </a:t>
+            </a:r>
+            <a:r>
+              <a:rPr lang="en-US" sz="1800" dirty="0">
+                <a:solidFill>
+                  <a:srgbClr val="5B6770"/>
+                </a:solidFill>
+                <a:latin typeface="Verdana" panose="020B0604030504040204" pitchFamily="34" charset="0"/>
+                <a:ea typeface="Verdana" panose="020B0604030504040204" pitchFamily="34" charset="0"/>
+                <a:cs typeface="Verdana" panose="020B0604030504040204" pitchFamily="34" charset="0"/>
+              </a:rPr>
+              <a:t>students are seven times more likely. </a:t>
             </a:r>
           </a:p>
         </p:txBody>
